--- a/Mobile Musical Moments.pptx
+++ b/Mobile Musical Moments.pptx
@@ -297,7 +297,8 @@
           <a:p>
             <a:fld id="{87F5E36F-6524-461C-B7B1-98B7AAA2E1D0}" type="datetimeFigureOut">
               <a:rPr lang="en-US" smtClean="0"/>
-              <a:t>10/11/2008</a:t>
+              <a:pPr/>
+              <a:t>10/13/2008</a:t>
             </a:fld>
             <a:endParaRPr lang="en-NZ"/>
           </a:p>
@@ -339,6 +340,7 @@
           <a:p>
             <a:fld id="{A408DFE0-0C04-4CEA-989E-73EF3AFE1515}" type="slidenum">
               <a:rPr lang="en-NZ" smtClean="0"/>
+              <a:pPr/>
               <a:t>‹#›</a:t>
             </a:fld>
             <a:endParaRPr lang="en-NZ"/>
@@ -462,7 +464,8 @@
           <a:p>
             <a:fld id="{87F5E36F-6524-461C-B7B1-98B7AAA2E1D0}" type="datetimeFigureOut">
               <a:rPr lang="en-US" smtClean="0"/>
-              <a:t>10/11/2008</a:t>
+              <a:pPr/>
+              <a:t>10/13/2008</a:t>
             </a:fld>
             <a:endParaRPr lang="en-NZ"/>
           </a:p>
@@ -504,6 +507,7 @@
           <a:p>
             <a:fld id="{A408DFE0-0C04-4CEA-989E-73EF3AFE1515}" type="slidenum">
               <a:rPr lang="en-NZ" smtClean="0"/>
+              <a:pPr/>
               <a:t>‹#›</a:t>
             </a:fld>
             <a:endParaRPr lang="en-NZ"/>
@@ -637,7 +641,8 @@
           <a:p>
             <a:fld id="{87F5E36F-6524-461C-B7B1-98B7AAA2E1D0}" type="datetimeFigureOut">
               <a:rPr lang="en-US" smtClean="0"/>
-              <a:t>10/11/2008</a:t>
+              <a:pPr/>
+              <a:t>10/13/2008</a:t>
             </a:fld>
             <a:endParaRPr lang="en-NZ"/>
           </a:p>
@@ -679,6 +684,7 @@
           <a:p>
             <a:fld id="{A408DFE0-0C04-4CEA-989E-73EF3AFE1515}" type="slidenum">
               <a:rPr lang="en-NZ" smtClean="0"/>
+              <a:pPr/>
               <a:t>‹#›</a:t>
             </a:fld>
             <a:endParaRPr lang="en-NZ"/>
@@ -802,7 +808,8 @@
           <a:p>
             <a:fld id="{87F5E36F-6524-461C-B7B1-98B7AAA2E1D0}" type="datetimeFigureOut">
               <a:rPr lang="en-US" smtClean="0"/>
-              <a:t>10/11/2008</a:t>
+              <a:pPr/>
+              <a:t>10/13/2008</a:t>
             </a:fld>
             <a:endParaRPr lang="en-NZ"/>
           </a:p>
@@ -844,6 +851,7 @@
           <a:p>
             <a:fld id="{A408DFE0-0C04-4CEA-989E-73EF3AFE1515}" type="slidenum">
               <a:rPr lang="en-NZ" smtClean="0"/>
+              <a:pPr/>
               <a:t>‹#›</a:t>
             </a:fld>
             <a:endParaRPr lang="en-NZ"/>
@@ -1043,7 +1051,8 @@
           <a:p>
             <a:fld id="{87F5E36F-6524-461C-B7B1-98B7AAA2E1D0}" type="datetimeFigureOut">
               <a:rPr lang="en-US" smtClean="0"/>
-              <a:t>10/11/2008</a:t>
+              <a:pPr/>
+              <a:t>10/13/2008</a:t>
             </a:fld>
             <a:endParaRPr lang="en-NZ"/>
           </a:p>
@@ -1085,6 +1094,7 @@
           <a:p>
             <a:fld id="{A408DFE0-0C04-4CEA-989E-73EF3AFE1515}" type="slidenum">
               <a:rPr lang="en-NZ" smtClean="0"/>
+              <a:pPr/>
               <a:t>‹#›</a:t>
             </a:fld>
             <a:endParaRPr lang="en-NZ"/>
@@ -1326,7 +1336,8 @@
           <a:p>
             <a:fld id="{87F5E36F-6524-461C-B7B1-98B7AAA2E1D0}" type="datetimeFigureOut">
               <a:rPr lang="en-US" smtClean="0"/>
-              <a:t>10/11/2008</a:t>
+              <a:pPr/>
+              <a:t>10/13/2008</a:t>
             </a:fld>
             <a:endParaRPr lang="en-NZ"/>
           </a:p>
@@ -1368,6 +1379,7 @@
           <a:p>
             <a:fld id="{A408DFE0-0C04-4CEA-989E-73EF3AFE1515}" type="slidenum">
               <a:rPr lang="en-NZ" smtClean="0"/>
+              <a:pPr/>
               <a:t>‹#›</a:t>
             </a:fld>
             <a:endParaRPr lang="en-NZ"/>
@@ -1743,7 +1755,8 @@
           <a:p>
             <a:fld id="{87F5E36F-6524-461C-B7B1-98B7AAA2E1D0}" type="datetimeFigureOut">
               <a:rPr lang="en-US" smtClean="0"/>
-              <a:t>10/11/2008</a:t>
+              <a:pPr/>
+              <a:t>10/13/2008</a:t>
             </a:fld>
             <a:endParaRPr lang="en-NZ"/>
           </a:p>
@@ -1785,6 +1798,7 @@
           <a:p>
             <a:fld id="{A408DFE0-0C04-4CEA-989E-73EF3AFE1515}" type="slidenum">
               <a:rPr lang="en-NZ" smtClean="0"/>
+              <a:pPr/>
               <a:t>‹#›</a:t>
             </a:fld>
             <a:endParaRPr lang="en-NZ"/>
@@ -1856,7 +1870,8 @@
           <a:p>
             <a:fld id="{87F5E36F-6524-461C-B7B1-98B7AAA2E1D0}" type="datetimeFigureOut">
               <a:rPr lang="en-US" smtClean="0"/>
-              <a:t>10/11/2008</a:t>
+              <a:pPr/>
+              <a:t>10/13/2008</a:t>
             </a:fld>
             <a:endParaRPr lang="en-NZ"/>
           </a:p>
@@ -1898,6 +1913,7 @@
           <a:p>
             <a:fld id="{A408DFE0-0C04-4CEA-989E-73EF3AFE1515}" type="slidenum">
               <a:rPr lang="en-NZ" smtClean="0"/>
+              <a:pPr/>
               <a:t>‹#›</a:t>
             </a:fld>
             <a:endParaRPr lang="en-NZ"/>
@@ -1946,7 +1962,8 @@
           <a:p>
             <a:fld id="{87F5E36F-6524-461C-B7B1-98B7AAA2E1D0}" type="datetimeFigureOut">
               <a:rPr lang="en-US" smtClean="0"/>
-              <a:t>10/11/2008</a:t>
+              <a:pPr/>
+              <a:t>10/13/2008</a:t>
             </a:fld>
             <a:endParaRPr lang="en-NZ"/>
           </a:p>
@@ -1988,6 +2005,7 @@
           <a:p>
             <a:fld id="{A408DFE0-0C04-4CEA-989E-73EF3AFE1515}" type="slidenum">
               <a:rPr lang="en-NZ" smtClean="0"/>
+              <a:pPr/>
               <a:t>‹#›</a:t>
             </a:fld>
             <a:endParaRPr lang="en-NZ"/>
@@ -2218,7 +2236,8 @@
           <a:p>
             <a:fld id="{87F5E36F-6524-461C-B7B1-98B7AAA2E1D0}" type="datetimeFigureOut">
               <a:rPr lang="en-US" smtClean="0"/>
-              <a:t>10/11/2008</a:t>
+              <a:pPr/>
+              <a:t>10/13/2008</a:t>
             </a:fld>
             <a:endParaRPr lang="en-NZ"/>
           </a:p>
@@ -2260,6 +2279,7 @@
           <a:p>
             <a:fld id="{A408DFE0-0C04-4CEA-989E-73EF3AFE1515}" type="slidenum">
               <a:rPr lang="en-NZ" smtClean="0"/>
+              <a:pPr/>
               <a:t>‹#›</a:t>
             </a:fld>
             <a:endParaRPr lang="en-NZ"/>
@@ -2466,7 +2486,8 @@
           <a:p>
             <a:fld id="{87F5E36F-6524-461C-B7B1-98B7AAA2E1D0}" type="datetimeFigureOut">
               <a:rPr lang="en-US" smtClean="0"/>
-              <a:t>10/11/2008</a:t>
+              <a:pPr/>
+              <a:t>10/13/2008</a:t>
             </a:fld>
             <a:endParaRPr lang="en-NZ"/>
           </a:p>
@@ -2508,6 +2529,7 @@
           <a:p>
             <a:fld id="{A408DFE0-0C04-4CEA-989E-73EF3AFE1515}" type="slidenum">
               <a:rPr lang="en-NZ" smtClean="0"/>
+              <a:pPr/>
               <a:t>‹#›</a:t>
             </a:fld>
             <a:endParaRPr lang="en-NZ"/>
@@ -2707,7 +2729,8 @@
           <a:p>
             <a:fld id="{87F5E36F-6524-461C-B7B1-98B7AAA2E1D0}" type="datetimeFigureOut">
               <a:rPr lang="en-US" smtClean="0"/>
-              <a:t>10/11/2008</a:t>
+              <a:pPr/>
+              <a:t>10/13/2008</a:t>
             </a:fld>
             <a:endParaRPr lang="en-NZ"/>
           </a:p>
@@ -2785,6 +2808,7 @@
           <a:p>
             <a:fld id="{A408DFE0-0C04-4CEA-989E-73EF3AFE1515}" type="slidenum">
               <a:rPr lang="en-NZ" smtClean="0"/>
+              <a:pPr/>
               <a:t>‹#›</a:t>
             </a:fld>
             <a:endParaRPr lang="en-NZ"/>
@@ -3338,8 +3362,17 @@
           <a:p>
             <a:r>
               <a:rPr lang="en-NZ" dirty="0" smtClean="0"/>
-              <a:t>Our software package uses some closed source code. As a result of this all our code has been made closed source.</a:t>
-            </a:r>
+              <a:t>Our software package uses some closed source </a:t>
+            </a:r>
+            <a:r>
+              <a:rPr lang="en-NZ" smtClean="0"/>
+              <a:t>code</a:t>
+            </a:r>
+            <a:r>
+              <a:rPr lang="en-NZ" smtClean="0"/>
+              <a:t>.</a:t>
+            </a:r>
+            <a:endParaRPr lang="en-NZ" dirty="0" smtClean="0"/>
           </a:p>
           <a:p>
             <a:r>

--- a/Mobile Musical Moments.pptx
+++ b/Mobile Musical Moments.pptx
@@ -6,15 +6,18 @@
   </p:sldMasterIdLst>
   <p:sldIdLst>
     <p:sldId id="256" r:id="rId2"/>
-    <p:sldId id="257" r:id="rId3"/>
-    <p:sldId id="264" r:id="rId4"/>
-    <p:sldId id="259" r:id="rId5"/>
-    <p:sldId id="258" r:id="rId6"/>
-    <p:sldId id="260" r:id="rId7"/>
-    <p:sldId id="261" r:id="rId8"/>
-    <p:sldId id="262" r:id="rId9"/>
-    <p:sldId id="263" r:id="rId10"/>
-    <p:sldId id="265" r:id="rId11"/>
+    <p:sldId id="266" r:id="rId3"/>
+    <p:sldId id="257" r:id="rId4"/>
+    <p:sldId id="264" r:id="rId5"/>
+    <p:sldId id="259" r:id="rId6"/>
+    <p:sldId id="258" r:id="rId7"/>
+    <p:sldId id="260" r:id="rId8"/>
+    <p:sldId id="261" r:id="rId9"/>
+    <p:sldId id="268" r:id="rId10"/>
+    <p:sldId id="262" r:id="rId11"/>
+    <p:sldId id="267" r:id="rId12"/>
+    <p:sldId id="263" r:id="rId13"/>
+    <p:sldId id="265" r:id="rId14"/>
   </p:sldIdLst>
   <p:sldSz cx="9144000" cy="6858000" type="screen4x3"/>
   <p:notesSz cx="6858000" cy="9144000"/>
@@ -22,92 +25,122 @@
     <a:defPPr>
       <a:defRPr lang="en-US"/>
     </a:defPPr>
-    <a:lvl1pPr marL="0" algn="l" defTabSz="914400" rtl="0" eaLnBrk="1" latinLnBrk="0" hangingPunct="1">
-      <a:defRPr sz="1800" kern="1200">
+    <a:lvl1pPr algn="l" rtl="0" fontAlgn="base">
+      <a:spcBef>
+        <a:spcPct val="0"/>
+      </a:spcBef>
+      <a:spcAft>
+        <a:spcPct val="0"/>
+      </a:spcAft>
+      <a:defRPr kern="1200">
         <a:solidFill>
           <a:schemeClr val="tx1"/>
         </a:solidFill>
-        <a:latin typeface="+mn-lt"/>
+        <a:latin typeface="Arial" charset="0"/>
         <a:ea typeface="+mn-ea"/>
         <a:cs typeface="+mn-cs"/>
       </a:defRPr>
     </a:lvl1pPr>
-    <a:lvl2pPr marL="457200" algn="l" defTabSz="914400" rtl="0" eaLnBrk="1" latinLnBrk="0" hangingPunct="1">
-      <a:defRPr sz="1800" kern="1200">
+    <a:lvl2pPr marL="457200" algn="l" rtl="0" fontAlgn="base">
+      <a:spcBef>
+        <a:spcPct val="0"/>
+      </a:spcBef>
+      <a:spcAft>
+        <a:spcPct val="0"/>
+      </a:spcAft>
+      <a:defRPr kern="1200">
         <a:solidFill>
           <a:schemeClr val="tx1"/>
         </a:solidFill>
-        <a:latin typeface="+mn-lt"/>
+        <a:latin typeface="Arial" charset="0"/>
         <a:ea typeface="+mn-ea"/>
         <a:cs typeface="+mn-cs"/>
       </a:defRPr>
     </a:lvl2pPr>
-    <a:lvl3pPr marL="914400" algn="l" defTabSz="914400" rtl="0" eaLnBrk="1" latinLnBrk="0" hangingPunct="1">
-      <a:defRPr sz="1800" kern="1200">
+    <a:lvl3pPr marL="914400" algn="l" rtl="0" fontAlgn="base">
+      <a:spcBef>
+        <a:spcPct val="0"/>
+      </a:spcBef>
+      <a:spcAft>
+        <a:spcPct val="0"/>
+      </a:spcAft>
+      <a:defRPr kern="1200">
         <a:solidFill>
           <a:schemeClr val="tx1"/>
         </a:solidFill>
-        <a:latin typeface="+mn-lt"/>
+        <a:latin typeface="Arial" charset="0"/>
         <a:ea typeface="+mn-ea"/>
         <a:cs typeface="+mn-cs"/>
       </a:defRPr>
     </a:lvl3pPr>
-    <a:lvl4pPr marL="1371600" algn="l" defTabSz="914400" rtl="0" eaLnBrk="1" latinLnBrk="0" hangingPunct="1">
-      <a:defRPr sz="1800" kern="1200">
+    <a:lvl4pPr marL="1371600" algn="l" rtl="0" fontAlgn="base">
+      <a:spcBef>
+        <a:spcPct val="0"/>
+      </a:spcBef>
+      <a:spcAft>
+        <a:spcPct val="0"/>
+      </a:spcAft>
+      <a:defRPr kern="1200">
         <a:solidFill>
           <a:schemeClr val="tx1"/>
         </a:solidFill>
-        <a:latin typeface="+mn-lt"/>
+        <a:latin typeface="Arial" charset="0"/>
         <a:ea typeface="+mn-ea"/>
         <a:cs typeface="+mn-cs"/>
       </a:defRPr>
     </a:lvl4pPr>
-    <a:lvl5pPr marL="1828800" algn="l" defTabSz="914400" rtl="0" eaLnBrk="1" latinLnBrk="0" hangingPunct="1">
-      <a:defRPr sz="1800" kern="1200">
+    <a:lvl5pPr marL="1828800" algn="l" rtl="0" fontAlgn="base">
+      <a:spcBef>
+        <a:spcPct val="0"/>
+      </a:spcBef>
+      <a:spcAft>
+        <a:spcPct val="0"/>
+      </a:spcAft>
+      <a:defRPr kern="1200">
         <a:solidFill>
           <a:schemeClr val="tx1"/>
         </a:solidFill>
-        <a:latin typeface="+mn-lt"/>
+        <a:latin typeface="Arial" charset="0"/>
         <a:ea typeface="+mn-ea"/>
         <a:cs typeface="+mn-cs"/>
       </a:defRPr>
     </a:lvl5pPr>
     <a:lvl6pPr marL="2286000" algn="l" defTabSz="914400" rtl="0" eaLnBrk="1" latinLnBrk="0" hangingPunct="1">
-      <a:defRPr sz="1800" kern="1200">
+      <a:defRPr kern="1200">
         <a:solidFill>
           <a:schemeClr val="tx1"/>
         </a:solidFill>
-        <a:latin typeface="+mn-lt"/>
+        <a:latin typeface="Arial" charset="0"/>
         <a:ea typeface="+mn-ea"/>
         <a:cs typeface="+mn-cs"/>
       </a:defRPr>
     </a:lvl6pPr>
     <a:lvl7pPr marL="2743200" algn="l" defTabSz="914400" rtl="0" eaLnBrk="1" latinLnBrk="0" hangingPunct="1">
-      <a:defRPr sz="1800" kern="1200">
+      <a:defRPr kern="1200">
         <a:solidFill>
           <a:schemeClr val="tx1"/>
         </a:solidFill>
-        <a:latin typeface="+mn-lt"/>
+        <a:latin typeface="Arial" charset="0"/>
         <a:ea typeface="+mn-ea"/>
         <a:cs typeface="+mn-cs"/>
       </a:defRPr>
     </a:lvl7pPr>
     <a:lvl8pPr marL="3200400" algn="l" defTabSz="914400" rtl="0" eaLnBrk="1" latinLnBrk="0" hangingPunct="1">
-      <a:defRPr sz="1800" kern="1200">
+      <a:defRPr kern="1200">
         <a:solidFill>
           <a:schemeClr val="tx1"/>
         </a:solidFill>
-        <a:latin typeface="+mn-lt"/>
+        <a:latin typeface="Arial" charset="0"/>
         <a:ea typeface="+mn-ea"/>
         <a:cs typeface="+mn-cs"/>
       </a:defRPr>
     </a:lvl8pPr>
     <a:lvl9pPr marL="3657600" algn="l" defTabSz="914400" rtl="0" eaLnBrk="1" latinLnBrk="0" hangingPunct="1">
-      <a:defRPr sz="1800" kern="1200">
+      <a:defRPr kern="1200">
         <a:solidFill>
           <a:schemeClr val="tx1"/>
         </a:solidFill>
-        <a:latin typeface="+mn-lt"/>
+        <a:latin typeface="Arial" charset="0"/>
         <a:ea typeface="+mn-ea"/>
         <a:cs typeface="+mn-cs"/>
       </a:defRPr>
@@ -293,11 +326,20 @@
         <p:spPr/>
         <p:txBody>
           <a:bodyPr/>
-          <a:lstStyle/>
-          <a:p>
-            <a:fld id="{87F5E36F-6524-461C-B7B1-98B7AAA2E1D0}" type="datetimeFigureOut">
-              <a:rPr lang="en-US" smtClean="0"/>
-              <a:pPr/>
+          <a:lstStyle>
+            <a:lvl1pPr>
+              <a:defRPr/>
+            </a:lvl1pPr>
+          </a:lstStyle>
+          <a:p>
+            <a:pPr>
+              <a:defRPr/>
+            </a:pPr>
+            <a:fld id="{839F2E8D-4D05-4D0D-B1B7-D2A807CB5451}" type="datetimeFigureOut">
+              <a:rPr lang="en-US"/>
+              <a:pPr>
+                <a:defRPr/>
+              </a:pPr>
               <a:t>10/13/2008</a:t>
             </a:fld>
             <a:endParaRPr lang="en-NZ"/>
@@ -317,8 +359,15 @@
         <p:spPr/>
         <p:txBody>
           <a:bodyPr/>
-          <a:lstStyle/>
-          <a:p>
+          <a:lstStyle>
+            <a:lvl1pPr>
+              <a:defRPr/>
+            </a:lvl1pPr>
+          </a:lstStyle>
+          <a:p>
+            <a:pPr>
+              <a:defRPr/>
+            </a:pPr>
             <a:endParaRPr lang="en-NZ"/>
           </a:p>
         </p:txBody>
@@ -336,11 +385,20 @@
         <p:spPr/>
         <p:txBody>
           <a:bodyPr/>
-          <a:lstStyle/>
-          <a:p>
-            <a:fld id="{A408DFE0-0C04-4CEA-989E-73EF3AFE1515}" type="slidenum">
-              <a:rPr lang="en-NZ" smtClean="0"/>
-              <a:pPr/>
+          <a:lstStyle>
+            <a:lvl1pPr>
+              <a:defRPr/>
+            </a:lvl1pPr>
+          </a:lstStyle>
+          <a:p>
+            <a:pPr>
+              <a:defRPr/>
+            </a:pPr>
+            <a:fld id="{F6E31180-7361-433F-8A8B-3F2EC0A18422}" type="slidenum">
+              <a:rPr lang="en-NZ"/>
+              <a:pPr>
+                <a:defRPr/>
+              </a:pPr>
               <a:t>‹#›</a:t>
             </a:fld>
             <a:endParaRPr lang="en-NZ"/>
@@ -460,11 +518,20 @@
         <p:spPr/>
         <p:txBody>
           <a:bodyPr/>
-          <a:lstStyle/>
-          <a:p>
-            <a:fld id="{87F5E36F-6524-461C-B7B1-98B7AAA2E1D0}" type="datetimeFigureOut">
-              <a:rPr lang="en-US" smtClean="0"/>
-              <a:pPr/>
+          <a:lstStyle>
+            <a:lvl1pPr>
+              <a:defRPr/>
+            </a:lvl1pPr>
+          </a:lstStyle>
+          <a:p>
+            <a:pPr>
+              <a:defRPr/>
+            </a:pPr>
+            <a:fld id="{A0D31E3B-2DA2-4FEB-A5B8-6A150F43F787}" type="datetimeFigureOut">
+              <a:rPr lang="en-US"/>
+              <a:pPr>
+                <a:defRPr/>
+              </a:pPr>
               <a:t>10/13/2008</a:t>
             </a:fld>
             <a:endParaRPr lang="en-NZ"/>
@@ -484,8 +551,15 @@
         <p:spPr/>
         <p:txBody>
           <a:bodyPr/>
-          <a:lstStyle/>
-          <a:p>
+          <a:lstStyle>
+            <a:lvl1pPr>
+              <a:defRPr/>
+            </a:lvl1pPr>
+          </a:lstStyle>
+          <a:p>
+            <a:pPr>
+              <a:defRPr/>
+            </a:pPr>
             <a:endParaRPr lang="en-NZ"/>
           </a:p>
         </p:txBody>
@@ -503,11 +577,20 @@
         <p:spPr/>
         <p:txBody>
           <a:bodyPr/>
-          <a:lstStyle/>
-          <a:p>
-            <a:fld id="{A408DFE0-0C04-4CEA-989E-73EF3AFE1515}" type="slidenum">
-              <a:rPr lang="en-NZ" smtClean="0"/>
-              <a:pPr/>
+          <a:lstStyle>
+            <a:lvl1pPr>
+              <a:defRPr/>
+            </a:lvl1pPr>
+          </a:lstStyle>
+          <a:p>
+            <a:pPr>
+              <a:defRPr/>
+            </a:pPr>
+            <a:fld id="{465E66BD-52D3-48E7-BAF2-DD2BA9B84091}" type="slidenum">
+              <a:rPr lang="en-NZ"/>
+              <a:pPr>
+                <a:defRPr/>
+              </a:pPr>
               <a:t>‹#›</a:t>
             </a:fld>
             <a:endParaRPr lang="en-NZ"/>
@@ -637,11 +720,20 @@
         <p:spPr/>
         <p:txBody>
           <a:bodyPr/>
-          <a:lstStyle/>
-          <a:p>
-            <a:fld id="{87F5E36F-6524-461C-B7B1-98B7AAA2E1D0}" type="datetimeFigureOut">
-              <a:rPr lang="en-US" smtClean="0"/>
-              <a:pPr/>
+          <a:lstStyle>
+            <a:lvl1pPr>
+              <a:defRPr/>
+            </a:lvl1pPr>
+          </a:lstStyle>
+          <a:p>
+            <a:pPr>
+              <a:defRPr/>
+            </a:pPr>
+            <a:fld id="{B6DB77CD-6018-45E1-AC9A-92E1C39E59A1}" type="datetimeFigureOut">
+              <a:rPr lang="en-US"/>
+              <a:pPr>
+                <a:defRPr/>
+              </a:pPr>
               <a:t>10/13/2008</a:t>
             </a:fld>
             <a:endParaRPr lang="en-NZ"/>
@@ -661,8 +753,15 @@
         <p:spPr/>
         <p:txBody>
           <a:bodyPr/>
-          <a:lstStyle/>
-          <a:p>
+          <a:lstStyle>
+            <a:lvl1pPr>
+              <a:defRPr/>
+            </a:lvl1pPr>
+          </a:lstStyle>
+          <a:p>
+            <a:pPr>
+              <a:defRPr/>
+            </a:pPr>
             <a:endParaRPr lang="en-NZ"/>
           </a:p>
         </p:txBody>
@@ -680,11 +779,20 @@
         <p:spPr/>
         <p:txBody>
           <a:bodyPr/>
-          <a:lstStyle/>
-          <a:p>
-            <a:fld id="{A408DFE0-0C04-4CEA-989E-73EF3AFE1515}" type="slidenum">
-              <a:rPr lang="en-NZ" smtClean="0"/>
-              <a:pPr/>
+          <a:lstStyle>
+            <a:lvl1pPr>
+              <a:defRPr/>
+            </a:lvl1pPr>
+          </a:lstStyle>
+          <a:p>
+            <a:pPr>
+              <a:defRPr/>
+            </a:pPr>
+            <a:fld id="{5EDE6106-6BE6-4379-9560-C558CC182A94}" type="slidenum">
+              <a:rPr lang="en-NZ"/>
+              <a:pPr>
+                <a:defRPr/>
+              </a:pPr>
               <a:t>‹#›</a:t>
             </a:fld>
             <a:endParaRPr lang="en-NZ"/>
@@ -804,11 +912,20 @@
         <p:spPr/>
         <p:txBody>
           <a:bodyPr/>
-          <a:lstStyle/>
-          <a:p>
-            <a:fld id="{87F5E36F-6524-461C-B7B1-98B7AAA2E1D0}" type="datetimeFigureOut">
-              <a:rPr lang="en-US" smtClean="0"/>
-              <a:pPr/>
+          <a:lstStyle>
+            <a:lvl1pPr>
+              <a:defRPr/>
+            </a:lvl1pPr>
+          </a:lstStyle>
+          <a:p>
+            <a:pPr>
+              <a:defRPr/>
+            </a:pPr>
+            <a:fld id="{FA55FED1-19B8-4011-B234-CBC50582DD8A}" type="datetimeFigureOut">
+              <a:rPr lang="en-US"/>
+              <a:pPr>
+                <a:defRPr/>
+              </a:pPr>
               <a:t>10/13/2008</a:t>
             </a:fld>
             <a:endParaRPr lang="en-NZ"/>
@@ -828,8 +945,15 @@
         <p:spPr/>
         <p:txBody>
           <a:bodyPr/>
-          <a:lstStyle/>
-          <a:p>
+          <a:lstStyle>
+            <a:lvl1pPr>
+              <a:defRPr/>
+            </a:lvl1pPr>
+          </a:lstStyle>
+          <a:p>
+            <a:pPr>
+              <a:defRPr/>
+            </a:pPr>
             <a:endParaRPr lang="en-NZ"/>
           </a:p>
         </p:txBody>
@@ -847,11 +971,20 @@
         <p:spPr/>
         <p:txBody>
           <a:bodyPr/>
-          <a:lstStyle/>
-          <a:p>
-            <a:fld id="{A408DFE0-0C04-4CEA-989E-73EF3AFE1515}" type="slidenum">
-              <a:rPr lang="en-NZ" smtClean="0"/>
-              <a:pPr/>
+          <a:lstStyle>
+            <a:lvl1pPr>
+              <a:defRPr/>
+            </a:lvl1pPr>
+          </a:lstStyle>
+          <a:p>
+            <a:pPr>
+              <a:defRPr/>
+            </a:pPr>
+            <a:fld id="{5C63BDC2-4B4A-409C-B710-67C9789E9112}" type="slidenum">
+              <a:rPr lang="en-NZ"/>
+              <a:pPr>
+                <a:defRPr/>
+              </a:pPr>
               <a:t>‹#›</a:t>
             </a:fld>
             <a:endParaRPr lang="en-NZ"/>
@@ -1047,11 +1180,20 @@
         <p:spPr/>
         <p:txBody>
           <a:bodyPr/>
-          <a:lstStyle/>
-          <a:p>
-            <a:fld id="{87F5E36F-6524-461C-B7B1-98B7AAA2E1D0}" type="datetimeFigureOut">
-              <a:rPr lang="en-US" smtClean="0"/>
-              <a:pPr/>
+          <a:lstStyle>
+            <a:lvl1pPr>
+              <a:defRPr/>
+            </a:lvl1pPr>
+          </a:lstStyle>
+          <a:p>
+            <a:pPr>
+              <a:defRPr/>
+            </a:pPr>
+            <a:fld id="{5FDA142A-0A95-43B2-86B8-9EE5DA44D76F}" type="datetimeFigureOut">
+              <a:rPr lang="en-US"/>
+              <a:pPr>
+                <a:defRPr/>
+              </a:pPr>
               <a:t>10/13/2008</a:t>
             </a:fld>
             <a:endParaRPr lang="en-NZ"/>
@@ -1071,8 +1213,15 @@
         <p:spPr/>
         <p:txBody>
           <a:bodyPr/>
-          <a:lstStyle/>
-          <a:p>
+          <a:lstStyle>
+            <a:lvl1pPr>
+              <a:defRPr/>
+            </a:lvl1pPr>
+          </a:lstStyle>
+          <a:p>
+            <a:pPr>
+              <a:defRPr/>
+            </a:pPr>
             <a:endParaRPr lang="en-NZ"/>
           </a:p>
         </p:txBody>
@@ -1090,11 +1239,20 @@
         <p:spPr/>
         <p:txBody>
           <a:bodyPr/>
-          <a:lstStyle/>
-          <a:p>
-            <a:fld id="{A408DFE0-0C04-4CEA-989E-73EF3AFE1515}" type="slidenum">
-              <a:rPr lang="en-NZ" smtClean="0"/>
-              <a:pPr/>
+          <a:lstStyle>
+            <a:lvl1pPr>
+              <a:defRPr/>
+            </a:lvl1pPr>
+          </a:lstStyle>
+          <a:p>
+            <a:pPr>
+              <a:defRPr/>
+            </a:pPr>
+            <a:fld id="{B5B9A97D-9992-4EAD-99A5-4023D07913CA}" type="slidenum">
+              <a:rPr lang="en-NZ"/>
+              <a:pPr>
+                <a:defRPr/>
+              </a:pPr>
               <a:t>‹#›</a:t>
             </a:fld>
             <a:endParaRPr lang="en-NZ"/>
@@ -1321,7 +1479,7 @@
       </p:sp>
       <p:sp>
         <p:nvSpPr>
-          <p:cNvPr id="5" name="Date Placeholder 4"/>
+          <p:cNvPr id="5" name="Date Placeholder 3"/>
           <p:cNvSpPr>
             <a:spLocks noGrp="1"/>
           </p:cNvSpPr>
@@ -1332,11 +1490,20 @@
         <p:spPr/>
         <p:txBody>
           <a:bodyPr/>
-          <a:lstStyle/>
-          <a:p>
-            <a:fld id="{87F5E36F-6524-461C-B7B1-98B7AAA2E1D0}" type="datetimeFigureOut">
-              <a:rPr lang="en-US" smtClean="0"/>
-              <a:pPr/>
+          <a:lstStyle>
+            <a:lvl1pPr>
+              <a:defRPr/>
+            </a:lvl1pPr>
+          </a:lstStyle>
+          <a:p>
+            <a:pPr>
+              <a:defRPr/>
+            </a:pPr>
+            <a:fld id="{A74E9BF3-BBAF-4EAF-9E32-DC1C80FD34B5}" type="datetimeFigureOut">
+              <a:rPr lang="en-US"/>
+              <a:pPr>
+                <a:defRPr/>
+              </a:pPr>
               <a:t>10/13/2008</a:t>
             </a:fld>
             <a:endParaRPr lang="en-NZ"/>
@@ -1345,7 +1512,7 @@
       </p:sp>
       <p:sp>
         <p:nvSpPr>
-          <p:cNvPr id="6" name="Footer Placeholder 5"/>
+          <p:cNvPr id="6" name="Footer Placeholder 4"/>
           <p:cNvSpPr>
             <a:spLocks noGrp="1"/>
           </p:cNvSpPr>
@@ -1356,15 +1523,22 @@
         <p:spPr/>
         <p:txBody>
           <a:bodyPr/>
-          <a:lstStyle/>
-          <a:p>
-            <a:endParaRPr lang="en-NZ"/>
-          </a:p>
-        </p:txBody>
-      </p:sp>
-      <p:sp>
-        <p:nvSpPr>
-          <p:cNvPr id="7" name="Slide Number Placeholder 6"/>
+          <a:lstStyle>
+            <a:lvl1pPr>
+              <a:defRPr/>
+            </a:lvl1pPr>
+          </a:lstStyle>
+          <a:p>
+            <a:pPr>
+              <a:defRPr/>
+            </a:pPr>
+            <a:endParaRPr lang="en-NZ"/>
+          </a:p>
+        </p:txBody>
+      </p:sp>
+      <p:sp>
+        <p:nvSpPr>
+          <p:cNvPr id="7" name="Slide Number Placeholder 5"/>
           <p:cNvSpPr>
             <a:spLocks noGrp="1"/>
           </p:cNvSpPr>
@@ -1375,11 +1549,20 @@
         <p:spPr/>
         <p:txBody>
           <a:bodyPr/>
-          <a:lstStyle/>
-          <a:p>
-            <a:fld id="{A408DFE0-0C04-4CEA-989E-73EF3AFE1515}" type="slidenum">
-              <a:rPr lang="en-NZ" smtClean="0"/>
-              <a:pPr/>
+          <a:lstStyle>
+            <a:lvl1pPr>
+              <a:defRPr/>
+            </a:lvl1pPr>
+          </a:lstStyle>
+          <a:p>
+            <a:pPr>
+              <a:defRPr/>
+            </a:pPr>
+            <a:fld id="{00171843-918F-4F8D-90BF-627367264AC2}" type="slidenum">
+              <a:rPr lang="en-NZ"/>
+              <a:pPr>
+                <a:defRPr/>
+              </a:pPr>
               <a:t>‹#›</a:t>
             </a:fld>
             <a:endParaRPr lang="en-NZ"/>
@@ -1740,7 +1923,7 @@
       </p:sp>
       <p:sp>
         <p:nvSpPr>
-          <p:cNvPr id="7" name="Date Placeholder 6"/>
+          <p:cNvPr id="7" name="Date Placeholder 3"/>
           <p:cNvSpPr>
             <a:spLocks noGrp="1"/>
           </p:cNvSpPr>
@@ -1751,11 +1934,20 @@
         <p:spPr/>
         <p:txBody>
           <a:bodyPr/>
-          <a:lstStyle/>
-          <a:p>
-            <a:fld id="{87F5E36F-6524-461C-B7B1-98B7AAA2E1D0}" type="datetimeFigureOut">
-              <a:rPr lang="en-US" smtClean="0"/>
-              <a:pPr/>
+          <a:lstStyle>
+            <a:lvl1pPr>
+              <a:defRPr/>
+            </a:lvl1pPr>
+          </a:lstStyle>
+          <a:p>
+            <a:pPr>
+              <a:defRPr/>
+            </a:pPr>
+            <a:fld id="{60188F31-4F69-4F4A-BA52-1221199ED85B}" type="datetimeFigureOut">
+              <a:rPr lang="en-US"/>
+              <a:pPr>
+                <a:defRPr/>
+              </a:pPr>
               <a:t>10/13/2008</a:t>
             </a:fld>
             <a:endParaRPr lang="en-NZ"/>
@@ -1764,7 +1956,7 @@
       </p:sp>
       <p:sp>
         <p:nvSpPr>
-          <p:cNvPr id="8" name="Footer Placeholder 7"/>
+          <p:cNvPr id="8" name="Footer Placeholder 4"/>
           <p:cNvSpPr>
             <a:spLocks noGrp="1"/>
           </p:cNvSpPr>
@@ -1775,15 +1967,22 @@
         <p:spPr/>
         <p:txBody>
           <a:bodyPr/>
-          <a:lstStyle/>
-          <a:p>
-            <a:endParaRPr lang="en-NZ"/>
-          </a:p>
-        </p:txBody>
-      </p:sp>
-      <p:sp>
-        <p:nvSpPr>
-          <p:cNvPr id="9" name="Slide Number Placeholder 8"/>
+          <a:lstStyle>
+            <a:lvl1pPr>
+              <a:defRPr/>
+            </a:lvl1pPr>
+          </a:lstStyle>
+          <a:p>
+            <a:pPr>
+              <a:defRPr/>
+            </a:pPr>
+            <a:endParaRPr lang="en-NZ"/>
+          </a:p>
+        </p:txBody>
+      </p:sp>
+      <p:sp>
+        <p:nvSpPr>
+          <p:cNvPr id="9" name="Slide Number Placeholder 5"/>
           <p:cNvSpPr>
             <a:spLocks noGrp="1"/>
           </p:cNvSpPr>
@@ -1794,11 +1993,20 @@
         <p:spPr/>
         <p:txBody>
           <a:bodyPr/>
-          <a:lstStyle/>
-          <a:p>
-            <a:fld id="{A408DFE0-0C04-4CEA-989E-73EF3AFE1515}" type="slidenum">
-              <a:rPr lang="en-NZ" smtClean="0"/>
-              <a:pPr/>
+          <a:lstStyle>
+            <a:lvl1pPr>
+              <a:defRPr/>
+            </a:lvl1pPr>
+          </a:lstStyle>
+          <a:p>
+            <a:pPr>
+              <a:defRPr/>
+            </a:pPr>
+            <a:fld id="{8147635B-ABEC-4459-BBCB-23E6D99A7F90}" type="slidenum">
+              <a:rPr lang="en-NZ"/>
+              <a:pPr>
+                <a:defRPr/>
+              </a:pPr>
               <a:t>‹#›</a:t>
             </a:fld>
             <a:endParaRPr lang="en-NZ"/>
@@ -1855,7 +2063,7 @@
       </p:sp>
       <p:sp>
         <p:nvSpPr>
-          <p:cNvPr id="3" name="Date Placeholder 2"/>
+          <p:cNvPr id="3" name="Date Placeholder 3"/>
           <p:cNvSpPr>
             <a:spLocks noGrp="1"/>
           </p:cNvSpPr>
@@ -1866,11 +2074,20 @@
         <p:spPr/>
         <p:txBody>
           <a:bodyPr/>
-          <a:lstStyle/>
-          <a:p>
-            <a:fld id="{87F5E36F-6524-461C-B7B1-98B7AAA2E1D0}" type="datetimeFigureOut">
-              <a:rPr lang="en-US" smtClean="0"/>
-              <a:pPr/>
+          <a:lstStyle>
+            <a:lvl1pPr>
+              <a:defRPr/>
+            </a:lvl1pPr>
+          </a:lstStyle>
+          <a:p>
+            <a:pPr>
+              <a:defRPr/>
+            </a:pPr>
+            <a:fld id="{20C58D08-4484-48FD-8318-9481156A0ED4}" type="datetimeFigureOut">
+              <a:rPr lang="en-US"/>
+              <a:pPr>
+                <a:defRPr/>
+              </a:pPr>
               <a:t>10/13/2008</a:t>
             </a:fld>
             <a:endParaRPr lang="en-NZ"/>
@@ -1879,7 +2096,7 @@
       </p:sp>
       <p:sp>
         <p:nvSpPr>
-          <p:cNvPr id="4" name="Footer Placeholder 3"/>
+          <p:cNvPr id="4" name="Footer Placeholder 4"/>
           <p:cNvSpPr>
             <a:spLocks noGrp="1"/>
           </p:cNvSpPr>
@@ -1890,15 +2107,22 @@
         <p:spPr/>
         <p:txBody>
           <a:bodyPr/>
-          <a:lstStyle/>
-          <a:p>
-            <a:endParaRPr lang="en-NZ"/>
-          </a:p>
-        </p:txBody>
-      </p:sp>
-      <p:sp>
-        <p:nvSpPr>
-          <p:cNvPr id="5" name="Slide Number Placeholder 4"/>
+          <a:lstStyle>
+            <a:lvl1pPr>
+              <a:defRPr/>
+            </a:lvl1pPr>
+          </a:lstStyle>
+          <a:p>
+            <a:pPr>
+              <a:defRPr/>
+            </a:pPr>
+            <a:endParaRPr lang="en-NZ"/>
+          </a:p>
+        </p:txBody>
+      </p:sp>
+      <p:sp>
+        <p:nvSpPr>
+          <p:cNvPr id="5" name="Slide Number Placeholder 5"/>
           <p:cNvSpPr>
             <a:spLocks noGrp="1"/>
           </p:cNvSpPr>
@@ -1909,11 +2133,20 @@
         <p:spPr/>
         <p:txBody>
           <a:bodyPr/>
-          <a:lstStyle/>
-          <a:p>
-            <a:fld id="{A408DFE0-0C04-4CEA-989E-73EF3AFE1515}" type="slidenum">
-              <a:rPr lang="en-NZ" smtClean="0"/>
-              <a:pPr/>
+          <a:lstStyle>
+            <a:lvl1pPr>
+              <a:defRPr/>
+            </a:lvl1pPr>
+          </a:lstStyle>
+          <a:p>
+            <a:pPr>
+              <a:defRPr/>
+            </a:pPr>
+            <a:fld id="{A8B65A23-4E15-4107-9136-7E498157D896}" type="slidenum">
+              <a:rPr lang="en-NZ"/>
+              <a:pPr>
+                <a:defRPr/>
+              </a:pPr>
               <a:t>‹#›</a:t>
             </a:fld>
             <a:endParaRPr lang="en-NZ"/>
@@ -1947,7 +2180,7 @@
       </p:grpSpPr>
       <p:sp>
         <p:nvSpPr>
-          <p:cNvPr id="2" name="Date Placeholder 1"/>
+          <p:cNvPr id="2" name="Date Placeholder 3"/>
           <p:cNvSpPr>
             <a:spLocks noGrp="1"/>
           </p:cNvSpPr>
@@ -1958,11 +2191,20 @@
         <p:spPr/>
         <p:txBody>
           <a:bodyPr/>
-          <a:lstStyle/>
-          <a:p>
-            <a:fld id="{87F5E36F-6524-461C-B7B1-98B7AAA2E1D0}" type="datetimeFigureOut">
-              <a:rPr lang="en-US" smtClean="0"/>
-              <a:pPr/>
+          <a:lstStyle>
+            <a:lvl1pPr>
+              <a:defRPr/>
+            </a:lvl1pPr>
+          </a:lstStyle>
+          <a:p>
+            <a:pPr>
+              <a:defRPr/>
+            </a:pPr>
+            <a:fld id="{4CCF0317-77A2-4D99-B1A0-F1616F64C73B}" type="datetimeFigureOut">
+              <a:rPr lang="en-US"/>
+              <a:pPr>
+                <a:defRPr/>
+              </a:pPr>
               <a:t>10/13/2008</a:t>
             </a:fld>
             <a:endParaRPr lang="en-NZ"/>
@@ -1971,7 +2213,7 @@
       </p:sp>
       <p:sp>
         <p:nvSpPr>
-          <p:cNvPr id="3" name="Footer Placeholder 2"/>
+          <p:cNvPr id="3" name="Footer Placeholder 4"/>
           <p:cNvSpPr>
             <a:spLocks noGrp="1"/>
           </p:cNvSpPr>
@@ -1982,15 +2224,22 @@
         <p:spPr/>
         <p:txBody>
           <a:bodyPr/>
-          <a:lstStyle/>
-          <a:p>
-            <a:endParaRPr lang="en-NZ"/>
-          </a:p>
-        </p:txBody>
-      </p:sp>
-      <p:sp>
-        <p:nvSpPr>
-          <p:cNvPr id="4" name="Slide Number Placeholder 3"/>
+          <a:lstStyle>
+            <a:lvl1pPr>
+              <a:defRPr/>
+            </a:lvl1pPr>
+          </a:lstStyle>
+          <a:p>
+            <a:pPr>
+              <a:defRPr/>
+            </a:pPr>
+            <a:endParaRPr lang="en-NZ"/>
+          </a:p>
+        </p:txBody>
+      </p:sp>
+      <p:sp>
+        <p:nvSpPr>
+          <p:cNvPr id="4" name="Slide Number Placeholder 5"/>
           <p:cNvSpPr>
             <a:spLocks noGrp="1"/>
           </p:cNvSpPr>
@@ -2001,11 +2250,20 @@
         <p:spPr/>
         <p:txBody>
           <a:bodyPr/>
-          <a:lstStyle/>
-          <a:p>
-            <a:fld id="{A408DFE0-0C04-4CEA-989E-73EF3AFE1515}" type="slidenum">
-              <a:rPr lang="en-NZ" smtClean="0"/>
-              <a:pPr/>
+          <a:lstStyle>
+            <a:lvl1pPr>
+              <a:defRPr/>
+            </a:lvl1pPr>
+          </a:lstStyle>
+          <a:p>
+            <a:pPr>
+              <a:defRPr/>
+            </a:pPr>
+            <a:fld id="{D0348A02-9316-4118-ACDA-8ECF1A38D7BD}" type="slidenum">
+              <a:rPr lang="en-NZ"/>
+              <a:pPr>
+                <a:defRPr/>
+              </a:pPr>
               <a:t>‹#›</a:t>
             </a:fld>
             <a:endParaRPr lang="en-NZ"/>
@@ -2221,7 +2479,7 @@
       </p:sp>
       <p:sp>
         <p:nvSpPr>
-          <p:cNvPr id="5" name="Date Placeholder 4"/>
+          <p:cNvPr id="5" name="Date Placeholder 3"/>
           <p:cNvSpPr>
             <a:spLocks noGrp="1"/>
           </p:cNvSpPr>
@@ -2232,11 +2490,20 @@
         <p:spPr/>
         <p:txBody>
           <a:bodyPr/>
-          <a:lstStyle/>
-          <a:p>
-            <a:fld id="{87F5E36F-6524-461C-B7B1-98B7AAA2E1D0}" type="datetimeFigureOut">
-              <a:rPr lang="en-US" smtClean="0"/>
-              <a:pPr/>
+          <a:lstStyle>
+            <a:lvl1pPr>
+              <a:defRPr/>
+            </a:lvl1pPr>
+          </a:lstStyle>
+          <a:p>
+            <a:pPr>
+              <a:defRPr/>
+            </a:pPr>
+            <a:fld id="{220A24EB-BB53-4470-9622-5645F3CB3262}" type="datetimeFigureOut">
+              <a:rPr lang="en-US"/>
+              <a:pPr>
+                <a:defRPr/>
+              </a:pPr>
               <a:t>10/13/2008</a:t>
             </a:fld>
             <a:endParaRPr lang="en-NZ"/>
@@ -2245,7 +2512,7 @@
       </p:sp>
       <p:sp>
         <p:nvSpPr>
-          <p:cNvPr id="6" name="Footer Placeholder 5"/>
+          <p:cNvPr id="6" name="Footer Placeholder 4"/>
           <p:cNvSpPr>
             <a:spLocks noGrp="1"/>
           </p:cNvSpPr>
@@ -2256,15 +2523,22 @@
         <p:spPr/>
         <p:txBody>
           <a:bodyPr/>
-          <a:lstStyle/>
-          <a:p>
-            <a:endParaRPr lang="en-NZ"/>
-          </a:p>
-        </p:txBody>
-      </p:sp>
-      <p:sp>
-        <p:nvSpPr>
-          <p:cNvPr id="7" name="Slide Number Placeholder 6"/>
+          <a:lstStyle>
+            <a:lvl1pPr>
+              <a:defRPr/>
+            </a:lvl1pPr>
+          </a:lstStyle>
+          <a:p>
+            <a:pPr>
+              <a:defRPr/>
+            </a:pPr>
+            <a:endParaRPr lang="en-NZ"/>
+          </a:p>
+        </p:txBody>
+      </p:sp>
+      <p:sp>
+        <p:nvSpPr>
+          <p:cNvPr id="7" name="Slide Number Placeholder 5"/>
           <p:cNvSpPr>
             <a:spLocks noGrp="1"/>
           </p:cNvSpPr>
@@ -2275,11 +2549,20 @@
         <p:spPr/>
         <p:txBody>
           <a:bodyPr/>
-          <a:lstStyle/>
-          <a:p>
-            <a:fld id="{A408DFE0-0C04-4CEA-989E-73EF3AFE1515}" type="slidenum">
-              <a:rPr lang="en-NZ" smtClean="0"/>
-              <a:pPr/>
+          <a:lstStyle>
+            <a:lvl1pPr>
+              <a:defRPr/>
+            </a:lvl1pPr>
+          </a:lstStyle>
+          <a:p>
+            <a:pPr>
+              <a:defRPr/>
+            </a:pPr>
+            <a:fld id="{33739FF2-D557-489D-9526-F0403A66F4C6}" type="slidenum">
+              <a:rPr lang="en-NZ"/>
+              <a:pPr>
+                <a:defRPr/>
+              </a:pPr>
               <a:t>‹#›</a:t>
             </a:fld>
             <a:endParaRPr lang="en-NZ"/>
@@ -2360,7 +2643,9 @@
           </a:xfrm>
         </p:spPr>
         <p:txBody>
-          <a:bodyPr/>
+          <a:bodyPr rtlCol="0">
+            <a:normAutofit/>
+          </a:bodyPr>
           <a:lstStyle>
             <a:lvl1pPr marL="0" indent="0">
               <a:buNone/>
@@ -2400,7 +2685,8 @@
             </a:lvl9pPr>
           </a:lstStyle>
           <a:p>
-            <a:endParaRPr lang="en-NZ"/>
+            <a:pPr lvl="0"/>
+            <a:endParaRPr lang="en-NZ" noProof="0"/>
           </a:p>
         </p:txBody>
       </p:sp>
@@ -2471,7 +2757,7 @@
       </p:sp>
       <p:sp>
         <p:nvSpPr>
-          <p:cNvPr id="5" name="Date Placeholder 4"/>
+          <p:cNvPr id="5" name="Date Placeholder 3"/>
           <p:cNvSpPr>
             <a:spLocks noGrp="1"/>
           </p:cNvSpPr>
@@ -2482,11 +2768,20 @@
         <p:spPr/>
         <p:txBody>
           <a:bodyPr/>
-          <a:lstStyle/>
-          <a:p>
-            <a:fld id="{87F5E36F-6524-461C-B7B1-98B7AAA2E1D0}" type="datetimeFigureOut">
-              <a:rPr lang="en-US" smtClean="0"/>
-              <a:pPr/>
+          <a:lstStyle>
+            <a:lvl1pPr>
+              <a:defRPr/>
+            </a:lvl1pPr>
+          </a:lstStyle>
+          <a:p>
+            <a:pPr>
+              <a:defRPr/>
+            </a:pPr>
+            <a:fld id="{878F5FBA-15A6-4731-B7B0-46EE43128296}" type="datetimeFigureOut">
+              <a:rPr lang="en-US"/>
+              <a:pPr>
+                <a:defRPr/>
+              </a:pPr>
               <a:t>10/13/2008</a:t>
             </a:fld>
             <a:endParaRPr lang="en-NZ"/>
@@ -2495,7 +2790,7 @@
       </p:sp>
       <p:sp>
         <p:nvSpPr>
-          <p:cNvPr id="6" name="Footer Placeholder 5"/>
+          <p:cNvPr id="6" name="Footer Placeholder 4"/>
           <p:cNvSpPr>
             <a:spLocks noGrp="1"/>
           </p:cNvSpPr>
@@ -2506,15 +2801,22 @@
         <p:spPr/>
         <p:txBody>
           <a:bodyPr/>
-          <a:lstStyle/>
-          <a:p>
-            <a:endParaRPr lang="en-NZ"/>
-          </a:p>
-        </p:txBody>
-      </p:sp>
-      <p:sp>
-        <p:nvSpPr>
-          <p:cNvPr id="7" name="Slide Number Placeholder 6"/>
+          <a:lstStyle>
+            <a:lvl1pPr>
+              <a:defRPr/>
+            </a:lvl1pPr>
+          </a:lstStyle>
+          <a:p>
+            <a:pPr>
+              <a:defRPr/>
+            </a:pPr>
+            <a:endParaRPr lang="en-NZ"/>
+          </a:p>
+        </p:txBody>
+      </p:sp>
+      <p:sp>
+        <p:nvSpPr>
+          <p:cNvPr id="7" name="Slide Number Placeholder 5"/>
           <p:cNvSpPr>
             <a:spLocks noGrp="1"/>
           </p:cNvSpPr>
@@ -2525,11 +2827,20 @@
         <p:spPr/>
         <p:txBody>
           <a:bodyPr/>
-          <a:lstStyle/>
-          <a:p>
-            <a:fld id="{A408DFE0-0C04-4CEA-989E-73EF3AFE1515}" type="slidenum">
-              <a:rPr lang="en-NZ" smtClean="0"/>
-              <a:pPr/>
+          <a:lstStyle>
+            <a:lvl1pPr>
+              <a:defRPr/>
+            </a:lvl1pPr>
+          </a:lstStyle>
+          <a:p>
+            <a:pPr>
+              <a:defRPr/>
+            </a:pPr>
+            <a:fld id="{DD35806D-D28E-422B-B648-650AEC34CAD6}" type="slidenum">
+              <a:rPr lang="en-NZ"/>
+              <a:pPr>
+                <a:defRPr/>
+              </a:pPr>
               <a:t>‹#›</a:t>
             </a:fld>
             <a:endParaRPr lang="en-NZ"/>
@@ -2568,7 +2879,7 @@
       </p:grpSpPr>
       <p:pic>
         <p:nvPicPr>
-          <p:cNvPr id="7" name="Picture 2"/>
+          <p:cNvPr id="1026" name="Picture 2"/>
           <p:cNvPicPr>
             <a:picLocks noChangeAspect="1" noChangeArrowheads="1"/>
           </p:cNvPicPr>
@@ -2584,7 +2895,7 @@
         <p:spPr bwMode="auto">
           <a:xfrm>
             <a:off x="0" y="0"/>
-            <a:ext cx="2214546" cy="2071678"/>
+            <a:ext cx="2214563" cy="2071688"/>
           </a:xfrm>
           <a:prstGeom prst="rect">
             <a:avLst/>
@@ -2596,12 +2907,11 @@
             <a:headEnd/>
             <a:tailEnd/>
           </a:ln>
-          <a:effectLst/>
         </p:spPr>
       </p:pic>
       <p:sp>
         <p:nvSpPr>
-          <p:cNvPr id="2" name="Title Placeholder 1"/>
+          <p:cNvPr id="1027" name="Title Placeholder 1"/>
           <p:cNvSpPr>
             <a:spLocks noGrp="1"/>
           </p:cNvSpPr>
@@ -2609,32 +2919,42 @@
             <p:ph type="title"/>
           </p:nvPr>
         </p:nvSpPr>
-        <p:spPr>
+        <p:spPr bwMode="auto">
           <a:xfrm>
-            <a:off x="2000232" y="274638"/>
-            <a:ext cx="6686568" cy="1368412"/>
+            <a:off x="2000250" y="274638"/>
+            <a:ext cx="6686550" cy="1368425"/>
           </a:xfrm>
           <a:prstGeom prst="rect">
             <a:avLst/>
           </a:prstGeom>
+          <a:noFill/>
+          <a:ln w="9525">
+            <a:noFill/>
+            <a:miter lim="800000"/>
+            <a:headEnd/>
+            <a:tailEnd/>
+          </a:ln>
         </p:spPr>
         <p:txBody>
-          <a:bodyPr vert="horz" lIns="91440" tIns="45720" rIns="91440" bIns="45720" rtlCol="0" anchor="ctr">
-            <a:normAutofit/>
+          <a:bodyPr vert="horz" wrap="square" lIns="91440" tIns="45720" rIns="91440" bIns="45720" numCol="1" anchor="ctr" anchorCtr="0" compatLnSpc="1">
+            <a:prstTxWarp prst="textNoShape">
+              <a:avLst/>
+            </a:prstTxWarp>
           </a:bodyPr>
           <a:lstStyle/>
           <a:p>
-            <a:r>
-              <a:rPr lang="en-US" dirty="0" smtClean="0"/>
+            <a:pPr lvl="0"/>
+            <a:r>
+              <a:rPr lang="en-US" smtClean="0"/>
               <a:t>Click to edit Master title style</a:t>
             </a:r>
-            <a:endParaRPr lang="en-NZ" dirty="0"/>
-          </a:p>
-        </p:txBody>
-      </p:sp>
-      <p:sp>
-        <p:nvSpPr>
-          <p:cNvPr id="3" name="Text Placeholder 2"/>
+            <a:endParaRPr lang="en-NZ" smtClean="0"/>
+          </a:p>
+        </p:txBody>
+      </p:sp>
+      <p:sp>
+        <p:nvSpPr>
+          <p:cNvPr id="1028" name="Text Placeholder 2"/>
           <p:cNvSpPr>
             <a:spLocks noGrp="1"/>
           </p:cNvSpPr>
@@ -2642,55 +2962,64 @@
             <p:ph type="body" idx="1"/>
           </p:nvPr>
         </p:nvSpPr>
-        <p:spPr>
+        <p:spPr bwMode="auto">
           <a:xfrm>
-            <a:off x="457200" y="1857364"/>
-            <a:ext cx="8229600" cy="4268799"/>
+            <a:off x="457200" y="1857375"/>
+            <a:ext cx="8229600" cy="4268788"/>
           </a:xfrm>
           <a:prstGeom prst="rect">
             <a:avLst/>
           </a:prstGeom>
+          <a:noFill/>
+          <a:ln w="9525">
+            <a:noFill/>
+            <a:miter lim="800000"/>
+            <a:headEnd/>
+            <a:tailEnd/>
+          </a:ln>
         </p:spPr>
         <p:txBody>
-          <a:bodyPr vert="horz" lIns="91440" tIns="45720" rIns="91440" bIns="45720" rtlCol="0">
-            <a:normAutofit/>
+          <a:bodyPr vert="horz" wrap="square" lIns="91440" tIns="45720" rIns="91440" bIns="45720" numCol="1" anchor="t" anchorCtr="0" compatLnSpc="1">
+            <a:prstTxWarp prst="textNoShape">
+              <a:avLst/>
+            </a:prstTxWarp>
           </a:bodyPr>
           <a:lstStyle/>
           <a:p>
             <a:pPr lvl="0"/>
             <a:r>
-              <a:rPr lang="en-US" dirty="0" smtClean="0"/>
+              <a:rPr lang="en-US" smtClean="0"/>
               <a:t>Click to edit Master text styles</a:t>
             </a:r>
           </a:p>
           <a:p>
             <a:pPr lvl="1"/>
             <a:r>
-              <a:rPr lang="en-US" dirty="0" smtClean="0"/>
+              <a:rPr lang="en-US" smtClean="0"/>
               <a:t>Second level</a:t>
             </a:r>
           </a:p>
           <a:p>
             <a:pPr lvl="2"/>
             <a:r>
-              <a:rPr lang="en-US" dirty="0" smtClean="0"/>
+              <a:rPr lang="en-US" smtClean="0"/>
               <a:t>Third level</a:t>
             </a:r>
           </a:p>
           <a:p>
             <a:pPr lvl="3"/>
             <a:r>
-              <a:rPr lang="en-US" dirty="0" smtClean="0"/>
+              <a:rPr lang="en-US" smtClean="0"/>
               <a:t>Fourth level</a:t>
             </a:r>
           </a:p>
           <a:p>
             <a:pPr lvl="4"/>
             <a:r>
-              <a:rPr lang="en-US" dirty="0" smtClean="0"/>
+              <a:rPr lang="en-US" smtClean="0"/>
               <a:t>Fifth level</a:t>
             </a:r>
-            <a:endParaRPr lang="en-NZ" dirty="0"/>
+            <a:endParaRPr lang="en-NZ" smtClean="0"/>
           </a:p>
         </p:txBody>
       </p:sp>
@@ -2716,20 +3045,32 @@
         <p:txBody>
           <a:bodyPr vert="horz" lIns="91440" tIns="45720" rIns="91440" bIns="45720" rtlCol="0" anchor="ctr"/>
           <a:lstStyle>
-            <a:lvl1pPr algn="l">
-              <a:defRPr sz="1200">
+            <a:lvl1pPr algn="l" fontAlgn="auto">
+              <a:spcBef>
+                <a:spcPts val="0"/>
+              </a:spcBef>
+              <a:spcAft>
+                <a:spcPts val="0"/>
+              </a:spcAft>
+              <a:defRPr sz="1200" smtClean="0">
                 <a:solidFill>
                   <a:schemeClr val="tx1">
                     <a:tint val="75000"/>
                   </a:schemeClr>
                 </a:solidFill>
+                <a:latin typeface="+mn-lt"/>
               </a:defRPr>
             </a:lvl1pPr>
           </a:lstStyle>
           <a:p>
-            <a:fld id="{87F5E36F-6524-461C-B7B1-98B7AAA2E1D0}" type="datetimeFigureOut">
-              <a:rPr lang="en-US" smtClean="0"/>
-              <a:pPr/>
+            <a:pPr>
+              <a:defRPr/>
+            </a:pPr>
+            <a:fld id="{F1CED9D0-88A3-4BE5-9384-DCFADD12D23B}" type="datetimeFigureOut">
+              <a:rPr lang="en-US"/>
+              <a:pPr>
+                <a:defRPr/>
+              </a:pPr>
               <a:t>10/13/2008</a:t>
             </a:fld>
             <a:endParaRPr lang="en-NZ"/>
@@ -2758,17 +3099,27 @@
         <p:txBody>
           <a:bodyPr vert="horz" lIns="91440" tIns="45720" rIns="91440" bIns="45720" rtlCol="0" anchor="ctr"/>
           <a:lstStyle>
-            <a:lvl1pPr algn="ctr">
+            <a:lvl1pPr algn="ctr" fontAlgn="auto">
+              <a:spcBef>
+                <a:spcPts val="0"/>
+              </a:spcBef>
+              <a:spcAft>
+                <a:spcPts val="0"/>
+              </a:spcAft>
               <a:defRPr sz="1200">
                 <a:solidFill>
                   <a:schemeClr val="tx1">
                     <a:tint val="75000"/>
                   </a:schemeClr>
                 </a:solidFill>
+                <a:latin typeface="+mn-lt"/>
               </a:defRPr>
             </a:lvl1pPr>
           </a:lstStyle>
           <a:p>
+            <a:pPr>
+              <a:defRPr/>
+            </a:pPr>
             <a:endParaRPr lang="en-NZ"/>
           </a:p>
         </p:txBody>
@@ -2795,20 +3146,32 @@
         <p:txBody>
           <a:bodyPr vert="horz" lIns="91440" tIns="45720" rIns="91440" bIns="45720" rtlCol="0" anchor="ctr"/>
           <a:lstStyle>
-            <a:lvl1pPr algn="r">
-              <a:defRPr sz="1200">
+            <a:lvl1pPr algn="r" fontAlgn="auto">
+              <a:spcBef>
+                <a:spcPts val="0"/>
+              </a:spcBef>
+              <a:spcAft>
+                <a:spcPts val="0"/>
+              </a:spcAft>
+              <a:defRPr sz="1200" smtClean="0">
                 <a:solidFill>
                   <a:schemeClr val="tx1">
                     <a:tint val="75000"/>
                   </a:schemeClr>
                 </a:solidFill>
+                <a:latin typeface="+mn-lt"/>
               </a:defRPr>
             </a:lvl1pPr>
           </a:lstStyle>
           <a:p>
-            <a:fld id="{A408DFE0-0C04-4CEA-989E-73EF3AFE1515}" type="slidenum">
-              <a:rPr lang="en-NZ" smtClean="0"/>
-              <a:pPr/>
+            <a:pPr>
+              <a:defRPr/>
+            </a:pPr>
+            <a:fld id="{84F53A07-BDC6-40D6-BECF-A3FBA13408A2}" type="slidenum">
+              <a:rPr lang="en-NZ"/>
+              <a:pPr>
+                <a:defRPr/>
+              </a:pPr>
               <a:t>‹#›</a:t>
             </a:fld>
             <a:endParaRPr lang="en-NZ"/>
@@ -2819,25 +3182,27 @@
   </p:cSld>
   <p:clrMap bg1="lt1" tx1="dk1" bg2="lt2" tx2="dk2" accent1="accent1" accent2="accent2" accent3="accent3" accent4="accent4" accent5="accent5" accent6="accent6" hlink="hlink" folHlink="folHlink"/>
   <p:sldLayoutIdLst>
-    <p:sldLayoutId id="2147483649" r:id="rId1"/>
-    <p:sldLayoutId id="2147483650" r:id="rId2"/>
-    <p:sldLayoutId id="2147483651" r:id="rId3"/>
-    <p:sldLayoutId id="2147483652" r:id="rId4"/>
-    <p:sldLayoutId id="2147483653" r:id="rId5"/>
+    <p:sldLayoutId id="2147483659" r:id="rId1"/>
+    <p:sldLayoutId id="2147483658" r:id="rId2"/>
+    <p:sldLayoutId id="2147483657" r:id="rId3"/>
+    <p:sldLayoutId id="2147483656" r:id="rId4"/>
+    <p:sldLayoutId id="2147483655" r:id="rId5"/>
     <p:sldLayoutId id="2147483654" r:id="rId6"/>
-    <p:sldLayoutId id="2147483655" r:id="rId7"/>
-    <p:sldLayoutId id="2147483656" r:id="rId8"/>
-    <p:sldLayoutId id="2147483657" r:id="rId9"/>
-    <p:sldLayoutId id="2147483658" r:id="rId10"/>
-    <p:sldLayoutId id="2147483659" r:id="rId11"/>
+    <p:sldLayoutId id="2147483653" r:id="rId7"/>
+    <p:sldLayoutId id="2147483652" r:id="rId8"/>
+    <p:sldLayoutId id="2147483651" r:id="rId9"/>
+    <p:sldLayoutId id="2147483650" r:id="rId10"/>
+    <p:sldLayoutId id="2147483649" r:id="rId11"/>
   </p:sldLayoutIdLst>
   <p:txStyles>
     <p:titleStyle>
-      <a:lvl1pPr algn="ctr" defTabSz="914400" rtl="0" eaLnBrk="1" latinLnBrk="0" hangingPunct="1">
+      <a:lvl1pPr algn="ctr" rtl="0" fontAlgn="base">
         <a:spcBef>
           <a:spcPct val="0"/>
         </a:spcBef>
-        <a:buNone/>
+        <a:spcAft>
+          <a:spcPct val="0"/>
+        </a:spcAft>
         <a:defRPr sz="4400" kern="1200">
           <a:solidFill>
             <a:schemeClr val="tx1"/>
@@ -2847,13 +3212,128 @@
           <a:cs typeface="+mj-cs"/>
         </a:defRPr>
       </a:lvl1pPr>
+      <a:lvl2pPr algn="ctr" rtl="0" fontAlgn="base">
+        <a:spcBef>
+          <a:spcPct val="0"/>
+        </a:spcBef>
+        <a:spcAft>
+          <a:spcPct val="0"/>
+        </a:spcAft>
+        <a:defRPr sz="4400">
+          <a:solidFill>
+            <a:schemeClr val="tx1"/>
+          </a:solidFill>
+          <a:latin typeface="Calibri" pitchFamily="34" charset="0"/>
+        </a:defRPr>
+      </a:lvl2pPr>
+      <a:lvl3pPr algn="ctr" rtl="0" fontAlgn="base">
+        <a:spcBef>
+          <a:spcPct val="0"/>
+        </a:spcBef>
+        <a:spcAft>
+          <a:spcPct val="0"/>
+        </a:spcAft>
+        <a:defRPr sz="4400">
+          <a:solidFill>
+            <a:schemeClr val="tx1"/>
+          </a:solidFill>
+          <a:latin typeface="Calibri" pitchFamily="34" charset="0"/>
+        </a:defRPr>
+      </a:lvl3pPr>
+      <a:lvl4pPr algn="ctr" rtl="0" fontAlgn="base">
+        <a:spcBef>
+          <a:spcPct val="0"/>
+        </a:spcBef>
+        <a:spcAft>
+          <a:spcPct val="0"/>
+        </a:spcAft>
+        <a:defRPr sz="4400">
+          <a:solidFill>
+            <a:schemeClr val="tx1"/>
+          </a:solidFill>
+          <a:latin typeface="Calibri" pitchFamily="34" charset="0"/>
+        </a:defRPr>
+      </a:lvl4pPr>
+      <a:lvl5pPr algn="ctr" rtl="0" fontAlgn="base">
+        <a:spcBef>
+          <a:spcPct val="0"/>
+        </a:spcBef>
+        <a:spcAft>
+          <a:spcPct val="0"/>
+        </a:spcAft>
+        <a:defRPr sz="4400">
+          <a:solidFill>
+            <a:schemeClr val="tx1"/>
+          </a:solidFill>
+          <a:latin typeface="Calibri" pitchFamily="34" charset="0"/>
+        </a:defRPr>
+      </a:lvl5pPr>
+      <a:lvl6pPr marL="457200" algn="ctr" rtl="0" fontAlgn="base">
+        <a:spcBef>
+          <a:spcPct val="0"/>
+        </a:spcBef>
+        <a:spcAft>
+          <a:spcPct val="0"/>
+        </a:spcAft>
+        <a:defRPr sz="4400">
+          <a:solidFill>
+            <a:schemeClr val="tx1"/>
+          </a:solidFill>
+          <a:latin typeface="Calibri" pitchFamily="34" charset="0"/>
+        </a:defRPr>
+      </a:lvl6pPr>
+      <a:lvl7pPr marL="914400" algn="ctr" rtl="0" fontAlgn="base">
+        <a:spcBef>
+          <a:spcPct val="0"/>
+        </a:spcBef>
+        <a:spcAft>
+          <a:spcPct val="0"/>
+        </a:spcAft>
+        <a:defRPr sz="4400">
+          <a:solidFill>
+            <a:schemeClr val="tx1"/>
+          </a:solidFill>
+          <a:latin typeface="Calibri" pitchFamily="34" charset="0"/>
+        </a:defRPr>
+      </a:lvl7pPr>
+      <a:lvl8pPr marL="1371600" algn="ctr" rtl="0" fontAlgn="base">
+        <a:spcBef>
+          <a:spcPct val="0"/>
+        </a:spcBef>
+        <a:spcAft>
+          <a:spcPct val="0"/>
+        </a:spcAft>
+        <a:defRPr sz="4400">
+          <a:solidFill>
+            <a:schemeClr val="tx1"/>
+          </a:solidFill>
+          <a:latin typeface="Calibri" pitchFamily="34" charset="0"/>
+        </a:defRPr>
+      </a:lvl8pPr>
+      <a:lvl9pPr marL="1828800" algn="ctr" rtl="0" fontAlgn="base">
+        <a:spcBef>
+          <a:spcPct val="0"/>
+        </a:spcBef>
+        <a:spcAft>
+          <a:spcPct val="0"/>
+        </a:spcAft>
+        <a:defRPr sz="4400">
+          <a:solidFill>
+            <a:schemeClr val="tx1"/>
+          </a:solidFill>
+          <a:latin typeface="Calibri" pitchFamily="34" charset="0"/>
+        </a:defRPr>
+      </a:lvl9pPr>
     </p:titleStyle>
     <p:bodyStyle>
-      <a:lvl1pPr marL="342900" indent="-342900" algn="l" defTabSz="914400" rtl="0" eaLnBrk="1" latinLnBrk="0" hangingPunct="1">
+      <a:lvl1pPr marL="342900" indent="-342900" algn="l" rtl="0" fontAlgn="base">
         <a:spcBef>
           <a:spcPct val="20000"/>
         </a:spcBef>
-        <a:buFont typeface="Arial" pitchFamily="34" charset="0"/>
+        <a:spcAft>
+          <a:spcPct val="0"/>
+        </a:spcAft>
+        <a:buFont typeface="Arial" charset="0"/>
         <a:buChar char="•"/>
         <a:defRPr sz="3200" kern="1200">
           <a:solidFill>
@@ -2864,11 +3344,14 @@
           <a:cs typeface="+mn-cs"/>
         </a:defRPr>
       </a:lvl1pPr>
-      <a:lvl2pPr marL="742950" indent="-285750" algn="l" defTabSz="914400" rtl="0" eaLnBrk="1" latinLnBrk="0" hangingPunct="1">
+      <a:lvl2pPr marL="742950" indent="-285750" algn="l" rtl="0" fontAlgn="base">
         <a:spcBef>
           <a:spcPct val="20000"/>
         </a:spcBef>
-        <a:buFont typeface="Arial" pitchFamily="34" charset="0"/>
+        <a:spcAft>
+          <a:spcPct val="0"/>
+        </a:spcAft>
+        <a:buFont typeface="Arial" charset="0"/>
         <a:buChar char="–"/>
         <a:defRPr sz="2800" kern="1200">
           <a:solidFill>
@@ -2879,11 +3362,14 @@
           <a:cs typeface="+mn-cs"/>
         </a:defRPr>
       </a:lvl2pPr>
-      <a:lvl3pPr marL="1143000" indent="-228600" algn="l" defTabSz="914400" rtl="0" eaLnBrk="1" latinLnBrk="0" hangingPunct="1">
+      <a:lvl3pPr marL="1143000" indent="-228600" algn="l" rtl="0" fontAlgn="base">
         <a:spcBef>
           <a:spcPct val="20000"/>
         </a:spcBef>
-        <a:buFont typeface="Arial" pitchFamily="34" charset="0"/>
+        <a:spcAft>
+          <a:spcPct val="0"/>
+        </a:spcAft>
+        <a:buFont typeface="Arial" charset="0"/>
         <a:buChar char="•"/>
         <a:defRPr sz="2400" kern="1200">
           <a:solidFill>
@@ -2894,11 +3380,14 @@
           <a:cs typeface="+mn-cs"/>
         </a:defRPr>
       </a:lvl3pPr>
-      <a:lvl4pPr marL="1600200" indent="-228600" algn="l" defTabSz="914400" rtl="0" eaLnBrk="1" latinLnBrk="0" hangingPunct="1">
+      <a:lvl4pPr marL="1600200" indent="-228600" algn="l" rtl="0" fontAlgn="base">
         <a:spcBef>
           <a:spcPct val="20000"/>
         </a:spcBef>
-        <a:buFont typeface="Arial" pitchFamily="34" charset="0"/>
+        <a:spcAft>
+          <a:spcPct val="0"/>
+        </a:spcAft>
+        <a:buFont typeface="Arial" charset="0"/>
         <a:buChar char="–"/>
         <a:defRPr sz="2000" kern="1200">
           <a:solidFill>
@@ -2909,11 +3398,14 @@
           <a:cs typeface="+mn-cs"/>
         </a:defRPr>
       </a:lvl4pPr>
-      <a:lvl5pPr marL="2057400" indent="-228600" algn="l" defTabSz="914400" rtl="0" eaLnBrk="1" latinLnBrk="0" hangingPunct="1">
+      <a:lvl5pPr marL="2057400" indent="-228600" algn="l" rtl="0" fontAlgn="base">
         <a:spcBef>
           <a:spcPct val="20000"/>
         </a:spcBef>
-        <a:buFont typeface="Arial" pitchFamily="34" charset="0"/>
+        <a:spcAft>
+          <a:spcPct val="0"/>
+        </a:spcAft>
+        <a:buFont typeface="Arial" charset="0"/>
         <a:buChar char="»"/>
         <a:defRPr sz="2000" kern="1200">
           <a:solidFill>
@@ -3103,7 +3595,7 @@
       </p:grpSpPr>
       <p:sp>
         <p:nvSpPr>
-          <p:cNvPr id="2" name="Title 1"/>
+          <p:cNvPr id="13313" name="Title 1"/>
           <p:cNvSpPr>
             <a:spLocks noGrp="1"/>
           </p:cNvSpPr>
@@ -3117,10 +3609,9 @@
           <a:lstStyle/>
           <a:p>
             <a:r>
-              <a:rPr lang="en-NZ" dirty="0" smtClean="0"/>
+              <a:rPr lang="en-NZ" smtClean="0"/>
               <a:t>Mobile Musical Moments</a:t>
             </a:r>
-            <a:endParaRPr lang="en-NZ" dirty="0"/>
           </a:p>
         </p:txBody>
       </p:sp>
@@ -3136,14 +3627,55 @@
         </p:nvSpPr>
         <p:spPr/>
         <p:txBody>
-          <a:bodyPr/>
+          <a:bodyPr>
+            <a:normAutofit/>
+          </a:bodyPr>
           <a:lstStyle/>
           <a:p>
-            <a:r>
-              <a:rPr lang="en-NZ" dirty="0" smtClean="0"/>
-              <a:t>A COMP134 Project</a:t>
-            </a:r>
-            <a:endParaRPr lang="en-NZ" dirty="0"/>
+            <a:pPr>
+              <a:lnSpc>
+                <a:spcPct val="90000"/>
+              </a:lnSpc>
+            </a:pPr>
+            <a:r>
+              <a:rPr lang="en-NZ" sz="2800" b="1" smtClean="0">
+                <a:solidFill>
+                  <a:srgbClr val="898989"/>
+                </a:solidFill>
+              </a:rPr>
+              <a:t>Project Manager:</a:t>
+            </a:r>
+            <a:r>
+              <a:rPr lang="en-NZ" sz="2800" smtClean="0">
+                <a:solidFill>
+                  <a:srgbClr val="898989"/>
+                </a:solidFill>
+              </a:rPr>
+              <a:t> Scott Thompson</a:t>
+            </a:r>
+          </a:p>
+          <a:p>
+            <a:pPr>
+              <a:lnSpc>
+                <a:spcPct val="90000"/>
+              </a:lnSpc>
+            </a:pPr>
+            <a:r>
+              <a:rPr lang="en-NZ" sz="2800" b="1" smtClean="0">
+                <a:solidFill>
+                  <a:srgbClr val="898989"/>
+                </a:solidFill>
+              </a:rPr>
+              <a:t>Development Team:</a:t>
+            </a:r>
+            <a:r>
+              <a:rPr lang="en-NZ" sz="2800" smtClean="0">
+                <a:solidFill>
+                  <a:srgbClr val="898989"/>
+                </a:solidFill>
+              </a:rPr>
+              <a:t> Joshua Brungar, Quentin Griffiths, Stephen Nancekivell, Simon Wadsworth</a:t>
+            </a:r>
           </a:p>
         </p:txBody>
       </p:sp>
@@ -3181,7 +3713,7 @@
       </p:grpSpPr>
       <p:sp>
         <p:nvSpPr>
-          <p:cNvPr id="2" name="Title 1"/>
+          <p:cNvPr id="20481" name="Title 1"/>
           <p:cNvSpPr>
             <a:spLocks noGrp="1"/>
           </p:cNvSpPr>
@@ -3194,7 +3726,10 @@
           <a:bodyPr/>
           <a:lstStyle/>
           <a:p>
-            <a:endParaRPr lang="en-NZ"/>
+            <a:r>
+              <a:rPr lang="en-NZ" smtClean="0"/>
+              <a:t>The Backend Server</a:t>
+            </a:r>
           </a:p>
         </p:txBody>
       </p:sp>
@@ -3210,10 +3745,42 @@
         </p:nvSpPr>
         <p:spPr/>
         <p:txBody>
-          <a:bodyPr/>
+          <a:bodyPr>
+            <a:normAutofit/>
+          </a:bodyPr>
           <a:lstStyle/>
           <a:p>
-            <a:endParaRPr lang="en-NZ"/>
+            <a:pPr>
+              <a:lnSpc>
+                <a:spcPct val="90000"/>
+              </a:lnSpc>
+            </a:pPr>
+            <a:r>
+              <a:rPr lang="en-NZ" smtClean="0"/>
+              <a:t>After a connection is received and challenged, the server will wait for the client to send it a fingerprint.</a:t>
+            </a:r>
+          </a:p>
+          <a:p>
+            <a:pPr>
+              <a:lnSpc>
+                <a:spcPct val="90000"/>
+              </a:lnSpc>
+            </a:pPr>
+            <a:r>
+              <a:rPr lang="en-NZ" smtClean="0"/>
+              <a:t>From here it will then do a fingerprint comparison.</a:t>
+            </a:r>
+          </a:p>
+          <a:p>
+            <a:pPr>
+              <a:lnSpc>
+                <a:spcPct val="90000"/>
+              </a:lnSpc>
+            </a:pPr>
+            <a:r>
+              <a:rPr lang="en-NZ" smtClean="0"/>
+              <a:t>It will build an internal list of the songs that have matches</a:t>
+            </a:r>
           </a:p>
         </p:txBody>
       </p:sp>
@@ -3222,6 +3789,254 @@
   <p:clrMapOvr>
     <a:masterClrMapping/>
   </p:clrMapOvr>
+  <p:timing>
+    <p:tnLst>
+      <p:par>
+        <p:cTn id="1" dur="indefinite" restart="never" nodeType="tmRoot"/>
+      </p:par>
+    </p:tnLst>
+  </p:timing>
+</p:sld>
+</file>
+
+<file path=ppt/slides/slide11.xml><?xml version="1.0" encoding="utf-8"?>
+<p:sld xmlns:a="http://schemas.openxmlformats.org/drawingml/2006/main" xmlns:r="http://schemas.openxmlformats.org/officeDocument/2006/relationships" xmlns:p="http://schemas.openxmlformats.org/presentationml/2006/main">
+  <p:cSld>
+    <p:spTree>
+      <p:nvGrpSpPr>
+        <p:cNvPr id="1" name=""/>
+        <p:cNvGrpSpPr/>
+        <p:nvPr/>
+      </p:nvGrpSpPr>
+      <p:grpSpPr>
+        <a:xfrm>
+          <a:off x="0" y="0"/>
+          <a:ext cx="0" cy="0"/>
+          <a:chOff x="0" y="0"/>
+          <a:chExt cx="0" cy="0"/>
+        </a:xfrm>
+      </p:grpSpPr>
+      <p:sp>
+        <p:nvSpPr>
+          <p:cNvPr id="26626" name="Rectangle 2"/>
+          <p:cNvSpPr>
+            <a:spLocks noGrp="1"/>
+          </p:cNvSpPr>
+          <p:nvPr>
+            <p:ph type="title"/>
+          </p:nvPr>
+        </p:nvSpPr>
+        <p:spPr/>
+        <p:txBody>
+          <a:bodyPr/>
+          <a:lstStyle/>
+          <a:p>
+            <a:r>
+              <a:rPr lang="en-NZ" smtClean="0"/>
+              <a:t>The Backend Server</a:t>
+            </a:r>
+            <a:endParaRPr lang="en-US" smtClean="0"/>
+          </a:p>
+        </p:txBody>
+      </p:sp>
+      <p:sp>
+        <p:nvSpPr>
+          <p:cNvPr id="26627" name="Rectangle 3"/>
+          <p:cNvSpPr>
+            <a:spLocks noGrp="1"/>
+          </p:cNvSpPr>
+          <p:nvPr>
+            <p:ph type="body" idx="1"/>
+          </p:nvPr>
+        </p:nvSpPr>
+        <p:spPr/>
+        <p:txBody>
+          <a:bodyPr/>
+          <a:lstStyle/>
+          <a:p>
+            <a:pPr>
+              <a:lnSpc>
+                <a:spcPct val="90000"/>
+              </a:lnSpc>
+            </a:pPr>
+            <a:r>
+              <a:rPr lang="en-NZ" smtClean="0"/>
+              <a:t>After building the list, it needs to be transmitted via the network</a:t>
+            </a:r>
+          </a:p>
+          <a:p>
+            <a:pPr>
+              <a:lnSpc>
+                <a:spcPct val="90000"/>
+              </a:lnSpc>
+            </a:pPr>
+            <a:r>
+              <a:rPr lang="en-NZ" smtClean="0"/>
+              <a:t>For this to occur the list is transformed into XML</a:t>
+            </a:r>
+          </a:p>
+          <a:p>
+            <a:endParaRPr lang="en-US" smtClean="0"/>
+          </a:p>
+        </p:txBody>
+      </p:sp>
+    </p:spTree>
+  </p:cSld>
+  <p:clrMapOvr>
+    <a:masterClrMapping/>
+  </p:clrMapOvr>
+</p:sld>
+</file>
+
+<file path=ppt/slides/slide12.xml><?xml version="1.0" encoding="utf-8"?>
+<p:sld xmlns:a="http://schemas.openxmlformats.org/drawingml/2006/main" xmlns:r="http://schemas.openxmlformats.org/officeDocument/2006/relationships" xmlns:p="http://schemas.openxmlformats.org/presentationml/2006/main">
+  <p:cSld>
+    <p:spTree>
+      <p:nvGrpSpPr>
+        <p:cNvPr id="1" name=""/>
+        <p:cNvGrpSpPr/>
+        <p:nvPr/>
+      </p:nvGrpSpPr>
+      <p:grpSpPr>
+        <a:xfrm>
+          <a:off x="0" y="0"/>
+          <a:ext cx="0" cy="0"/>
+          <a:chOff x="0" y="0"/>
+          <a:chExt cx="0" cy="0"/>
+        </a:xfrm>
+      </p:grpSpPr>
+      <p:sp>
+        <p:nvSpPr>
+          <p:cNvPr id="21505" name="Title 1"/>
+          <p:cNvSpPr>
+            <a:spLocks noGrp="1"/>
+          </p:cNvSpPr>
+          <p:nvPr>
+            <p:ph type="title"/>
+          </p:nvPr>
+        </p:nvSpPr>
+        <p:spPr/>
+        <p:txBody>
+          <a:bodyPr/>
+          <a:lstStyle/>
+          <a:p>
+            <a:r>
+              <a:rPr lang="en-NZ" smtClean="0"/>
+              <a:t>The Backend Server</a:t>
+            </a:r>
+          </a:p>
+        </p:txBody>
+      </p:sp>
+      <p:sp>
+        <p:nvSpPr>
+          <p:cNvPr id="21506" name="Content Placeholder 2"/>
+          <p:cNvSpPr>
+            <a:spLocks noGrp="1"/>
+          </p:cNvSpPr>
+          <p:nvPr>
+            <p:ph idx="1"/>
+          </p:nvPr>
+        </p:nvSpPr>
+        <p:spPr/>
+        <p:txBody>
+          <a:bodyPr/>
+          <a:lstStyle/>
+          <a:p>
+            <a:r>
+              <a:rPr lang="en-NZ" smtClean="0"/>
+              <a:t>When the list is received by the client it is put back together into an object.</a:t>
+            </a:r>
+          </a:p>
+          <a:p>
+            <a:r>
+              <a:rPr lang="en-NZ" smtClean="0"/>
+              <a:t>The client can then uses the list for what it requires</a:t>
+            </a:r>
+          </a:p>
+        </p:txBody>
+      </p:sp>
+    </p:spTree>
+  </p:cSld>
+  <p:clrMapOvr>
+    <a:masterClrMapping/>
+  </p:clrMapOvr>
+  <p:timing>
+    <p:tnLst>
+      <p:par>
+        <p:cTn id="1" dur="indefinite" restart="never" nodeType="tmRoot"/>
+      </p:par>
+    </p:tnLst>
+  </p:timing>
+</p:sld>
+</file>
+
+<file path=ppt/slides/slide13.xml><?xml version="1.0" encoding="utf-8"?>
+<p:sld xmlns:a="http://schemas.openxmlformats.org/drawingml/2006/main" xmlns:r="http://schemas.openxmlformats.org/officeDocument/2006/relationships" xmlns:p="http://schemas.openxmlformats.org/presentationml/2006/main">
+  <p:cSld>
+    <p:spTree>
+      <p:nvGrpSpPr>
+        <p:cNvPr id="1" name=""/>
+        <p:cNvGrpSpPr/>
+        <p:nvPr/>
+      </p:nvGrpSpPr>
+      <p:grpSpPr>
+        <a:xfrm>
+          <a:off x="0" y="0"/>
+          <a:ext cx="0" cy="0"/>
+          <a:chOff x="0" y="0"/>
+          <a:chExt cx="0" cy="0"/>
+        </a:xfrm>
+      </p:grpSpPr>
+      <p:sp>
+        <p:nvSpPr>
+          <p:cNvPr id="22529" name="Title 1"/>
+          <p:cNvSpPr>
+            <a:spLocks noGrp="1"/>
+          </p:cNvSpPr>
+          <p:nvPr>
+            <p:ph type="title"/>
+          </p:nvPr>
+        </p:nvSpPr>
+        <p:spPr/>
+        <p:txBody>
+          <a:bodyPr/>
+          <a:lstStyle/>
+          <a:p>
+            <a:endParaRPr lang="en-NZ" smtClean="0"/>
+          </a:p>
+        </p:txBody>
+      </p:sp>
+      <p:sp>
+        <p:nvSpPr>
+          <p:cNvPr id="22530" name="Content Placeholder 2"/>
+          <p:cNvSpPr>
+            <a:spLocks noGrp="1"/>
+          </p:cNvSpPr>
+          <p:nvPr>
+            <p:ph idx="1"/>
+          </p:nvPr>
+        </p:nvSpPr>
+        <p:spPr/>
+        <p:txBody>
+          <a:bodyPr/>
+          <a:lstStyle/>
+          <a:p>
+            <a:endParaRPr lang="en-NZ" smtClean="0"/>
+          </a:p>
+        </p:txBody>
+      </p:sp>
+    </p:spTree>
+  </p:cSld>
+  <p:clrMapOvr>
+    <a:masterClrMapping/>
+  </p:clrMapOvr>
+  <p:timing>
+    <p:tnLst>
+      <p:par>
+        <p:cTn id="1" dur="indefinite" restart="never" nodeType="tmRoot"/>
+      </p:par>
+    </p:tnLst>
+  </p:timing>
 </p:sld>
 </file>
 
@@ -3244,7 +4059,7 @@
       </p:grpSpPr>
       <p:sp>
         <p:nvSpPr>
-          <p:cNvPr id="2" name="Title 1"/>
+          <p:cNvPr id="24581" name="Rectangle 5"/>
           <p:cNvSpPr>
             <a:spLocks noGrp="1"/>
           </p:cNvSpPr>
@@ -3257,39 +4072,74 @@
           <a:bodyPr/>
           <a:lstStyle/>
           <a:p>
-            <a:r>
-              <a:rPr lang="en-NZ" dirty="0" smtClean="0"/>
-              <a:t>Our Vision</a:t>
-            </a:r>
-            <a:endParaRPr lang="en-NZ" dirty="0"/>
-          </a:p>
-        </p:txBody>
-      </p:sp>
-      <p:sp>
-        <p:nvSpPr>
-          <p:cNvPr id="3" name="Content Placeholder 2"/>
-          <p:cNvSpPr>
-            <a:spLocks noGrp="1"/>
-          </p:cNvSpPr>
+            <a:endParaRPr lang="en-US" smtClean="0"/>
+          </a:p>
+        </p:txBody>
+      </p:sp>
+      <p:sp>
+        <p:nvSpPr>
+          <p:cNvPr id="24585" name="Rectangle 9"/>
+          <p:cNvSpPr>
+            <a:spLocks noChangeArrowheads="1"/>
+          </p:cNvSpPr>
+          <p:nvPr/>
+        </p:nvSpPr>
+        <p:spPr bwMode="auto">
+          <a:xfrm>
+            <a:off x="0" y="0"/>
+            <a:ext cx="9144000" cy="6858000"/>
+          </a:xfrm>
+          <a:prstGeom prst="rect">
+            <a:avLst/>
+          </a:prstGeom>
+          <a:solidFill>
+            <a:schemeClr val="tx1"/>
+          </a:solidFill>
+          <a:ln w="9525">
+            <a:solidFill>
+              <a:schemeClr val="tx1"/>
+            </a:solidFill>
+            <a:miter lim="800000"/>
+            <a:headEnd/>
+            <a:tailEnd/>
+          </a:ln>
+          <a:effectLst/>
+        </p:spPr>
+        <p:txBody>
+          <a:bodyPr wrap="none" anchor="ctr"/>
+          <a:lstStyle/>
+          <a:p>
+            <a:endParaRPr lang="en-US"/>
+          </a:p>
+        </p:txBody>
+      </p:sp>
+      <p:pic>
+        <p:nvPicPr>
+          <p:cNvPr id="24584" name="Untitled2_0002.wmv">
+            <a:hlinkClick r:id="" action="ppaction://media"/>
+          </p:cNvPr>
+          <p:cNvPicPr>
+            <a:picLocks noGrp="1" noRot="1" noChangeAspect="1" noChangeArrowheads="1"/>
+          </p:cNvPicPr>
           <p:nvPr>
             <p:ph idx="1"/>
-          </p:nvPr>
-        </p:nvSpPr>
-        <p:spPr/>
-        <p:txBody>
-          <a:bodyPr>
-            <a:normAutofit/>
-          </a:bodyPr>
-          <a:lstStyle/>
-          <a:p>
-            <a:r>
-              <a:rPr lang="en-NZ" dirty="0" smtClean="0"/>
-              <a:t>To provide a software package that will allow a customer to record a currently playing song, and have it return the name and artist of the song.</a:t>
-            </a:r>
-            <a:endParaRPr lang="en-NZ" dirty="0"/>
-          </a:p>
-        </p:txBody>
-      </p:sp>
+            <a:videoFile r:link="rId1"/>
+          </p:nvPr>
+        </p:nvPicPr>
+        <p:blipFill>
+          <a:blip r:embed="rId3"/>
+          <a:srcRect/>
+          <a:stretch>
+            <a:fillRect/>
+          </a:stretch>
+        </p:blipFill>
+        <p:spPr>
+          <a:xfrm>
+            <a:off x="0" y="260350"/>
+            <a:ext cx="9144000" cy="6096000"/>
+          </a:xfrm>
+        </p:spPr>
+      </p:pic>
     </p:spTree>
   </p:cSld>
   <p:clrMapOvr>
@@ -3298,7 +4148,92 @@
   <p:timing>
     <p:tnLst>
       <p:par>
-        <p:cTn id="1" dur="indefinite" restart="never" nodeType="tmRoot"/>
+        <p:cTn id="1" dur="indefinite" restart="never" nodeType="tmRoot">
+          <p:childTnLst>
+            <p:seq concurrent="1" nextAc="seek">
+              <p:cTn id="2" restart="whenNotActive" fill="hold" evtFilter="cancelBubble" nodeType="interactiveSeq">
+                <p:stCondLst>
+                  <p:cond evt="onClick" delay="0">
+                    <p:tgtEl>
+                      <p:spTgt spid="24584"/>
+                    </p:tgtEl>
+                  </p:cond>
+                </p:stCondLst>
+                <p:endSync evt="end" delay="0">
+                  <p:rtn val="all"/>
+                </p:endSync>
+                <p:childTnLst>
+                  <p:par>
+                    <p:cTn id="3" fill="hold">
+                      <p:stCondLst>
+                        <p:cond delay="0"/>
+                      </p:stCondLst>
+                      <p:childTnLst>
+                        <p:par>
+                          <p:cTn id="4" fill="hold">
+                            <p:stCondLst>
+                              <p:cond delay="0"/>
+                            </p:stCondLst>
+                            <p:childTnLst>
+                              <p:par>
+                                <p:cTn id="5" presetID="2" presetClass="mediacall" presetSubtype="0" fill="hold" nodeType="clickEffect">
+                                  <p:stCondLst>
+                                    <p:cond delay="0"/>
+                                  </p:stCondLst>
+                                  <p:childTnLst>
+                                    <p:cmd type="call" cmd="togglePause">
+                                      <p:cBhvr>
+                                        <p:cTn id="6" dur="1" fill="hold"/>
+                                        <p:tgtEl>
+                                          <p:spTgt spid="24584"/>
+                                        </p:tgtEl>
+                                      </p:cBhvr>
+                                    </p:cmd>
+                                  </p:childTnLst>
+                                </p:cTn>
+                              </p:par>
+                            </p:childTnLst>
+                          </p:cTn>
+                        </p:par>
+                      </p:childTnLst>
+                    </p:cTn>
+                  </p:par>
+                </p:childTnLst>
+              </p:cTn>
+              <p:nextCondLst>
+                <p:cond evt="onClick" delay="0">
+                  <p:tgtEl>
+                    <p:spTgt spid="24584"/>
+                  </p:tgtEl>
+                </p:cond>
+              </p:nextCondLst>
+            </p:seq>
+            <p:video>
+              <p:cMediaNode>
+                <p:cTn id="7" fill="hold" display="0">
+                  <p:stCondLst>
+                    <p:cond delay="indefinite"/>
+                  </p:stCondLst>
+                  <p:endCondLst>
+                    <p:cond evt="onNext" delay="0">
+                      <p:tgtEl>
+                        <p:sldTgt/>
+                      </p:tgtEl>
+                    </p:cond>
+                    <p:cond evt="onPrev" delay="0">
+                      <p:tgtEl>
+                        <p:sldTgt/>
+                      </p:tgtEl>
+                    </p:cond>
+                  </p:endCondLst>
+                </p:cTn>
+                <p:tgtEl>
+                  <p:spTgt spid="24584"/>
+                </p:tgtEl>
+              </p:cMediaNode>
+            </p:video>
+          </p:childTnLst>
+        </p:cTn>
       </p:par>
     </p:tnLst>
   </p:timing>
@@ -3324,7 +4259,7 @@
       </p:grpSpPr>
       <p:sp>
         <p:nvSpPr>
-          <p:cNvPr id="2" name="Title 1"/>
+          <p:cNvPr id="14337" name="Title 1"/>
           <p:cNvSpPr>
             <a:spLocks noGrp="1"/>
           </p:cNvSpPr>
@@ -3338,16 +4273,15 @@
           <a:lstStyle/>
           <a:p>
             <a:r>
-              <a:rPr lang="en-NZ" dirty="0" smtClean="0"/>
-              <a:t>Licensing</a:t>
-            </a:r>
-            <a:endParaRPr lang="en-NZ" dirty="0"/>
-          </a:p>
-        </p:txBody>
-      </p:sp>
-      <p:sp>
-        <p:nvSpPr>
-          <p:cNvPr id="3" name="Content Placeholder 2"/>
+              <a:rPr lang="en-NZ" smtClean="0"/>
+              <a:t>Our Vision</a:t>
+            </a:r>
+          </a:p>
+        </p:txBody>
+      </p:sp>
+      <p:sp>
+        <p:nvSpPr>
+          <p:cNvPr id="14338" name="Content Placeholder 2"/>
           <p:cNvSpPr>
             <a:spLocks noGrp="1"/>
           </p:cNvSpPr>
@@ -3361,25 +4295,9 @@
           <a:lstStyle/>
           <a:p>
             <a:r>
-              <a:rPr lang="en-NZ" dirty="0" smtClean="0"/>
-              <a:t>Our software package uses some closed source </a:t>
-            </a:r>
-            <a:r>
               <a:rPr lang="en-NZ" smtClean="0"/>
-              <a:t>code</a:t>
-            </a:r>
-            <a:r>
-              <a:rPr lang="en-NZ" smtClean="0"/>
-              <a:t>.</a:t>
-            </a:r>
-            <a:endParaRPr lang="en-NZ" dirty="0" smtClean="0"/>
-          </a:p>
-          <a:p>
-            <a:r>
-              <a:rPr lang="en-NZ" dirty="0" smtClean="0"/>
-              <a:t>So sorry, you can’t see any of it</a:t>
-            </a:r>
-            <a:endParaRPr lang="en-NZ" dirty="0"/>
+              <a:t>To provide a software package that will allow a customer to record a currently playing song, and have it return the name and artist of the song.</a:t>
+            </a:r>
           </a:p>
         </p:txBody>
       </p:sp>
@@ -3388,6 +4306,13 @@
   <p:clrMapOvr>
     <a:masterClrMapping/>
   </p:clrMapOvr>
+  <p:timing>
+    <p:tnLst>
+      <p:par>
+        <p:cTn id="1" dur="indefinite" restart="never" nodeType="tmRoot"/>
+      </p:par>
+    </p:tnLst>
+  </p:timing>
 </p:sld>
 </file>
 
@@ -3410,7 +4335,7 @@
       </p:grpSpPr>
       <p:sp>
         <p:nvSpPr>
-          <p:cNvPr id="2" name="Title 1"/>
+          <p:cNvPr id="15361" name="Title 1"/>
           <p:cNvSpPr>
             <a:spLocks noGrp="1"/>
           </p:cNvSpPr>
@@ -3424,16 +4349,15 @@
           <a:lstStyle/>
           <a:p>
             <a:r>
-              <a:rPr lang="en-NZ" dirty="0" smtClean="0"/>
-              <a:t>Audio Recording</a:t>
-            </a:r>
-            <a:endParaRPr lang="en-NZ" dirty="0"/>
-          </a:p>
-        </p:txBody>
-      </p:sp>
-      <p:sp>
-        <p:nvSpPr>
-          <p:cNvPr id="3" name="Content Placeholder 2"/>
+              <a:rPr lang="en-NZ" smtClean="0"/>
+              <a:t>Licensing</a:t>
+            </a:r>
+          </a:p>
+        </p:txBody>
+      </p:sp>
+      <p:sp>
+        <p:nvSpPr>
+          <p:cNvPr id="15362" name="Content Placeholder 2"/>
           <p:cNvSpPr>
             <a:spLocks noGrp="1"/>
           </p:cNvSpPr>
@@ -3447,22 +4371,15 @@
           <a:lstStyle/>
           <a:p>
             <a:r>
-              <a:rPr lang="en-NZ" dirty="0" smtClean="0"/>
-              <a:t>No premade features in the .NET Compact Framework for dealing with WAV files</a:t>
-            </a:r>
-          </a:p>
-          <a:p>
-            <a:r>
-              <a:rPr lang="en-NZ" dirty="0" smtClean="0"/>
-              <a:t>To overcome this our own classes needed to be written</a:t>
-            </a:r>
-          </a:p>
-          <a:p>
-            <a:r>
-              <a:rPr lang="en-NZ" dirty="0" smtClean="0"/>
-              <a:t>[How the recording works]</a:t>
-            </a:r>
-            <a:endParaRPr lang="en-NZ" dirty="0"/>
+              <a:rPr lang="en-NZ" smtClean="0"/>
+              <a:t>Our software package uses some closed source code.</a:t>
+            </a:r>
+          </a:p>
+          <a:p>
+            <a:r>
+              <a:rPr lang="en-NZ" smtClean="0"/>
+              <a:t>So sorry, you can’t see any of it</a:t>
+            </a:r>
           </a:p>
         </p:txBody>
       </p:sp>
@@ -3500,7 +4417,7 @@
       </p:grpSpPr>
       <p:sp>
         <p:nvSpPr>
-          <p:cNvPr id="2" name="Title 1"/>
+          <p:cNvPr id="16385" name="Title 1"/>
           <p:cNvSpPr>
             <a:spLocks noGrp="1"/>
           </p:cNvSpPr>
@@ -3514,16 +4431,15 @@
           <a:lstStyle/>
           <a:p>
             <a:r>
-              <a:rPr lang="en-NZ" dirty="0" smtClean="0"/>
-              <a:t>The Backend</a:t>
-            </a:r>
-            <a:endParaRPr lang="en-NZ" dirty="0"/>
-          </a:p>
-        </p:txBody>
-      </p:sp>
-      <p:sp>
-        <p:nvSpPr>
-          <p:cNvPr id="3" name="Content Placeholder 2"/>
+              <a:rPr lang="en-NZ" smtClean="0"/>
+              <a:t>Audio Recording</a:t>
+            </a:r>
+          </a:p>
+        </p:txBody>
+      </p:sp>
+      <p:sp>
+        <p:nvSpPr>
+          <p:cNvPr id="16386" name="Content Placeholder 2"/>
           <p:cNvSpPr>
             <a:spLocks noGrp="1"/>
           </p:cNvSpPr>
@@ -3537,36 +4453,21 @@
           <a:lstStyle/>
           <a:p>
             <a:r>
-              <a:rPr lang="en-NZ" dirty="0" smtClean="0"/>
-              <a:t>The backend essentially consists of a server that accepts simple queries from the device and returns an answer</a:t>
-            </a:r>
-          </a:p>
-          <a:p>
-            <a:r>
-              <a:rPr lang="en-NZ" dirty="0" smtClean="0"/>
-              <a:t>It’s written as a threaded C# TCP Network application</a:t>
-            </a:r>
-          </a:p>
-          <a:p>
-            <a:r>
-              <a:rPr lang="en-NZ" dirty="0" smtClean="0"/>
-              <a:t>It’s connected to a </a:t>
-            </a:r>
-            <a:r>
-              <a:rPr lang="en-NZ" dirty="0" err="1" smtClean="0"/>
-              <a:t>SQLite</a:t>
-            </a:r>
-            <a:r>
-              <a:rPr lang="en-NZ" dirty="0" smtClean="0"/>
-              <a:t> database</a:t>
-            </a:r>
-          </a:p>
-          <a:p>
-            <a:r>
-              <a:rPr lang="en-NZ" dirty="0" smtClean="0"/>
-              <a:t>It’s all text based</a:t>
-            </a:r>
-            <a:endParaRPr lang="en-NZ" dirty="0"/>
+              <a:rPr lang="en-NZ" smtClean="0"/>
+              <a:t>No premade features in the .NET Compact Framework for dealing with WAV files</a:t>
+            </a:r>
+          </a:p>
+          <a:p>
+            <a:r>
+              <a:rPr lang="en-NZ" smtClean="0"/>
+              <a:t>To overcome this our own classes needed to be written</a:t>
+            </a:r>
+          </a:p>
+          <a:p>
+            <a:r>
+              <a:rPr lang="en-NZ" smtClean="0"/>
+              <a:t>[How the recording works]</a:t>
+            </a:r>
           </a:p>
         </p:txBody>
       </p:sp>
@@ -3604,7 +4505,7 @@
       </p:grpSpPr>
       <p:sp>
         <p:nvSpPr>
-          <p:cNvPr id="2" name="Title 1"/>
+          <p:cNvPr id="17409" name="Title 1"/>
           <p:cNvSpPr>
             <a:spLocks noGrp="1"/>
           </p:cNvSpPr>
@@ -3618,16 +4519,15 @@
           <a:lstStyle/>
           <a:p>
             <a:r>
-              <a:rPr lang="en-NZ" dirty="0" smtClean="0"/>
-              <a:t>The Backend Server</a:t>
-            </a:r>
-            <a:endParaRPr lang="en-NZ" dirty="0"/>
-          </a:p>
-        </p:txBody>
-      </p:sp>
-      <p:sp>
-        <p:nvSpPr>
-          <p:cNvPr id="3" name="Content Placeholder 2"/>
+              <a:rPr lang="en-NZ" smtClean="0"/>
+              <a:t>The Backend</a:t>
+            </a:r>
+          </a:p>
+        </p:txBody>
+      </p:sp>
+      <p:sp>
+        <p:nvSpPr>
+          <p:cNvPr id="17410" name="Content Placeholder 2"/>
           <p:cNvSpPr>
             <a:spLocks noGrp="1"/>
           </p:cNvSpPr>
@@ -3641,16 +4541,27 @@
           <a:lstStyle/>
           <a:p>
             <a:r>
-              <a:rPr lang="en-NZ" dirty="0" smtClean="0"/>
-              <a:t>When a incoming connection is received it challenges with client with a code as a means to provide some small amount of security</a:t>
-            </a:r>
-          </a:p>
-          <a:p>
-            <a:r>
-              <a:rPr lang="en-NZ" dirty="0" smtClean="0"/>
-              <a:t>The client must provide the correct response code otherwise the server will simply close the connection</a:t>
-            </a:r>
-            <a:endParaRPr lang="en-NZ" dirty="0"/>
+              <a:rPr lang="en-NZ" smtClean="0"/>
+              <a:t>The backend essentially consists of a server that accepts simple queries from the device and returns an answer</a:t>
+            </a:r>
+          </a:p>
+          <a:p>
+            <a:r>
+              <a:rPr lang="en-NZ" smtClean="0"/>
+              <a:t>It’s written as a threaded C# TCP Network application</a:t>
+            </a:r>
+          </a:p>
+          <a:p>
+            <a:r>
+              <a:rPr lang="en-NZ" smtClean="0"/>
+              <a:t>It’s connected to a SQLite database</a:t>
+            </a:r>
+          </a:p>
+          <a:p>
+            <a:r>
+              <a:rPr lang="en-NZ" smtClean="0"/>
+              <a:t>It’s all text based</a:t>
+            </a:r>
           </a:p>
         </p:txBody>
       </p:sp>
@@ -3688,7 +4599,7 @@
       </p:grpSpPr>
       <p:sp>
         <p:nvSpPr>
-          <p:cNvPr id="2" name="Title 1"/>
+          <p:cNvPr id="18433" name="Title 1"/>
           <p:cNvSpPr>
             <a:spLocks noGrp="1"/>
           </p:cNvSpPr>
@@ -3702,16 +4613,15 @@
           <a:lstStyle/>
           <a:p>
             <a:r>
-              <a:rPr lang="en-NZ" dirty="0" smtClean="0"/>
+              <a:rPr lang="en-NZ" smtClean="0"/>
               <a:t>The Backend Server</a:t>
             </a:r>
-            <a:endParaRPr lang="en-NZ" dirty="0"/>
-          </a:p>
-        </p:txBody>
-      </p:sp>
-      <p:sp>
-        <p:nvSpPr>
-          <p:cNvPr id="3" name="Content Placeholder 2"/>
+          </a:p>
+        </p:txBody>
+      </p:sp>
+      <p:sp>
+        <p:nvSpPr>
+          <p:cNvPr id="18434" name="Content Placeholder 2"/>
           <p:cNvSpPr>
             <a:spLocks noGrp="1"/>
           </p:cNvSpPr>
@@ -3721,28 +4631,19 @@
         </p:nvSpPr>
         <p:spPr/>
         <p:txBody>
-          <a:bodyPr>
-            <a:normAutofit lnSpcReduction="10000"/>
-          </a:bodyPr>
+          <a:bodyPr/>
           <a:lstStyle/>
           <a:p>
             <a:r>
-              <a:rPr lang="en-NZ" dirty="0" smtClean="0"/>
-              <a:t>Is threaded. It has at least two threads running at all times. The main thread is the control part of the server. The other thread is the listener part, which sits in a loop accepting new connections</a:t>
-            </a:r>
-          </a:p>
-          <a:p>
-            <a:r>
-              <a:rPr lang="en-NZ" dirty="0" smtClean="0"/>
-              <a:t>When a new connection is received it spawns another thread.</a:t>
-            </a:r>
-          </a:p>
-          <a:p>
-            <a:r>
-              <a:rPr lang="en-NZ" dirty="0" smtClean="0"/>
-              <a:t>These threads do not need to communicate with each other</a:t>
-            </a:r>
-            <a:endParaRPr lang="en-NZ" dirty="0"/>
+              <a:rPr lang="en-NZ" smtClean="0"/>
+              <a:t>When a incoming connection is received it challenges with client with a code as a means to provide some small amount of security</a:t>
+            </a:r>
+          </a:p>
+          <a:p>
+            <a:r>
+              <a:rPr lang="en-NZ" smtClean="0"/>
+              <a:t>The client must provide the correct response code otherwise the server will simply close the connection</a:t>
+            </a:r>
           </a:p>
         </p:txBody>
       </p:sp>
@@ -3780,7 +4681,7 @@
       </p:grpSpPr>
       <p:sp>
         <p:nvSpPr>
-          <p:cNvPr id="2" name="Title 1"/>
+          <p:cNvPr id="19457" name="Title 1"/>
           <p:cNvSpPr>
             <a:spLocks noGrp="1"/>
           </p:cNvSpPr>
@@ -3794,10 +4695,9 @@
           <a:lstStyle/>
           <a:p>
             <a:r>
-              <a:rPr lang="en-NZ" dirty="0" smtClean="0"/>
+              <a:rPr lang="en-NZ" smtClean="0"/>
               <a:t>The Backend Server</a:t>
             </a:r>
-            <a:endParaRPr lang="en-NZ" dirty="0"/>
           </a:p>
         </p:txBody>
       </p:sp>
@@ -3814,27 +4714,41 @@
         <p:spPr/>
         <p:txBody>
           <a:bodyPr>
-            <a:normAutofit lnSpcReduction="10000"/>
+            <a:normAutofit/>
           </a:bodyPr>
           <a:lstStyle/>
           <a:p>
-            <a:r>
-              <a:rPr lang="en-NZ" dirty="0" smtClean="0"/>
-              <a:t>After a connection is received and challenged, the server will wait for the client to send it a fingerprint. From here it will then do a fingerprint comparison. It will build an internal list of the songs that have matches</a:t>
-            </a:r>
-          </a:p>
-          <a:p>
-            <a:r>
-              <a:rPr lang="en-NZ" dirty="0" smtClean="0"/>
-              <a:t>After building the list, it needs to be transmitted via the network</a:t>
-            </a:r>
-          </a:p>
-          <a:p>
-            <a:r>
-              <a:rPr lang="en-NZ" dirty="0" smtClean="0"/>
-              <a:t>For this to occur the list is transformed into XML</a:t>
-            </a:r>
-            <a:endParaRPr lang="en-NZ" dirty="0"/>
+            <a:pPr>
+              <a:lnSpc>
+                <a:spcPct val="90000"/>
+              </a:lnSpc>
+            </a:pPr>
+            <a:r>
+              <a:rPr lang="en-NZ" smtClean="0"/>
+              <a:t>Is threaded. It has at least two threads running at all times.</a:t>
+            </a:r>
+          </a:p>
+          <a:p>
+            <a:pPr>
+              <a:lnSpc>
+                <a:spcPct val="90000"/>
+              </a:lnSpc>
+            </a:pPr>
+            <a:r>
+              <a:rPr lang="en-NZ" smtClean="0"/>
+              <a:t>The main thread is the control part of the server.</a:t>
+            </a:r>
+          </a:p>
+          <a:p>
+            <a:pPr>
+              <a:lnSpc>
+                <a:spcPct val="90000"/>
+              </a:lnSpc>
+            </a:pPr>
+            <a:r>
+              <a:rPr lang="en-NZ" smtClean="0"/>
+              <a:t>The other thread is the listener part, which sits in a loop accepting new connections</a:t>
+            </a:r>
           </a:p>
         </p:txBody>
       </p:sp>
@@ -3843,6 +4757,13 @@
   <p:clrMapOvr>
     <a:masterClrMapping/>
   </p:clrMapOvr>
+  <p:timing>
+    <p:tnLst>
+      <p:par>
+        <p:cTn id="1" dur="indefinite" restart="never" nodeType="tmRoot"/>
+      </p:par>
+    </p:tnLst>
+  </p:timing>
 </p:sld>
 </file>
 
@@ -3865,7 +4786,7 @@
       </p:grpSpPr>
       <p:sp>
         <p:nvSpPr>
-          <p:cNvPr id="2" name="Title 1"/>
+          <p:cNvPr id="27650" name="Rectangle 2"/>
           <p:cNvSpPr>
             <a:spLocks noGrp="1"/>
           </p:cNvSpPr>
@@ -3879,21 +4800,20 @@
           <a:lstStyle/>
           <a:p>
             <a:r>
-              <a:rPr lang="en-NZ" dirty="0" smtClean="0"/>
+              <a:rPr lang="en-US" smtClean="0"/>
               <a:t>The Backend Server</a:t>
             </a:r>
-            <a:endParaRPr lang="en-NZ" dirty="0"/>
-          </a:p>
-        </p:txBody>
-      </p:sp>
-      <p:sp>
-        <p:nvSpPr>
-          <p:cNvPr id="3" name="Content Placeholder 2"/>
-          <p:cNvSpPr>
-            <a:spLocks noGrp="1"/>
-          </p:cNvSpPr>
-          <p:nvPr>
-            <p:ph idx="1"/>
+          </a:p>
+        </p:txBody>
+      </p:sp>
+      <p:sp>
+        <p:nvSpPr>
+          <p:cNvPr id="27651" name="Rectangle 3"/>
+          <p:cNvSpPr>
+            <a:spLocks noGrp="1"/>
+          </p:cNvSpPr>
+          <p:nvPr>
+            <p:ph type="body" idx="1"/>
           </p:nvPr>
         </p:nvSpPr>
         <p:spPr/>
@@ -3901,25 +4821,29 @@
           <a:bodyPr/>
           <a:lstStyle/>
           <a:p>
-            <a:r>
-              <a:rPr lang="en-NZ" dirty="0" smtClean="0"/>
-              <a:t>When the list is received by the client it is put back together into an object.</a:t>
-            </a:r>
-          </a:p>
-          <a:p>
-            <a:r>
-              <a:rPr lang="en-NZ" dirty="0" smtClean="0"/>
-              <a:t>The client can then uses the list </a:t>
-            </a:r>
+            <a:pPr>
+              <a:lnSpc>
+                <a:spcPct val="90000"/>
+              </a:lnSpc>
+            </a:pPr>
             <a:r>
               <a:rPr lang="en-NZ" smtClean="0"/>
-              <a:t>for what </a:t>
-            </a:r>
-            <a:r>
-              <a:rPr lang="en-NZ" dirty="0" smtClean="0"/>
-              <a:t>it requires</a:t>
-            </a:r>
-            <a:endParaRPr lang="en-NZ" dirty="0"/>
+              <a:t>When a new connection is received it spawns another thread.</a:t>
+            </a:r>
+          </a:p>
+          <a:p>
+            <a:pPr>
+              <a:lnSpc>
+                <a:spcPct val="90000"/>
+              </a:lnSpc>
+            </a:pPr>
+            <a:r>
+              <a:rPr lang="en-NZ" smtClean="0"/>
+              <a:t>These threads do not need to communicate with each other</a:t>
+            </a:r>
+          </a:p>
+          <a:p>
+            <a:endParaRPr lang="en-US" smtClean="0"/>
           </a:p>
         </p:txBody>
       </p:sp>

--- a/Mobile Musical Moments.pptx
+++ b/Mobile Musical Moments.pptx
@@ -10,14 +10,15 @@
     <p:sldId id="257" r:id="rId4"/>
     <p:sldId id="264" r:id="rId5"/>
     <p:sldId id="259" r:id="rId6"/>
-    <p:sldId id="258" r:id="rId7"/>
-    <p:sldId id="260" r:id="rId8"/>
-    <p:sldId id="261" r:id="rId9"/>
-    <p:sldId id="268" r:id="rId10"/>
-    <p:sldId id="262" r:id="rId11"/>
-    <p:sldId id="267" r:id="rId12"/>
-    <p:sldId id="263" r:id="rId13"/>
-    <p:sldId id="265" r:id="rId14"/>
+    <p:sldId id="269" r:id="rId7"/>
+    <p:sldId id="258" r:id="rId8"/>
+    <p:sldId id="260" r:id="rId9"/>
+    <p:sldId id="261" r:id="rId10"/>
+    <p:sldId id="268" r:id="rId11"/>
+    <p:sldId id="262" r:id="rId12"/>
+    <p:sldId id="267" r:id="rId13"/>
+    <p:sldId id="263" r:id="rId14"/>
+    <p:sldId id="265" r:id="rId15"/>
   </p:sldIdLst>
   <p:sldSz cx="9144000" cy="6858000" type="screen4x3"/>
   <p:notesSz cx="6858000" cy="9144000"/>
@@ -340,7 +341,7 @@
               <a:pPr>
                 <a:defRPr/>
               </a:pPr>
-              <a:t>10/13/2008</a:t>
+              <a:t>10/19/2008</a:t>
             </a:fld>
             <a:endParaRPr lang="en-NZ"/>
           </a:p>
@@ -532,7 +533,7 @@
               <a:pPr>
                 <a:defRPr/>
               </a:pPr>
-              <a:t>10/13/2008</a:t>
+              <a:t>10/19/2008</a:t>
             </a:fld>
             <a:endParaRPr lang="en-NZ"/>
           </a:p>
@@ -734,7 +735,7 @@
               <a:pPr>
                 <a:defRPr/>
               </a:pPr>
-              <a:t>10/13/2008</a:t>
+              <a:t>10/19/2008</a:t>
             </a:fld>
             <a:endParaRPr lang="en-NZ"/>
           </a:p>
@@ -926,7 +927,7 @@
               <a:pPr>
                 <a:defRPr/>
               </a:pPr>
-              <a:t>10/13/2008</a:t>
+              <a:t>10/19/2008</a:t>
             </a:fld>
             <a:endParaRPr lang="en-NZ"/>
           </a:p>
@@ -1194,7 +1195,7 @@
               <a:pPr>
                 <a:defRPr/>
               </a:pPr>
-              <a:t>10/13/2008</a:t>
+              <a:t>10/19/2008</a:t>
             </a:fld>
             <a:endParaRPr lang="en-NZ"/>
           </a:p>
@@ -1504,7 +1505,7 @@
               <a:pPr>
                 <a:defRPr/>
               </a:pPr>
-              <a:t>10/13/2008</a:t>
+              <a:t>10/19/2008</a:t>
             </a:fld>
             <a:endParaRPr lang="en-NZ"/>
           </a:p>
@@ -1948,7 +1949,7 @@
               <a:pPr>
                 <a:defRPr/>
               </a:pPr>
-              <a:t>10/13/2008</a:t>
+              <a:t>10/19/2008</a:t>
             </a:fld>
             <a:endParaRPr lang="en-NZ"/>
           </a:p>
@@ -2088,7 +2089,7 @@
               <a:pPr>
                 <a:defRPr/>
               </a:pPr>
-              <a:t>10/13/2008</a:t>
+              <a:t>10/19/2008</a:t>
             </a:fld>
             <a:endParaRPr lang="en-NZ"/>
           </a:p>
@@ -2205,7 +2206,7 @@
               <a:pPr>
                 <a:defRPr/>
               </a:pPr>
-              <a:t>10/13/2008</a:t>
+              <a:t>10/19/2008</a:t>
             </a:fld>
             <a:endParaRPr lang="en-NZ"/>
           </a:p>
@@ -2504,7 +2505,7 @@
               <a:pPr>
                 <a:defRPr/>
               </a:pPr>
-              <a:t>10/13/2008</a:t>
+              <a:t>10/19/2008</a:t>
             </a:fld>
             <a:endParaRPr lang="en-NZ"/>
           </a:p>
@@ -2782,7 +2783,7 @@
               <a:pPr>
                 <a:defRPr/>
               </a:pPr>
-              <a:t>10/13/2008</a:t>
+              <a:t>10/19/2008</a:t>
             </a:fld>
             <a:endParaRPr lang="en-NZ"/>
           </a:p>
@@ -3071,7 +3072,7 @@
               <a:pPr>
                 <a:defRPr/>
               </a:pPr>
-              <a:t>10/13/2008</a:t>
+              <a:t>10/19/2008</a:t>
             </a:fld>
             <a:endParaRPr lang="en-NZ"/>
           </a:p>
@@ -3713,7 +3714,7 @@
       </p:grpSpPr>
       <p:sp>
         <p:nvSpPr>
-          <p:cNvPr id="20481" name="Title 1"/>
+          <p:cNvPr id="27650" name="Rectangle 2"/>
           <p:cNvSpPr>
             <a:spLocks noGrp="1"/>
           </p:cNvSpPr>
@@ -3727,7 +3728,7 @@
           <a:lstStyle/>
           <a:p>
             <a:r>
-              <a:rPr lang="en-NZ" smtClean="0"/>
+              <a:rPr lang="en-US" smtClean="0"/>
               <a:t>The Backend Server</a:t>
             </a:r>
           </a:p>
@@ -3735,19 +3736,17 @@
       </p:sp>
       <p:sp>
         <p:nvSpPr>
-          <p:cNvPr id="3" name="Content Placeholder 2"/>
-          <p:cNvSpPr>
-            <a:spLocks noGrp="1"/>
-          </p:cNvSpPr>
-          <p:nvPr>
-            <p:ph idx="1"/>
-          </p:nvPr>
-        </p:nvSpPr>
-        <p:spPr/>
-        <p:txBody>
-          <a:bodyPr>
-            <a:normAutofit/>
-          </a:bodyPr>
+          <p:cNvPr id="27651" name="Rectangle 3"/>
+          <p:cNvSpPr>
+            <a:spLocks noGrp="1"/>
+          </p:cNvSpPr>
+          <p:nvPr>
+            <p:ph type="body" idx="1"/>
+          </p:nvPr>
+        </p:nvSpPr>
+        <p:spPr/>
+        <p:txBody>
+          <a:bodyPr/>
           <a:lstStyle/>
           <a:p>
             <a:pPr>
@@ -3757,7 +3756,7 @@
             </a:pPr>
             <a:r>
               <a:rPr lang="en-NZ" smtClean="0"/>
-              <a:t>After a connection is received and challenged, the server will wait for the client to send it a fingerprint.</a:t>
+              <a:t>When a new connection is received it spawns another thread.</a:t>
             </a:r>
           </a:p>
           <a:p>
@@ -3768,19 +3767,11 @@
             </a:pPr>
             <a:r>
               <a:rPr lang="en-NZ" smtClean="0"/>
-              <a:t>From here it will then do a fingerprint comparison.</a:t>
-            </a:r>
-          </a:p>
-          <a:p>
-            <a:pPr>
-              <a:lnSpc>
-                <a:spcPct val="90000"/>
-              </a:lnSpc>
-            </a:pPr>
-            <a:r>
-              <a:rPr lang="en-NZ" smtClean="0"/>
-              <a:t>It will build an internal list of the songs that have matches</a:t>
-            </a:r>
+              <a:t>These threads do not need to communicate with each other</a:t>
+            </a:r>
+          </a:p>
+          <a:p>
+            <a:endParaRPr lang="en-US" smtClean="0"/>
           </a:p>
         </p:txBody>
       </p:sp>
@@ -3789,13 +3780,6 @@
   <p:clrMapOvr>
     <a:masterClrMapping/>
   </p:clrMapOvr>
-  <p:timing>
-    <p:tnLst>
-      <p:par>
-        <p:cTn id="1" dur="indefinite" restart="never" nodeType="tmRoot"/>
-      </p:par>
-    </p:tnLst>
-  </p:timing>
 </p:sld>
 </file>
 
@@ -3818,7 +3802,7 @@
       </p:grpSpPr>
       <p:sp>
         <p:nvSpPr>
-          <p:cNvPr id="26626" name="Rectangle 2"/>
+          <p:cNvPr id="20481" name="Title 1"/>
           <p:cNvSpPr>
             <a:spLocks noGrp="1"/>
           </p:cNvSpPr>
@@ -3835,23 +3819,24 @@
               <a:rPr lang="en-NZ" smtClean="0"/>
               <a:t>The Backend Server</a:t>
             </a:r>
-            <a:endParaRPr lang="en-US" smtClean="0"/>
-          </a:p>
-        </p:txBody>
-      </p:sp>
-      <p:sp>
-        <p:nvSpPr>
-          <p:cNvPr id="26627" name="Rectangle 3"/>
-          <p:cNvSpPr>
-            <a:spLocks noGrp="1"/>
-          </p:cNvSpPr>
-          <p:nvPr>
-            <p:ph type="body" idx="1"/>
-          </p:nvPr>
-        </p:nvSpPr>
-        <p:spPr/>
-        <p:txBody>
-          <a:bodyPr/>
+          </a:p>
+        </p:txBody>
+      </p:sp>
+      <p:sp>
+        <p:nvSpPr>
+          <p:cNvPr id="3" name="Content Placeholder 2"/>
+          <p:cNvSpPr>
+            <a:spLocks noGrp="1"/>
+          </p:cNvSpPr>
+          <p:nvPr>
+            <p:ph idx="1"/>
+          </p:nvPr>
+        </p:nvSpPr>
+        <p:spPr/>
+        <p:txBody>
+          <a:bodyPr>
+            <a:normAutofit/>
+          </a:bodyPr>
           <a:lstStyle/>
           <a:p>
             <a:pPr>
@@ -3861,7 +3846,7 @@
             </a:pPr>
             <a:r>
               <a:rPr lang="en-NZ" smtClean="0"/>
-              <a:t>After building the list, it needs to be transmitted via the network</a:t>
+              <a:t>After a connection is received and challenged, the server will wait for the client to send it a fingerprint.</a:t>
             </a:r>
           </a:p>
           <a:p>
@@ -3872,11 +3857,19 @@
             </a:pPr>
             <a:r>
               <a:rPr lang="en-NZ" smtClean="0"/>
-              <a:t>For this to occur the list is transformed into XML</a:t>
-            </a:r>
-          </a:p>
-          <a:p>
-            <a:endParaRPr lang="en-US" smtClean="0"/>
+              <a:t>From here it will then do a fingerprint comparison.</a:t>
+            </a:r>
+          </a:p>
+          <a:p>
+            <a:pPr>
+              <a:lnSpc>
+                <a:spcPct val="90000"/>
+              </a:lnSpc>
+            </a:pPr>
+            <a:r>
+              <a:rPr lang="en-NZ" smtClean="0"/>
+              <a:t>It will build an internal list of the songs that have matches</a:t>
+            </a:r>
           </a:p>
         </p:txBody>
       </p:sp>
@@ -3885,6 +3878,13 @@
   <p:clrMapOvr>
     <a:masterClrMapping/>
   </p:clrMapOvr>
+  <p:timing>
+    <p:tnLst>
+      <p:par>
+        <p:cTn id="1" dur="indefinite" restart="never" nodeType="tmRoot"/>
+      </p:par>
+    </p:tnLst>
+  </p:timing>
 </p:sld>
 </file>
 
@@ -3907,6 +3907,95 @@
       </p:grpSpPr>
       <p:sp>
         <p:nvSpPr>
+          <p:cNvPr id="26626" name="Rectangle 2"/>
+          <p:cNvSpPr>
+            <a:spLocks noGrp="1"/>
+          </p:cNvSpPr>
+          <p:nvPr>
+            <p:ph type="title"/>
+          </p:nvPr>
+        </p:nvSpPr>
+        <p:spPr/>
+        <p:txBody>
+          <a:bodyPr/>
+          <a:lstStyle/>
+          <a:p>
+            <a:r>
+              <a:rPr lang="en-NZ" smtClean="0"/>
+              <a:t>The Backend Server</a:t>
+            </a:r>
+            <a:endParaRPr lang="en-US" smtClean="0"/>
+          </a:p>
+        </p:txBody>
+      </p:sp>
+      <p:sp>
+        <p:nvSpPr>
+          <p:cNvPr id="26627" name="Rectangle 3"/>
+          <p:cNvSpPr>
+            <a:spLocks noGrp="1"/>
+          </p:cNvSpPr>
+          <p:nvPr>
+            <p:ph type="body" idx="1"/>
+          </p:nvPr>
+        </p:nvSpPr>
+        <p:spPr/>
+        <p:txBody>
+          <a:bodyPr/>
+          <a:lstStyle/>
+          <a:p>
+            <a:pPr>
+              <a:lnSpc>
+                <a:spcPct val="90000"/>
+              </a:lnSpc>
+            </a:pPr>
+            <a:r>
+              <a:rPr lang="en-NZ" smtClean="0"/>
+              <a:t>After building the list, it needs to be transmitted via the network</a:t>
+            </a:r>
+          </a:p>
+          <a:p>
+            <a:pPr>
+              <a:lnSpc>
+                <a:spcPct val="90000"/>
+              </a:lnSpc>
+            </a:pPr>
+            <a:r>
+              <a:rPr lang="en-NZ" smtClean="0"/>
+              <a:t>For this to occur the list is transformed into XML</a:t>
+            </a:r>
+          </a:p>
+          <a:p>
+            <a:endParaRPr lang="en-US" smtClean="0"/>
+          </a:p>
+        </p:txBody>
+      </p:sp>
+    </p:spTree>
+  </p:cSld>
+  <p:clrMapOvr>
+    <a:masterClrMapping/>
+  </p:clrMapOvr>
+</p:sld>
+</file>
+
+<file path=ppt/slides/slide13.xml><?xml version="1.0" encoding="utf-8"?>
+<p:sld xmlns:a="http://schemas.openxmlformats.org/drawingml/2006/main" xmlns:r="http://schemas.openxmlformats.org/officeDocument/2006/relationships" xmlns:p="http://schemas.openxmlformats.org/presentationml/2006/main">
+  <p:cSld>
+    <p:spTree>
+      <p:nvGrpSpPr>
+        <p:cNvPr id="1" name=""/>
+        <p:cNvGrpSpPr/>
+        <p:nvPr/>
+      </p:nvGrpSpPr>
+      <p:grpSpPr>
+        <a:xfrm>
+          <a:off x="0" y="0"/>
+          <a:ext cx="0" cy="0"/>
+          <a:chOff x="0" y="0"/>
+          <a:chExt cx="0" cy="0"/>
+        </a:xfrm>
+      </p:grpSpPr>
+      <p:sp>
+        <p:nvSpPr>
           <p:cNvPr id="21505" name="Title 1"/>
           <p:cNvSpPr>
             <a:spLocks noGrp="1"/>
@@ -3970,7 +4059,7 @@
 </p:sld>
 </file>
 
-<file path=ppt/slides/slide13.xml><?xml version="1.0" encoding="utf-8"?>
+<file path=ppt/slides/slide14.xml><?xml version="1.0" encoding="utf-8"?>
 <p:sld xmlns:a="http://schemas.openxmlformats.org/drawingml/2006/main" xmlns:r="http://schemas.openxmlformats.org/officeDocument/2006/relationships" xmlns:p="http://schemas.openxmlformats.org/presentationml/2006/main">
   <p:cSld>
     <p:spTree>
@@ -4505,7 +4594,7 @@
       </p:grpSpPr>
       <p:sp>
         <p:nvSpPr>
-          <p:cNvPr id="17409" name="Title 1"/>
+          <p:cNvPr id="2" name="Title 1"/>
           <p:cNvSpPr>
             <a:spLocks noGrp="1"/>
           </p:cNvSpPr>
@@ -4519,15 +4608,16 @@
           <a:lstStyle/>
           <a:p>
             <a:r>
-              <a:rPr lang="en-NZ" smtClean="0"/>
-              <a:t>The Backend</a:t>
-            </a:r>
-          </a:p>
-        </p:txBody>
-      </p:sp>
-      <p:sp>
-        <p:nvSpPr>
-          <p:cNvPr id="17410" name="Content Placeholder 2"/>
+              <a:rPr lang="en-NZ" dirty="0" smtClean="0"/>
+              <a:t>Interface</a:t>
+            </a:r>
+            <a:endParaRPr lang="en-NZ" dirty="0"/>
+          </a:p>
+        </p:txBody>
+      </p:sp>
+      <p:sp>
+        <p:nvSpPr>
+          <p:cNvPr id="3" name="Content Placeholder 2"/>
           <p:cNvSpPr>
             <a:spLocks noGrp="1"/>
           </p:cNvSpPr>
@@ -4541,27 +4631,22 @@
           <a:lstStyle/>
           <a:p>
             <a:r>
-              <a:rPr lang="en-NZ" smtClean="0"/>
-              <a:t>The backend essentially consists of a server that accepts simple queries from the device and returns an answer</a:t>
-            </a:r>
-          </a:p>
-          <a:p>
-            <a:r>
-              <a:rPr lang="en-NZ" smtClean="0"/>
-              <a:t>It’s written as a threaded C# TCP Network application</a:t>
-            </a:r>
-          </a:p>
-          <a:p>
-            <a:r>
-              <a:rPr lang="en-NZ" smtClean="0"/>
-              <a:t>It’s connected to a SQLite database</a:t>
-            </a:r>
-          </a:p>
-          <a:p>
-            <a:r>
-              <a:rPr lang="en-NZ" smtClean="0"/>
-              <a:t>It’s all text based</a:t>
-            </a:r>
+              <a:rPr lang="en-NZ" dirty="0" smtClean="0"/>
+              <a:t>Buttons and Controls</a:t>
+            </a:r>
+          </a:p>
+          <a:p>
+            <a:r>
+              <a:rPr lang="en-NZ" dirty="0" smtClean="0"/>
+              <a:t>Splash Screen</a:t>
+            </a:r>
+          </a:p>
+          <a:p>
+            <a:r>
+              <a:rPr lang="en-NZ" dirty="0" smtClean="0"/>
+              <a:t>Outflow Layout</a:t>
+            </a:r>
+            <a:endParaRPr lang="en-NZ" dirty="0"/>
           </a:p>
         </p:txBody>
       </p:sp>
@@ -4570,13 +4655,6 @@
   <p:clrMapOvr>
     <a:masterClrMapping/>
   </p:clrMapOvr>
-  <p:timing>
-    <p:tnLst>
-      <p:par>
-        <p:cTn id="1" dur="indefinite" restart="never" nodeType="tmRoot"/>
-      </p:par>
-    </p:tnLst>
-  </p:timing>
 </p:sld>
 </file>
 
@@ -4599,7 +4677,7 @@
       </p:grpSpPr>
       <p:sp>
         <p:nvSpPr>
-          <p:cNvPr id="18433" name="Title 1"/>
+          <p:cNvPr id="17409" name="Title 1"/>
           <p:cNvSpPr>
             <a:spLocks noGrp="1"/>
           </p:cNvSpPr>
@@ -4614,14 +4692,14 @@
           <a:p>
             <a:r>
               <a:rPr lang="en-NZ" smtClean="0"/>
-              <a:t>The Backend Server</a:t>
-            </a:r>
-          </a:p>
-        </p:txBody>
-      </p:sp>
-      <p:sp>
-        <p:nvSpPr>
-          <p:cNvPr id="18434" name="Content Placeholder 2"/>
+              <a:t>The Backend</a:t>
+            </a:r>
+          </a:p>
+        </p:txBody>
+      </p:sp>
+      <p:sp>
+        <p:nvSpPr>
+          <p:cNvPr id="17410" name="Content Placeholder 2"/>
           <p:cNvSpPr>
             <a:spLocks noGrp="1"/>
           </p:cNvSpPr>
@@ -4635,14 +4713,24 @@
           <a:lstStyle/>
           <a:p>
             <a:r>
-              <a:rPr lang="en-NZ" smtClean="0"/>
-              <a:t>When a incoming connection is received it challenges with client with a code as a means to provide some small amount of security</a:t>
-            </a:r>
-          </a:p>
-          <a:p>
-            <a:r>
-              <a:rPr lang="en-NZ" smtClean="0"/>
-              <a:t>The client must provide the correct response code otherwise the server will simply close the connection</a:t>
+              <a:rPr lang="en-NZ" dirty="0" smtClean="0"/>
+              <a:t>The backend essentially consists of a server that accepts simple queries from the device and returns an answer</a:t>
+            </a:r>
+          </a:p>
+          <a:p>
+            <a:r>
+              <a:rPr lang="en-NZ" dirty="0" smtClean="0"/>
+              <a:t>It’s written as a threaded C# TCP Network application</a:t>
+            </a:r>
+          </a:p>
+          <a:p>
+            <a:r>
+              <a:rPr lang="en-NZ" dirty="0" smtClean="0"/>
+              <a:t>It’s </a:t>
+            </a:r>
+            <a:r>
+              <a:rPr lang="en-NZ" dirty="0" smtClean="0"/>
+              <a:t>all text based</a:t>
             </a:r>
           </a:p>
         </p:txBody>
@@ -4681,7 +4769,7 @@
       </p:grpSpPr>
       <p:sp>
         <p:nvSpPr>
-          <p:cNvPr id="19457" name="Title 1"/>
+          <p:cNvPr id="18433" name="Title 1"/>
           <p:cNvSpPr>
             <a:spLocks noGrp="1"/>
           </p:cNvSpPr>
@@ -4703,7 +4791,7 @@
       </p:sp>
       <p:sp>
         <p:nvSpPr>
-          <p:cNvPr id="3" name="Content Placeholder 2"/>
+          <p:cNvPr id="18434" name="Content Placeholder 2"/>
           <p:cNvSpPr>
             <a:spLocks noGrp="1"/>
           </p:cNvSpPr>
@@ -4713,41 +4801,18 @@
         </p:nvSpPr>
         <p:spPr/>
         <p:txBody>
-          <a:bodyPr>
-            <a:normAutofit/>
-          </a:bodyPr>
+          <a:bodyPr/>
           <a:lstStyle/>
           <a:p>
-            <a:pPr>
-              <a:lnSpc>
-                <a:spcPct val="90000"/>
-              </a:lnSpc>
-            </a:pPr>
             <a:r>
               <a:rPr lang="en-NZ" smtClean="0"/>
-              <a:t>Is threaded. It has at least two threads running at all times.</a:t>
-            </a:r>
-          </a:p>
-          <a:p>
-            <a:pPr>
-              <a:lnSpc>
-                <a:spcPct val="90000"/>
-              </a:lnSpc>
-            </a:pPr>
+              <a:t>When a incoming connection is received it challenges with client with a code as a means to provide some small amount of security</a:t>
+            </a:r>
+          </a:p>
+          <a:p>
             <a:r>
               <a:rPr lang="en-NZ" smtClean="0"/>
-              <a:t>The main thread is the control part of the server.</a:t>
-            </a:r>
-          </a:p>
-          <a:p>
-            <a:pPr>
-              <a:lnSpc>
-                <a:spcPct val="90000"/>
-              </a:lnSpc>
-            </a:pPr>
-            <a:r>
-              <a:rPr lang="en-NZ" smtClean="0"/>
-              <a:t>The other thread is the listener part, which sits in a loop accepting new connections</a:t>
+              <a:t>The client must provide the correct response code otherwise the server will simply close the connection</a:t>
             </a:r>
           </a:p>
         </p:txBody>
@@ -4786,7 +4851,7 @@
       </p:grpSpPr>
       <p:sp>
         <p:nvSpPr>
-          <p:cNvPr id="27650" name="Rectangle 2"/>
+          <p:cNvPr id="19457" name="Title 1"/>
           <p:cNvSpPr>
             <a:spLocks noGrp="1"/>
           </p:cNvSpPr>
@@ -4800,7 +4865,7 @@
           <a:lstStyle/>
           <a:p>
             <a:r>
-              <a:rPr lang="en-US" smtClean="0"/>
+              <a:rPr lang="en-NZ" smtClean="0"/>
               <a:t>The Backend Server</a:t>
             </a:r>
           </a:p>
@@ -4808,17 +4873,19 @@
       </p:sp>
       <p:sp>
         <p:nvSpPr>
-          <p:cNvPr id="27651" name="Rectangle 3"/>
-          <p:cNvSpPr>
-            <a:spLocks noGrp="1"/>
-          </p:cNvSpPr>
-          <p:nvPr>
-            <p:ph type="body" idx="1"/>
-          </p:nvPr>
-        </p:nvSpPr>
-        <p:spPr/>
-        <p:txBody>
-          <a:bodyPr/>
+          <p:cNvPr id="3" name="Content Placeholder 2"/>
+          <p:cNvSpPr>
+            <a:spLocks noGrp="1"/>
+          </p:cNvSpPr>
+          <p:nvPr>
+            <p:ph idx="1"/>
+          </p:nvPr>
+        </p:nvSpPr>
+        <p:spPr/>
+        <p:txBody>
+          <a:bodyPr>
+            <a:normAutofit/>
+          </a:bodyPr>
           <a:lstStyle/>
           <a:p>
             <a:pPr>
@@ -4828,7 +4895,7 @@
             </a:pPr>
             <a:r>
               <a:rPr lang="en-NZ" smtClean="0"/>
-              <a:t>When a new connection is received it spawns another thread.</a:t>
+              <a:t>Is threaded. It has at least two threads running at all times.</a:t>
             </a:r>
           </a:p>
           <a:p>
@@ -4839,11 +4906,19 @@
             </a:pPr>
             <a:r>
               <a:rPr lang="en-NZ" smtClean="0"/>
-              <a:t>These threads do not need to communicate with each other</a:t>
-            </a:r>
-          </a:p>
-          <a:p>
-            <a:endParaRPr lang="en-US" smtClean="0"/>
+              <a:t>The main thread is the control part of the server.</a:t>
+            </a:r>
+          </a:p>
+          <a:p>
+            <a:pPr>
+              <a:lnSpc>
+                <a:spcPct val="90000"/>
+              </a:lnSpc>
+            </a:pPr>
+            <a:r>
+              <a:rPr lang="en-NZ" smtClean="0"/>
+              <a:t>The other thread is the listener part, which sits in a loop accepting new connections</a:t>
+            </a:r>
           </a:p>
         </p:txBody>
       </p:sp>
@@ -4852,6 +4927,13 @@
   <p:clrMapOvr>
     <a:masterClrMapping/>
   </p:clrMapOvr>
+  <p:timing>
+    <p:tnLst>
+      <p:par>
+        <p:cTn id="1" dur="indefinite" restart="never" nodeType="tmRoot"/>
+      </p:par>
+    </p:tnLst>
+  </p:timing>
 </p:sld>
 </file>
 

--- a/Mobile Musical Moments.pptx
+++ b/Mobile Musical Moments.pptx
@@ -4,6 +4,9 @@
   <p:sldMasterIdLst>
     <p:sldMasterId id="2147483648" r:id="rId1"/>
   </p:sldMasterIdLst>
+  <p:notesMasterIdLst>
+    <p:notesMasterId r:id="rId17"/>
+  </p:notesMasterIdLst>
   <p:sldIdLst>
     <p:sldId id="256" r:id="rId2"/>
     <p:sldId id="266" r:id="rId3"/>
@@ -11,14 +14,15 @@
     <p:sldId id="264" r:id="rId5"/>
     <p:sldId id="259" r:id="rId6"/>
     <p:sldId id="269" r:id="rId7"/>
-    <p:sldId id="258" r:id="rId8"/>
-    <p:sldId id="260" r:id="rId9"/>
-    <p:sldId id="261" r:id="rId10"/>
-    <p:sldId id="268" r:id="rId11"/>
-    <p:sldId id="262" r:id="rId12"/>
-    <p:sldId id="267" r:id="rId13"/>
-    <p:sldId id="263" r:id="rId14"/>
-    <p:sldId id="265" r:id="rId15"/>
+    <p:sldId id="270" r:id="rId8"/>
+    <p:sldId id="271" r:id="rId9"/>
+    <p:sldId id="272" r:id="rId10"/>
+    <p:sldId id="273" r:id="rId11"/>
+    <p:sldId id="274" r:id="rId12"/>
+    <p:sldId id="275" r:id="rId13"/>
+    <p:sldId id="276" r:id="rId14"/>
+    <p:sldId id="277" r:id="rId15"/>
+    <p:sldId id="278" r:id="rId16"/>
   </p:sldIdLst>
   <p:sldSz cx="9144000" cy="6858000" type="screen4x3"/>
   <p:notesSz cx="6858000" cy="9144000"/>
@@ -150,6 +154,644 @@
 </p:presentation>
 </file>
 
+<file path=ppt/notesMasters/notesMaster1.xml><?xml version="1.0" encoding="utf-8"?>
+<p:notesMaster xmlns:a="http://schemas.openxmlformats.org/drawingml/2006/main" xmlns:r="http://schemas.openxmlformats.org/officeDocument/2006/relationships" xmlns:p="http://schemas.openxmlformats.org/presentationml/2006/main">
+  <p:cSld>
+    <p:bg>
+      <p:bgRef idx="1001">
+        <a:schemeClr val="bg1"/>
+      </p:bgRef>
+    </p:bg>
+    <p:spTree>
+      <p:nvGrpSpPr>
+        <p:cNvPr id="1" name=""/>
+        <p:cNvGrpSpPr/>
+        <p:nvPr/>
+      </p:nvGrpSpPr>
+      <p:grpSpPr>
+        <a:xfrm>
+          <a:off x="0" y="0"/>
+          <a:ext cx="0" cy="0"/>
+          <a:chOff x="0" y="0"/>
+          <a:chExt cx="0" cy="0"/>
+        </a:xfrm>
+      </p:grpSpPr>
+      <p:sp>
+        <p:nvSpPr>
+          <p:cNvPr id="2" name="Header Placeholder 1"/>
+          <p:cNvSpPr>
+            <a:spLocks noGrp="1"/>
+          </p:cNvSpPr>
+          <p:nvPr>
+            <p:ph type="hdr" sz="quarter"/>
+          </p:nvPr>
+        </p:nvSpPr>
+        <p:spPr>
+          <a:xfrm>
+            <a:off x="0" y="0"/>
+            <a:ext cx="2971800" cy="457200"/>
+          </a:xfrm>
+          <a:prstGeom prst="rect">
+            <a:avLst/>
+          </a:prstGeom>
+        </p:spPr>
+        <p:txBody>
+          <a:bodyPr vert="horz" lIns="91440" tIns="45720" rIns="91440" bIns="45720" rtlCol="0"/>
+          <a:lstStyle>
+            <a:lvl1pPr algn="l">
+              <a:defRPr sz="1200"/>
+            </a:lvl1pPr>
+          </a:lstStyle>
+          <a:p>
+            <a:endParaRPr lang="en-NZ"/>
+          </a:p>
+        </p:txBody>
+      </p:sp>
+      <p:sp>
+        <p:nvSpPr>
+          <p:cNvPr id="3" name="Date Placeholder 2"/>
+          <p:cNvSpPr>
+            <a:spLocks noGrp="1"/>
+          </p:cNvSpPr>
+          <p:nvPr>
+            <p:ph type="dt" idx="1"/>
+          </p:nvPr>
+        </p:nvSpPr>
+        <p:spPr>
+          <a:xfrm>
+            <a:off x="3884613" y="0"/>
+            <a:ext cx="2971800" cy="457200"/>
+          </a:xfrm>
+          <a:prstGeom prst="rect">
+            <a:avLst/>
+          </a:prstGeom>
+        </p:spPr>
+        <p:txBody>
+          <a:bodyPr vert="horz" lIns="91440" tIns="45720" rIns="91440" bIns="45720" rtlCol="0"/>
+          <a:lstStyle>
+            <a:lvl1pPr algn="r">
+              <a:defRPr sz="1200"/>
+            </a:lvl1pPr>
+          </a:lstStyle>
+          <a:p>
+            <a:fld id="{C09D455E-8651-4972-B2D8-298C8DCAC96F}" type="datetimeFigureOut">
+              <a:rPr lang="en-US" smtClean="0"/>
+              <a:t>10/22/2008</a:t>
+            </a:fld>
+            <a:endParaRPr lang="en-NZ"/>
+          </a:p>
+        </p:txBody>
+      </p:sp>
+      <p:sp>
+        <p:nvSpPr>
+          <p:cNvPr id="4" name="Slide Image Placeholder 3"/>
+          <p:cNvSpPr>
+            <a:spLocks noGrp="1" noRot="1" noChangeAspect="1"/>
+          </p:cNvSpPr>
+          <p:nvPr>
+            <p:ph type="sldImg" idx="2"/>
+          </p:nvPr>
+        </p:nvSpPr>
+        <p:spPr>
+          <a:xfrm>
+            <a:off x="1143000" y="685800"/>
+            <a:ext cx="4572000" cy="3429000"/>
+          </a:xfrm>
+          <a:prstGeom prst="rect">
+            <a:avLst/>
+          </a:prstGeom>
+          <a:noFill/>
+          <a:ln w="12700">
+            <a:solidFill>
+              <a:prstClr val="black"/>
+            </a:solidFill>
+          </a:ln>
+        </p:spPr>
+        <p:txBody>
+          <a:bodyPr vert="horz" lIns="91440" tIns="45720" rIns="91440" bIns="45720" rtlCol="0" anchor="ctr"/>
+          <a:lstStyle/>
+          <a:p>
+            <a:endParaRPr lang="en-NZ"/>
+          </a:p>
+        </p:txBody>
+      </p:sp>
+      <p:sp>
+        <p:nvSpPr>
+          <p:cNvPr id="5" name="Notes Placeholder 4"/>
+          <p:cNvSpPr>
+            <a:spLocks noGrp="1"/>
+          </p:cNvSpPr>
+          <p:nvPr>
+            <p:ph type="body" sz="quarter" idx="3"/>
+          </p:nvPr>
+        </p:nvSpPr>
+        <p:spPr>
+          <a:xfrm>
+            <a:off x="685800" y="4343400"/>
+            <a:ext cx="5486400" cy="4114800"/>
+          </a:xfrm>
+          <a:prstGeom prst="rect">
+            <a:avLst/>
+          </a:prstGeom>
+        </p:spPr>
+        <p:txBody>
+          <a:bodyPr vert="horz" lIns="91440" tIns="45720" rIns="91440" bIns="45720" rtlCol="0">
+            <a:normAutofit/>
+          </a:bodyPr>
+          <a:lstStyle/>
+          <a:p>
+            <a:pPr lvl="0"/>
+            <a:r>
+              <a:rPr lang="en-US" smtClean="0"/>
+              <a:t>Click to edit Master text styles</a:t>
+            </a:r>
+          </a:p>
+          <a:p>
+            <a:pPr lvl="1"/>
+            <a:r>
+              <a:rPr lang="en-US" smtClean="0"/>
+              <a:t>Second level</a:t>
+            </a:r>
+          </a:p>
+          <a:p>
+            <a:pPr lvl="2"/>
+            <a:r>
+              <a:rPr lang="en-US" smtClean="0"/>
+              <a:t>Third level</a:t>
+            </a:r>
+          </a:p>
+          <a:p>
+            <a:pPr lvl="3"/>
+            <a:r>
+              <a:rPr lang="en-US" smtClean="0"/>
+              <a:t>Fourth level</a:t>
+            </a:r>
+          </a:p>
+          <a:p>
+            <a:pPr lvl="4"/>
+            <a:r>
+              <a:rPr lang="en-US" smtClean="0"/>
+              <a:t>Fifth level</a:t>
+            </a:r>
+            <a:endParaRPr lang="en-NZ"/>
+          </a:p>
+        </p:txBody>
+      </p:sp>
+      <p:sp>
+        <p:nvSpPr>
+          <p:cNvPr id="6" name="Footer Placeholder 5"/>
+          <p:cNvSpPr>
+            <a:spLocks noGrp="1"/>
+          </p:cNvSpPr>
+          <p:nvPr>
+            <p:ph type="ftr" sz="quarter" idx="4"/>
+          </p:nvPr>
+        </p:nvSpPr>
+        <p:spPr>
+          <a:xfrm>
+            <a:off x="0" y="8685213"/>
+            <a:ext cx="2971800" cy="457200"/>
+          </a:xfrm>
+          <a:prstGeom prst="rect">
+            <a:avLst/>
+          </a:prstGeom>
+        </p:spPr>
+        <p:txBody>
+          <a:bodyPr vert="horz" lIns="91440" tIns="45720" rIns="91440" bIns="45720" rtlCol="0" anchor="b"/>
+          <a:lstStyle>
+            <a:lvl1pPr algn="l">
+              <a:defRPr sz="1200"/>
+            </a:lvl1pPr>
+          </a:lstStyle>
+          <a:p>
+            <a:endParaRPr lang="en-NZ"/>
+          </a:p>
+        </p:txBody>
+      </p:sp>
+      <p:sp>
+        <p:nvSpPr>
+          <p:cNvPr id="7" name="Slide Number Placeholder 6"/>
+          <p:cNvSpPr>
+            <a:spLocks noGrp="1"/>
+          </p:cNvSpPr>
+          <p:nvPr>
+            <p:ph type="sldNum" sz="quarter" idx="5"/>
+          </p:nvPr>
+        </p:nvSpPr>
+        <p:spPr>
+          <a:xfrm>
+            <a:off x="3884613" y="8685213"/>
+            <a:ext cx="2971800" cy="457200"/>
+          </a:xfrm>
+          <a:prstGeom prst="rect">
+            <a:avLst/>
+          </a:prstGeom>
+        </p:spPr>
+        <p:txBody>
+          <a:bodyPr vert="horz" lIns="91440" tIns="45720" rIns="91440" bIns="45720" rtlCol="0" anchor="b"/>
+          <a:lstStyle>
+            <a:lvl1pPr algn="r">
+              <a:defRPr sz="1200"/>
+            </a:lvl1pPr>
+          </a:lstStyle>
+          <a:p>
+            <a:fld id="{36115F50-61B2-4D8F-BC7C-EA77119E005B}" type="slidenum">
+              <a:rPr lang="en-NZ" smtClean="0"/>
+              <a:t>‹#›</a:t>
+            </a:fld>
+            <a:endParaRPr lang="en-NZ"/>
+          </a:p>
+        </p:txBody>
+      </p:sp>
+    </p:spTree>
+  </p:cSld>
+  <p:clrMap bg1="lt1" tx1="dk1" bg2="lt2" tx2="dk2" accent1="accent1" accent2="accent2" accent3="accent3" accent4="accent4" accent5="accent5" accent6="accent6" hlink="hlink" folHlink="folHlink"/>
+  <p:notesStyle>
+    <a:lvl1pPr marL="0" algn="l" defTabSz="914400" rtl="0" eaLnBrk="1" latinLnBrk="0" hangingPunct="1">
+      <a:defRPr sz="1200" kern="1200">
+        <a:solidFill>
+          <a:schemeClr val="tx1"/>
+        </a:solidFill>
+        <a:latin typeface="+mn-lt"/>
+        <a:ea typeface="+mn-ea"/>
+        <a:cs typeface="+mn-cs"/>
+      </a:defRPr>
+    </a:lvl1pPr>
+    <a:lvl2pPr marL="457200" algn="l" defTabSz="914400" rtl="0" eaLnBrk="1" latinLnBrk="0" hangingPunct="1">
+      <a:defRPr sz="1200" kern="1200">
+        <a:solidFill>
+          <a:schemeClr val="tx1"/>
+        </a:solidFill>
+        <a:latin typeface="+mn-lt"/>
+        <a:ea typeface="+mn-ea"/>
+        <a:cs typeface="+mn-cs"/>
+      </a:defRPr>
+    </a:lvl2pPr>
+    <a:lvl3pPr marL="914400" algn="l" defTabSz="914400" rtl="0" eaLnBrk="1" latinLnBrk="0" hangingPunct="1">
+      <a:defRPr sz="1200" kern="1200">
+        <a:solidFill>
+          <a:schemeClr val="tx1"/>
+        </a:solidFill>
+        <a:latin typeface="+mn-lt"/>
+        <a:ea typeface="+mn-ea"/>
+        <a:cs typeface="+mn-cs"/>
+      </a:defRPr>
+    </a:lvl3pPr>
+    <a:lvl4pPr marL="1371600" algn="l" defTabSz="914400" rtl="0" eaLnBrk="1" latinLnBrk="0" hangingPunct="1">
+      <a:defRPr sz="1200" kern="1200">
+        <a:solidFill>
+          <a:schemeClr val="tx1"/>
+        </a:solidFill>
+        <a:latin typeface="+mn-lt"/>
+        <a:ea typeface="+mn-ea"/>
+        <a:cs typeface="+mn-cs"/>
+      </a:defRPr>
+    </a:lvl4pPr>
+    <a:lvl5pPr marL="1828800" algn="l" defTabSz="914400" rtl="0" eaLnBrk="1" latinLnBrk="0" hangingPunct="1">
+      <a:defRPr sz="1200" kern="1200">
+        <a:solidFill>
+          <a:schemeClr val="tx1"/>
+        </a:solidFill>
+        <a:latin typeface="+mn-lt"/>
+        <a:ea typeface="+mn-ea"/>
+        <a:cs typeface="+mn-cs"/>
+      </a:defRPr>
+    </a:lvl5pPr>
+    <a:lvl6pPr marL="2286000" algn="l" defTabSz="914400" rtl="0" eaLnBrk="1" latinLnBrk="0" hangingPunct="1">
+      <a:defRPr sz="1200" kern="1200">
+        <a:solidFill>
+          <a:schemeClr val="tx1"/>
+        </a:solidFill>
+        <a:latin typeface="+mn-lt"/>
+        <a:ea typeface="+mn-ea"/>
+        <a:cs typeface="+mn-cs"/>
+      </a:defRPr>
+    </a:lvl6pPr>
+    <a:lvl7pPr marL="2743200" algn="l" defTabSz="914400" rtl="0" eaLnBrk="1" latinLnBrk="0" hangingPunct="1">
+      <a:defRPr sz="1200" kern="1200">
+        <a:solidFill>
+          <a:schemeClr val="tx1"/>
+        </a:solidFill>
+        <a:latin typeface="+mn-lt"/>
+        <a:ea typeface="+mn-ea"/>
+        <a:cs typeface="+mn-cs"/>
+      </a:defRPr>
+    </a:lvl7pPr>
+    <a:lvl8pPr marL="3200400" algn="l" defTabSz="914400" rtl="0" eaLnBrk="1" latinLnBrk="0" hangingPunct="1">
+      <a:defRPr sz="1200" kern="1200">
+        <a:solidFill>
+          <a:schemeClr val="tx1"/>
+        </a:solidFill>
+        <a:latin typeface="+mn-lt"/>
+        <a:ea typeface="+mn-ea"/>
+        <a:cs typeface="+mn-cs"/>
+      </a:defRPr>
+    </a:lvl8pPr>
+    <a:lvl9pPr marL="3657600" algn="l" defTabSz="914400" rtl="0" eaLnBrk="1" latinLnBrk="0" hangingPunct="1">
+      <a:defRPr sz="1200" kern="1200">
+        <a:solidFill>
+          <a:schemeClr val="tx1"/>
+        </a:solidFill>
+        <a:latin typeface="+mn-lt"/>
+        <a:ea typeface="+mn-ea"/>
+        <a:cs typeface="+mn-cs"/>
+      </a:defRPr>
+    </a:lvl9pPr>
+  </p:notesStyle>
+</p:notesMaster>
+</file>
+
+<file path=ppt/notesSlides/notesSlide1.xml><?xml version="1.0" encoding="utf-8"?>
+<p:notes xmlns:a="http://schemas.openxmlformats.org/drawingml/2006/main" xmlns:r="http://schemas.openxmlformats.org/officeDocument/2006/relationships" xmlns:p="http://schemas.openxmlformats.org/presentationml/2006/main">
+  <p:cSld>
+    <p:bg>
+      <p:bgPr>
+        <a:solidFill>
+          <a:srgbClr val="FFFFFF"/>
+        </a:solidFill>
+        <a:effectLst/>
+      </p:bgPr>
+    </p:bg>
+    <p:spTree>
+      <p:nvGrpSpPr>
+        <p:cNvPr id="1" name=""/>
+        <p:cNvGrpSpPr/>
+        <p:nvPr/>
+      </p:nvGrpSpPr>
+      <p:grpSpPr>
+        <a:xfrm>
+          <a:off x="0" y="0"/>
+          <a:ext cx="0" cy="0"/>
+          <a:chOff x="0" y="0"/>
+          <a:chExt cx="0" cy="0"/>
+        </a:xfrm>
+      </p:grpSpPr>
+      <p:sp>
+        <p:nvSpPr>
+          <p:cNvPr id="23553" name="Rectangle 1"/>
+          <p:cNvSpPr txBox="1">
+            <a:spLocks noChangeArrowheads="1"/>
+          </p:cNvSpPr>
+          <p:nvPr>
+            <p:ph type="sldImg"/>
+          </p:nvPr>
+        </p:nvSpPr>
+        <p:spPr bwMode="auto">
+          <a:xfrm>
+            <a:off x="1143000" y="695325"/>
+            <a:ext cx="4572000" cy="3429000"/>
+          </a:xfrm>
+          <a:prstGeom prst="rect">
+            <a:avLst/>
+          </a:prstGeom>
+          <a:solidFill>
+            <a:srgbClr val="FFFFFF"/>
+          </a:solidFill>
+          <a:ln>
+            <a:solidFill>
+              <a:srgbClr val="000000"/>
+            </a:solidFill>
+            <a:miter lim="800000"/>
+            <a:headEnd/>
+            <a:tailEnd/>
+          </a:ln>
+        </p:spPr>
+      </p:sp>
+      <p:sp>
+        <p:nvSpPr>
+          <p:cNvPr id="23554" name="Rectangle 2"/>
+          <p:cNvSpPr txBox="1">
+            <a:spLocks noChangeArrowheads="1"/>
+          </p:cNvSpPr>
+          <p:nvPr>
+            <p:ph type="body" idx="1"/>
+          </p:nvPr>
+        </p:nvSpPr>
+        <p:spPr bwMode="auto">
+          <a:xfrm>
+            <a:off x="685800" y="4343400"/>
+            <a:ext cx="5486400" cy="4114800"/>
+          </a:xfrm>
+          <a:prstGeom prst="rect">
+            <a:avLst/>
+          </a:prstGeom>
+          <a:noFill/>
+          <a:ln>
+            <a:round/>
+            <a:headEnd/>
+            <a:tailEnd/>
+          </a:ln>
+        </p:spPr>
+        <p:txBody>
+          <a:bodyPr wrap="none" anchor="ctr"/>
+          <a:lstStyle/>
+          <a:p>
+            <a:endParaRPr lang="en-US"/>
+          </a:p>
+        </p:txBody>
+      </p:sp>
+    </p:spTree>
+  </p:cSld>
+  <p:clrMapOvr>
+    <a:masterClrMapping/>
+  </p:clrMapOvr>
+</p:notes>
+</file>
+
+<file path=ppt/notesSlides/notesSlide2.xml><?xml version="1.0" encoding="utf-8"?>
+<p:notes xmlns:a="http://schemas.openxmlformats.org/drawingml/2006/main" xmlns:r="http://schemas.openxmlformats.org/officeDocument/2006/relationships" xmlns:p="http://schemas.openxmlformats.org/presentationml/2006/main">
+  <p:cSld>
+    <p:bg>
+      <p:bgPr>
+        <a:solidFill>
+          <a:srgbClr val="FFFFFF"/>
+        </a:solidFill>
+        <a:effectLst/>
+      </p:bgPr>
+    </p:bg>
+    <p:spTree>
+      <p:nvGrpSpPr>
+        <p:cNvPr id="1" name=""/>
+        <p:cNvGrpSpPr/>
+        <p:nvPr/>
+      </p:nvGrpSpPr>
+      <p:grpSpPr>
+        <a:xfrm>
+          <a:off x="0" y="0"/>
+          <a:ext cx="0" cy="0"/>
+          <a:chOff x="0" y="0"/>
+          <a:chExt cx="0" cy="0"/>
+        </a:xfrm>
+      </p:grpSpPr>
+      <p:sp>
+        <p:nvSpPr>
+          <p:cNvPr id="24577" name="Rectangle 1"/>
+          <p:cNvSpPr txBox="1">
+            <a:spLocks noChangeArrowheads="1"/>
+          </p:cNvSpPr>
+          <p:nvPr>
+            <p:ph type="sldImg"/>
+          </p:nvPr>
+        </p:nvSpPr>
+        <p:spPr bwMode="auto">
+          <a:xfrm>
+            <a:off x="1588" y="0"/>
+            <a:ext cx="1587" cy="1588"/>
+          </a:xfrm>
+          <a:prstGeom prst="rect">
+            <a:avLst/>
+          </a:prstGeom>
+          <a:solidFill>
+            <a:srgbClr val="FFFFFF"/>
+          </a:solidFill>
+          <a:ln>
+            <a:solidFill>
+              <a:srgbClr val="000000"/>
+            </a:solidFill>
+            <a:miter lim="800000"/>
+            <a:headEnd/>
+            <a:tailEnd/>
+          </a:ln>
+        </p:spPr>
+      </p:sp>
+      <p:sp>
+        <p:nvSpPr>
+          <p:cNvPr id="24578" name="Rectangle 2"/>
+          <p:cNvSpPr txBox="1">
+            <a:spLocks noChangeArrowheads="1"/>
+          </p:cNvSpPr>
+          <p:nvPr>
+            <p:ph type="body" idx="1"/>
+          </p:nvPr>
+        </p:nvSpPr>
+        <p:spPr bwMode="auto">
+          <a:xfrm>
+            <a:off x="685800" y="4343400"/>
+            <a:ext cx="5486400" cy="4024313"/>
+          </a:xfrm>
+          <a:prstGeom prst="rect">
+            <a:avLst/>
+          </a:prstGeom>
+          <a:noFill/>
+          <a:ln>
+            <a:round/>
+            <a:headEnd/>
+            <a:tailEnd/>
+          </a:ln>
+        </p:spPr>
+        <p:txBody>
+          <a:bodyPr wrap="none" anchor="ctr"/>
+          <a:lstStyle/>
+          <a:p>
+            <a:endParaRPr lang="en-US"/>
+          </a:p>
+        </p:txBody>
+      </p:sp>
+    </p:spTree>
+  </p:cSld>
+  <p:clrMapOvr>
+    <a:masterClrMapping/>
+  </p:clrMapOvr>
+</p:notes>
+</file>
+
+<file path=ppt/notesSlides/notesSlide3.xml><?xml version="1.0" encoding="utf-8"?>
+<p:notes xmlns:a="http://schemas.openxmlformats.org/drawingml/2006/main" xmlns:r="http://schemas.openxmlformats.org/officeDocument/2006/relationships" xmlns:p="http://schemas.openxmlformats.org/presentationml/2006/main">
+  <p:cSld>
+    <p:bg>
+      <p:bgPr>
+        <a:solidFill>
+          <a:srgbClr val="FFFFFF"/>
+        </a:solidFill>
+        <a:effectLst/>
+      </p:bgPr>
+    </p:bg>
+    <p:spTree>
+      <p:nvGrpSpPr>
+        <p:cNvPr id="1" name=""/>
+        <p:cNvGrpSpPr/>
+        <p:nvPr/>
+      </p:nvGrpSpPr>
+      <p:grpSpPr>
+        <a:xfrm>
+          <a:off x="0" y="0"/>
+          <a:ext cx="0" cy="0"/>
+          <a:chOff x="0" y="0"/>
+          <a:chExt cx="0" cy="0"/>
+        </a:xfrm>
+      </p:grpSpPr>
+      <p:sp>
+        <p:nvSpPr>
+          <p:cNvPr id="20481" name="Rectangle 1"/>
+          <p:cNvSpPr txBox="1">
+            <a:spLocks noChangeArrowheads="1"/>
+          </p:cNvSpPr>
+          <p:nvPr>
+            <p:ph type="sldImg"/>
+          </p:nvPr>
+        </p:nvSpPr>
+        <p:spPr bwMode="auto">
+          <a:xfrm>
+            <a:off x="1143000" y="695325"/>
+            <a:ext cx="4572000" cy="3429000"/>
+          </a:xfrm>
+          <a:prstGeom prst="rect">
+            <a:avLst/>
+          </a:prstGeom>
+          <a:solidFill>
+            <a:srgbClr val="FFFFFF"/>
+          </a:solidFill>
+          <a:ln>
+            <a:solidFill>
+              <a:srgbClr val="000000"/>
+            </a:solidFill>
+            <a:miter lim="800000"/>
+            <a:headEnd/>
+            <a:tailEnd/>
+          </a:ln>
+        </p:spPr>
+      </p:sp>
+      <p:sp>
+        <p:nvSpPr>
+          <p:cNvPr id="20482" name="Rectangle 2"/>
+          <p:cNvSpPr txBox="1">
+            <a:spLocks noChangeArrowheads="1"/>
+          </p:cNvSpPr>
+          <p:nvPr>
+            <p:ph type="body" idx="1"/>
+          </p:nvPr>
+        </p:nvSpPr>
+        <p:spPr bwMode="auto">
+          <a:xfrm>
+            <a:off x="685800" y="4343400"/>
+            <a:ext cx="5486400" cy="4114800"/>
+          </a:xfrm>
+          <a:prstGeom prst="rect">
+            <a:avLst/>
+          </a:prstGeom>
+          <a:noFill/>
+          <a:ln>
+            <a:round/>
+            <a:headEnd/>
+            <a:tailEnd/>
+          </a:ln>
+        </p:spPr>
+        <p:txBody>
+          <a:bodyPr wrap="none" anchor="ctr"/>
+          <a:lstStyle/>
+          <a:p>
+            <a:endParaRPr lang="en-US"/>
+          </a:p>
+        </p:txBody>
+      </p:sp>
+    </p:spTree>
+  </p:cSld>
+  <p:clrMapOvr>
+    <a:masterClrMapping/>
+  </p:clrMapOvr>
+</p:notes>
+</file>
+
 <file path=ppt/slideLayouts/slideLayout1.xml><?xml version="1.0" encoding="utf-8"?>
 <p:sldLayout xmlns:a="http://schemas.openxmlformats.org/drawingml/2006/main" xmlns:r="http://schemas.openxmlformats.org/officeDocument/2006/relationships" xmlns:p="http://schemas.openxmlformats.org/presentationml/2006/main" type="title" preserve="1">
   <p:cSld name="Title Slide">
@@ -341,7 +983,7 @@
               <a:pPr>
                 <a:defRPr/>
               </a:pPr>
-              <a:t>10/19/2008</a:t>
+              <a:t>10/22/2008</a:t>
             </a:fld>
             <a:endParaRPr lang="en-NZ"/>
           </a:p>
@@ -533,7 +1175,7 @@
               <a:pPr>
                 <a:defRPr/>
               </a:pPr>
-              <a:t>10/19/2008</a:t>
+              <a:t>10/22/2008</a:t>
             </a:fld>
             <a:endParaRPr lang="en-NZ"/>
           </a:p>
@@ -735,7 +1377,7 @@
               <a:pPr>
                 <a:defRPr/>
               </a:pPr>
-              <a:t>10/19/2008</a:t>
+              <a:t>10/22/2008</a:t>
             </a:fld>
             <a:endParaRPr lang="en-NZ"/>
           </a:p>
@@ -927,7 +1569,7 @@
               <a:pPr>
                 <a:defRPr/>
               </a:pPr>
-              <a:t>10/19/2008</a:t>
+              <a:t>10/22/2008</a:t>
             </a:fld>
             <a:endParaRPr lang="en-NZ"/>
           </a:p>
@@ -1195,7 +1837,7 @@
               <a:pPr>
                 <a:defRPr/>
               </a:pPr>
-              <a:t>10/19/2008</a:t>
+              <a:t>10/22/2008</a:t>
             </a:fld>
             <a:endParaRPr lang="en-NZ"/>
           </a:p>
@@ -1505,7 +2147,7 @@
               <a:pPr>
                 <a:defRPr/>
               </a:pPr>
-              <a:t>10/19/2008</a:t>
+              <a:t>10/22/2008</a:t>
             </a:fld>
             <a:endParaRPr lang="en-NZ"/>
           </a:p>
@@ -1949,7 +2591,7 @@
               <a:pPr>
                 <a:defRPr/>
               </a:pPr>
-              <a:t>10/19/2008</a:t>
+              <a:t>10/22/2008</a:t>
             </a:fld>
             <a:endParaRPr lang="en-NZ"/>
           </a:p>
@@ -2089,7 +2731,7 @@
               <a:pPr>
                 <a:defRPr/>
               </a:pPr>
-              <a:t>10/19/2008</a:t>
+              <a:t>10/22/2008</a:t>
             </a:fld>
             <a:endParaRPr lang="en-NZ"/>
           </a:p>
@@ -2206,7 +2848,7 @@
               <a:pPr>
                 <a:defRPr/>
               </a:pPr>
-              <a:t>10/19/2008</a:t>
+              <a:t>10/22/2008</a:t>
             </a:fld>
             <a:endParaRPr lang="en-NZ"/>
           </a:p>
@@ -2505,7 +3147,7 @@
               <a:pPr>
                 <a:defRPr/>
               </a:pPr>
-              <a:t>10/19/2008</a:t>
+              <a:t>10/22/2008</a:t>
             </a:fld>
             <a:endParaRPr lang="en-NZ"/>
           </a:p>
@@ -2783,7 +3425,7 @@
               <a:pPr>
                 <a:defRPr/>
               </a:pPr>
-              <a:t>10/19/2008</a:t>
+              <a:t>10/22/2008</a:t>
             </a:fld>
             <a:endParaRPr lang="en-NZ"/>
           </a:p>
@@ -3072,7 +3714,7 @@
               <a:pPr>
                 <a:defRPr/>
               </a:pPr>
-              <a:t>10/19/2008</a:t>
+              <a:t>10/22/2008</a:t>
             </a:fld>
             <a:endParaRPr lang="en-NZ"/>
           </a:p>
@@ -3639,7 +4281,7 @@
               </a:lnSpc>
             </a:pPr>
             <a:r>
-              <a:rPr lang="en-NZ" sz="2800" b="1" smtClean="0">
+              <a:rPr lang="en-NZ" sz="2800" b="1" dirty="0" smtClean="0">
                 <a:solidFill>
                   <a:srgbClr val="898989"/>
                 </a:solidFill>
@@ -3647,7 +4289,7 @@
               <a:t>Project Manager:</a:t>
             </a:r>
             <a:r>
-              <a:rPr lang="en-NZ" sz="2800" smtClean="0">
+              <a:rPr lang="en-NZ" sz="2800" dirty="0" smtClean="0">
                 <a:solidFill>
                   <a:srgbClr val="898989"/>
                 </a:solidFill>
@@ -3662,7 +4304,7 @@
               </a:lnSpc>
             </a:pPr>
             <a:r>
-              <a:rPr lang="en-NZ" sz="2800" b="1" smtClean="0">
+              <a:rPr lang="en-NZ" sz="2800" b="1" dirty="0" smtClean="0">
                 <a:solidFill>
                   <a:srgbClr val="898989"/>
                 </a:solidFill>
@@ -3670,12 +4312,44 @@
               <a:t>Development Team:</a:t>
             </a:r>
             <a:r>
-              <a:rPr lang="en-NZ" sz="2800" smtClean="0">
+              <a:rPr lang="en-NZ" sz="2800" dirty="0" smtClean="0">
                 <a:solidFill>
                   <a:srgbClr val="898989"/>
                 </a:solidFill>
               </a:rPr>
-              <a:t> Joshua Brungar, Quentin Griffiths, Stephen Nancekivell, Simon Wadsworth</a:t>
+              <a:t> Joshua </a:t>
+            </a:r>
+            <a:r>
+              <a:rPr lang="en-NZ" sz="2800" dirty="0" err="1" smtClean="0">
+                <a:solidFill>
+                  <a:srgbClr val="898989"/>
+                </a:solidFill>
+              </a:rPr>
+              <a:t>Brungar</a:t>
+            </a:r>
+            <a:r>
+              <a:rPr lang="en-NZ" sz="2800" dirty="0" smtClean="0">
+                <a:solidFill>
+                  <a:srgbClr val="898989"/>
+                </a:solidFill>
+              </a:rPr>
+              <a:t>, Quentin Griffiths, Stephen </a:t>
+            </a:r>
+            <a:r>
+              <a:rPr lang="en-NZ" sz="2800" dirty="0" err="1" smtClean="0">
+                <a:solidFill>
+                  <a:srgbClr val="898989"/>
+                </a:solidFill>
+              </a:rPr>
+              <a:t>Nancekivell</a:t>
+            </a:r>
+            <a:r>
+              <a:rPr lang="en-NZ" sz="2800" dirty="0" smtClean="0">
+                <a:solidFill>
+                  <a:srgbClr val="898989"/>
+                </a:solidFill>
+              </a:rPr>
+              <a:t>, Simon Wadsworth</a:t>
             </a:r>
           </a:p>
         </p:txBody>
@@ -3714,7 +4388,7 @@
       </p:grpSpPr>
       <p:sp>
         <p:nvSpPr>
-          <p:cNvPr id="27650" name="Rectangle 2"/>
+          <p:cNvPr id="18433" name="Title 1"/>
           <p:cNvSpPr>
             <a:spLocks noGrp="1"/>
           </p:cNvSpPr>
@@ -3728,7 +4402,7 @@
           <a:lstStyle/>
           <a:p>
             <a:r>
-              <a:rPr lang="en-US" smtClean="0"/>
+              <a:rPr lang="en-NZ" smtClean="0"/>
               <a:t>The Backend Server</a:t>
             </a:r>
           </a:p>
@@ -3736,12 +4410,12 @@
       </p:sp>
       <p:sp>
         <p:nvSpPr>
-          <p:cNvPr id="27651" name="Rectangle 3"/>
-          <p:cNvSpPr>
-            <a:spLocks noGrp="1"/>
-          </p:cNvSpPr>
-          <p:nvPr>
-            <p:ph type="body" idx="1"/>
+          <p:cNvPr id="18434" name="Content Placeholder 2"/>
+          <p:cNvSpPr>
+            <a:spLocks noGrp="1"/>
+          </p:cNvSpPr>
+          <p:nvPr>
+            <p:ph idx="1"/>
           </p:nvPr>
         </p:nvSpPr>
         <p:spPr/>
@@ -3749,29 +4423,16 @@
           <a:bodyPr/>
           <a:lstStyle/>
           <a:p>
-            <a:pPr>
-              <a:lnSpc>
-                <a:spcPct val="90000"/>
-              </a:lnSpc>
-            </a:pPr>
             <a:r>
               <a:rPr lang="en-NZ" smtClean="0"/>
-              <a:t>When a new connection is received it spawns another thread.</a:t>
-            </a:r>
-          </a:p>
-          <a:p>
-            <a:pPr>
-              <a:lnSpc>
-                <a:spcPct val="90000"/>
-              </a:lnSpc>
-            </a:pPr>
+              <a:t>When a incoming connection is received it challenges with client with a code as a means to provide some small amount of security</a:t>
+            </a:r>
+          </a:p>
+          <a:p>
             <a:r>
               <a:rPr lang="en-NZ" smtClean="0"/>
-              <a:t>These threads do not need to communicate with each other</a:t>
-            </a:r>
-          </a:p>
-          <a:p>
-            <a:endParaRPr lang="en-US" smtClean="0"/>
+              <a:t>The client must provide the correct response code otherwise the server will simply close the connection</a:t>
+            </a:r>
           </a:p>
         </p:txBody>
       </p:sp>
@@ -3780,6 +4441,13 @@
   <p:clrMapOvr>
     <a:masterClrMapping/>
   </p:clrMapOvr>
+  <p:timing>
+    <p:tnLst>
+      <p:par>
+        <p:cTn id="1" dur="indefinite" restart="never" nodeType="tmRoot"/>
+      </p:par>
+    </p:tnLst>
+  </p:timing>
 </p:sld>
 </file>
 
@@ -3802,74 +4470,148 @@
       </p:grpSpPr>
       <p:sp>
         <p:nvSpPr>
-          <p:cNvPr id="20481" name="Title 1"/>
-          <p:cNvSpPr>
-            <a:spLocks noGrp="1"/>
-          </p:cNvSpPr>
-          <p:nvPr>
-            <p:ph type="title"/>
-          </p:nvPr>
-        </p:nvSpPr>
-        <p:spPr/>
+          <p:cNvPr id="9217" name="Text Box 1"/>
+          <p:cNvSpPr txBox="1">
+            <a:spLocks noChangeArrowheads="1"/>
+          </p:cNvSpPr>
+          <p:nvPr/>
+        </p:nvSpPr>
+        <p:spPr bwMode="auto">
+          <a:xfrm>
+            <a:off x="2000250" y="274638"/>
+            <a:ext cx="6686550" cy="1368425"/>
+          </a:xfrm>
+          <a:prstGeom prst="rect">
+            <a:avLst/>
+          </a:prstGeom>
+          <a:noFill/>
+          <a:ln w="9525">
+            <a:noFill/>
+            <a:round/>
+            <a:headEnd/>
+            <a:tailEnd/>
+          </a:ln>
+          <a:effectLst/>
+        </p:spPr>
+        <p:txBody>
+          <a:bodyPr anchor="ctr"/>
+          <a:lstStyle/>
+          <a:p>
+            <a:pPr algn="ctr">
+              <a:tabLst>
+                <a:tab pos="0" algn="l"/>
+                <a:tab pos="914400" algn="l"/>
+                <a:tab pos="1828800" algn="l"/>
+                <a:tab pos="2743200" algn="l"/>
+                <a:tab pos="3657600" algn="l"/>
+                <a:tab pos="4572000" algn="l"/>
+                <a:tab pos="5486400" algn="l"/>
+                <a:tab pos="6400800" algn="l"/>
+                <a:tab pos="7315200" algn="l"/>
+                <a:tab pos="8229600" algn="l"/>
+                <a:tab pos="9144000" algn="l"/>
+                <a:tab pos="10058400" algn="l"/>
+              </a:tabLst>
+            </a:pPr>
+            <a:r>
+              <a:rPr lang="en-NZ" sz="4400" dirty="0">
+                <a:solidFill>
+                  <a:srgbClr val="000000"/>
+                </a:solidFill>
+                <a:ea typeface="DejaVu Sans" charset="0"/>
+                <a:cs typeface="DejaVu Sans" charset="0"/>
+              </a:rPr>
+              <a:t>The Backend </a:t>
+            </a:r>
+            <a:r>
+              <a:rPr lang="en-NZ" sz="4400" dirty="0" smtClean="0">
+                <a:solidFill>
+                  <a:srgbClr val="000000"/>
+                </a:solidFill>
+                <a:ea typeface="DejaVu Sans" charset="0"/>
+                <a:cs typeface="DejaVu Sans" charset="0"/>
+              </a:rPr>
+              <a:t>Server – Concurrency Problem</a:t>
+            </a:r>
+            <a:endParaRPr lang="en-NZ" sz="4400" dirty="0">
+              <a:solidFill>
+                <a:srgbClr val="000000"/>
+              </a:solidFill>
+              <a:ea typeface="DejaVu Sans" charset="0"/>
+              <a:cs typeface="DejaVu Sans" charset="0"/>
+            </a:endParaRPr>
+          </a:p>
+        </p:txBody>
+      </p:sp>
+      <p:sp>
+        <p:nvSpPr>
+          <p:cNvPr id="9218" name="Text Box 2"/>
+          <p:cNvSpPr txBox="1">
+            <a:spLocks noChangeArrowheads="1"/>
+          </p:cNvSpPr>
+          <p:nvPr/>
+        </p:nvSpPr>
+        <p:spPr bwMode="auto">
+          <a:xfrm>
+            <a:off x="457200" y="1857375"/>
+            <a:ext cx="8229600" cy="4679950"/>
+          </a:xfrm>
+          <a:prstGeom prst="rect">
+            <a:avLst/>
+          </a:prstGeom>
+          <a:noFill/>
+          <a:ln w="9525">
+            <a:noFill/>
+            <a:round/>
+            <a:headEnd/>
+            <a:tailEnd/>
+          </a:ln>
+          <a:effectLst/>
+        </p:spPr>
         <p:txBody>
           <a:bodyPr/>
           <a:lstStyle/>
           <a:p>
-            <a:r>
-              <a:rPr lang="en-NZ" smtClean="0"/>
-              <a:t>The Backend Server</a:t>
-            </a:r>
-          </a:p>
-        </p:txBody>
-      </p:sp>
-      <p:sp>
-        <p:nvSpPr>
-          <p:cNvPr id="3" name="Content Placeholder 2"/>
-          <p:cNvSpPr>
-            <a:spLocks noGrp="1"/>
-          </p:cNvSpPr>
-          <p:nvPr>
-            <p:ph idx="1"/>
-          </p:nvPr>
-        </p:nvSpPr>
-        <p:spPr/>
-        <p:txBody>
-          <a:bodyPr>
-            <a:normAutofit/>
-          </a:bodyPr>
-          <a:lstStyle/>
-          <a:p>
-            <a:pPr>
+            <a:pPr marL="341313" indent="-341313">
               <a:lnSpc>
                 <a:spcPct val="90000"/>
               </a:lnSpc>
+              <a:spcBef>
+                <a:spcPts val="800"/>
+              </a:spcBef>
+              <a:buFont typeface="Arial" charset="0"/>
+              <a:buChar char="•"/>
+              <a:tabLst>
+                <a:tab pos="911225" algn="l"/>
+                <a:tab pos="1825625" algn="l"/>
+                <a:tab pos="2740025" algn="l"/>
+                <a:tab pos="3654425" algn="l"/>
+                <a:tab pos="4568825" algn="l"/>
+                <a:tab pos="5483225" algn="l"/>
+                <a:tab pos="6397625" algn="l"/>
+                <a:tab pos="7312025" algn="l"/>
+                <a:tab pos="8226425" algn="l"/>
+                <a:tab pos="9140825" algn="l"/>
+                <a:tab pos="10055225" algn="l"/>
+              </a:tabLst>
             </a:pPr>
             <a:r>
-              <a:rPr lang="en-NZ" smtClean="0"/>
-              <a:t>After a connection is received and challenged, the server will wait for the client to send it a fingerprint.</a:t>
-            </a:r>
-          </a:p>
-          <a:p>
-            <a:pPr>
-              <a:lnSpc>
-                <a:spcPct val="90000"/>
-              </a:lnSpc>
-            </a:pPr>
-            <a:r>
-              <a:rPr lang="en-NZ" smtClean="0"/>
-              <a:t>From here it will then do a fingerprint comparison.</a:t>
-            </a:r>
-          </a:p>
-          <a:p>
-            <a:pPr>
-              <a:lnSpc>
-                <a:spcPct val="90000"/>
-              </a:lnSpc>
-            </a:pPr>
-            <a:r>
-              <a:rPr lang="en-NZ" smtClean="0"/>
-              <a:t>It will build an internal list of the songs that have matches</a:t>
-            </a:r>
+              <a:rPr lang="en-NZ" sz="3200" dirty="0" smtClean="0">
+                <a:solidFill>
+                  <a:srgbClr val="000000"/>
+                </a:solidFill>
+                <a:ea typeface="DejaVu Sans" charset="0"/>
+                <a:cs typeface="DejaVu Sans" charset="0"/>
+              </a:rPr>
+              <a:t>To allow for concurrent  connections the server is written using Threads</a:t>
+            </a:r>
+            <a:endParaRPr lang="en-NZ" sz="3200" dirty="0">
+              <a:solidFill>
+                <a:srgbClr val="000000"/>
+              </a:solidFill>
+              <a:ea typeface="DejaVu Sans" charset="0"/>
+              <a:cs typeface="DejaVu Sans" charset="0"/>
+            </a:endParaRPr>
           </a:p>
         </p:txBody>
       </p:sp>
@@ -3878,10 +4620,31 @@
   <p:clrMapOvr>
     <a:masterClrMapping/>
   </p:clrMapOvr>
+  <p:transition spd="med"/>
   <p:timing>
     <p:tnLst>
       <p:par>
-        <p:cTn id="1" dur="indefinite" restart="never" nodeType="tmRoot"/>
+        <p:cTn id="1" dur="indefinite" restart="never" nodeType="tmRoot">
+          <p:childTnLst>
+            <p:seq concurrent="1" nextAc="seek">
+              <p:cTn id="2" dur="0" nodeType="mainSeq"/>
+              <p:prevCondLst>
+                <p:cond evt="onPrev" delay="0">
+                  <p:tgtEl>
+                    <p:sldTgt/>
+                  </p:tgtEl>
+                </p:cond>
+              </p:prevCondLst>
+              <p:nextCondLst>
+                <p:cond evt="onNext" delay="0">
+                  <p:tgtEl>
+                    <p:sldTgt/>
+                  </p:tgtEl>
+                </p:cond>
+              </p:nextCondLst>
+            </p:seq>
+          </p:childTnLst>
+        </p:cTn>
       </p:par>
     </p:tnLst>
   </p:timing>
@@ -3907,7 +4670,7 @@
       </p:grpSpPr>
       <p:sp>
         <p:nvSpPr>
-          <p:cNvPr id="26626" name="Rectangle 2"/>
+          <p:cNvPr id="27650" name="Rectangle 2"/>
           <p:cNvSpPr>
             <a:spLocks noGrp="1"/>
           </p:cNvSpPr>
@@ -3921,16 +4684,15 @@
           <a:lstStyle/>
           <a:p>
             <a:r>
-              <a:rPr lang="en-NZ" smtClean="0"/>
+              <a:rPr lang="en-US" smtClean="0"/>
               <a:t>The Backend Server</a:t>
             </a:r>
-            <a:endParaRPr lang="en-US" smtClean="0"/>
-          </a:p>
-        </p:txBody>
-      </p:sp>
-      <p:sp>
-        <p:nvSpPr>
-          <p:cNvPr id="26627" name="Rectangle 3"/>
+          </a:p>
+        </p:txBody>
+      </p:sp>
+      <p:sp>
+        <p:nvSpPr>
+          <p:cNvPr id="27651" name="Rectangle 3"/>
           <p:cNvSpPr>
             <a:spLocks noGrp="1"/>
           </p:cNvSpPr>
@@ -3950,7 +4712,7 @@
             </a:pPr>
             <a:r>
               <a:rPr lang="en-NZ" smtClean="0"/>
-              <a:t>After building the list, it needs to be transmitted via the network</a:t>
+              <a:t>When a new connection is received it spawns another thread.</a:t>
             </a:r>
           </a:p>
           <a:p>
@@ -3961,7 +4723,7 @@
             </a:pPr>
             <a:r>
               <a:rPr lang="en-NZ" smtClean="0"/>
-              <a:t>For this to occur the list is transformed into XML</a:t>
+              <a:t>These threads do not need to communicate with each other</a:t>
             </a:r>
           </a:p>
           <a:p>
@@ -3996,7 +4758,7 @@
       </p:grpSpPr>
       <p:sp>
         <p:nvSpPr>
-          <p:cNvPr id="21505" name="Title 1"/>
+          <p:cNvPr id="20481" name="Title 1"/>
           <p:cNvSpPr>
             <a:spLocks noGrp="1"/>
           </p:cNvSpPr>
@@ -4018,7 +4780,7 @@
       </p:sp>
       <p:sp>
         <p:nvSpPr>
-          <p:cNvPr id="21506" name="Content Placeholder 2"/>
+          <p:cNvPr id="3" name="Content Placeholder 2"/>
           <p:cNvSpPr>
             <a:spLocks noGrp="1"/>
           </p:cNvSpPr>
@@ -4028,18 +4790,41 @@
         </p:nvSpPr>
         <p:spPr/>
         <p:txBody>
-          <a:bodyPr/>
+          <a:bodyPr>
+            <a:normAutofit/>
+          </a:bodyPr>
           <a:lstStyle/>
           <a:p>
+            <a:pPr>
+              <a:lnSpc>
+                <a:spcPct val="90000"/>
+              </a:lnSpc>
+            </a:pPr>
             <a:r>
               <a:rPr lang="en-NZ" smtClean="0"/>
-              <a:t>When the list is received by the client it is put back together into an object.</a:t>
-            </a:r>
-          </a:p>
-          <a:p>
+              <a:t>After a connection is received and challenged, the server will wait for the client to send it a fingerprint.</a:t>
+            </a:r>
+          </a:p>
+          <a:p>
+            <a:pPr>
+              <a:lnSpc>
+                <a:spcPct val="90000"/>
+              </a:lnSpc>
+            </a:pPr>
             <a:r>
               <a:rPr lang="en-NZ" smtClean="0"/>
-              <a:t>The client can then uses the list for what it requires</a:t>
+              <a:t>From here it will then do a fingerprint comparison.</a:t>
+            </a:r>
+          </a:p>
+          <a:p>
+            <a:pPr>
+              <a:lnSpc>
+                <a:spcPct val="90000"/>
+              </a:lnSpc>
+            </a:pPr>
+            <a:r>
+              <a:rPr lang="en-NZ" smtClean="0"/>
+              <a:t>It will build an internal list of the songs that have matches</a:t>
             </a:r>
           </a:p>
         </p:txBody>
@@ -4078,7 +4863,7 @@
       </p:grpSpPr>
       <p:sp>
         <p:nvSpPr>
-          <p:cNvPr id="22529" name="Title 1"/>
+          <p:cNvPr id="26626" name="Rectangle 2"/>
           <p:cNvSpPr>
             <a:spLocks noGrp="1"/>
           </p:cNvSpPr>
@@ -4091,18 +4876,22 @@
           <a:bodyPr/>
           <a:lstStyle/>
           <a:p>
-            <a:endParaRPr lang="en-NZ" smtClean="0"/>
-          </a:p>
-        </p:txBody>
-      </p:sp>
-      <p:sp>
-        <p:nvSpPr>
-          <p:cNvPr id="22530" name="Content Placeholder 2"/>
-          <p:cNvSpPr>
-            <a:spLocks noGrp="1"/>
-          </p:cNvSpPr>
-          <p:nvPr>
-            <p:ph idx="1"/>
+            <a:r>
+              <a:rPr lang="en-NZ" smtClean="0"/>
+              <a:t>The Backend Server</a:t>
+            </a:r>
+            <a:endParaRPr lang="en-US" smtClean="0"/>
+          </a:p>
+        </p:txBody>
+      </p:sp>
+      <p:sp>
+        <p:nvSpPr>
+          <p:cNvPr id="26627" name="Rectangle 3"/>
+          <p:cNvSpPr>
+            <a:spLocks noGrp="1"/>
+          </p:cNvSpPr>
+          <p:nvPr>
+            <p:ph type="body" idx="1"/>
           </p:nvPr>
         </p:nvSpPr>
         <p:spPr/>
@@ -4110,7 +4899,109 @@
           <a:bodyPr/>
           <a:lstStyle/>
           <a:p>
-            <a:endParaRPr lang="en-NZ" smtClean="0"/>
+            <a:pPr>
+              <a:lnSpc>
+                <a:spcPct val="90000"/>
+              </a:lnSpc>
+            </a:pPr>
+            <a:r>
+              <a:rPr lang="en-NZ" smtClean="0"/>
+              <a:t>After building the list, it needs to be transmitted via the network</a:t>
+            </a:r>
+          </a:p>
+          <a:p>
+            <a:pPr>
+              <a:lnSpc>
+                <a:spcPct val="90000"/>
+              </a:lnSpc>
+            </a:pPr>
+            <a:r>
+              <a:rPr lang="en-NZ" smtClean="0"/>
+              <a:t>For this to occur the list is transformed into XML</a:t>
+            </a:r>
+          </a:p>
+          <a:p>
+            <a:endParaRPr lang="en-US" smtClean="0"/>
+          </a:p>
+        </p:txBody>
+      </p:sp>
+    </p:spTree>
+  </p:cSld>
+  <p:clrMapOvr>
+    <a:masterClrMapping/>
+  </p:clrMapOvr>
+</p:sld>
+</file>
+
+<file path=ppt/slides/slide15.xml><?xml version="1.0" encoding="utf-8"?>
+<p:sld xmlns:a="http://schemas.openxmlformats.org/drawingml/2006/main" xmlns:r="http://schemas.openxmlformats.org/officeDocument/2006/relationships" xmlns:p="http://schemas.openxmlformats.org/presentationml/2006/main">
+  <p:cSld>
+    <p:spTree>
+      <p:nvGrpSpPr>
+        <p:cNvPr id="1" name=""/>
+        <p:cNvGrpSpPr/>
+        <p:nvPr/>
+      </p:nvGrpSpPr>
+      <p:grpSpPr>
+        <a:xfrm>
+          <a:off x="0" y="0"/>
+          <a:ext cx="0" cy="0"/>
+          <a:chOff x="0" y="0"/>
+          <a:chExt cx="0" cy="0"/>
+        </a:xfrm>
+      </p:grpSpPr>
+      <p:sp>
+        <p:nvSpPr>
+          <p:cNvPr id="21505" name="Title 1"/>
+          <p:cNvSpPr>
+            <a:spLocks noGrp="1"/>
+          </p:cNvSpPr>
+          <p:nvPr>
+            <p:ph type="title"/>
+          </p:nvPr>
+        </p:nvSpPr>
+        <p:spPr/>
+        <p:txBody>
+          <a:bodyPr/>
+          <a:lstStyle/>
+          <a:p>
+            <a:r>
+              <a:rPr lang="en-NZ" smtClean="0"/>
+              <a:t>The Backend Server</a:t>
+            </a:r>
+          </a:p>
+        </p:txBody>
+      </p:sp>
+      <p:sp>
+        <p:nvSpPr>
+          <p:cNvPr id="21506" name="Content Placeholder 2"/>
+          <p:cNvSpPr>
+            <a:spLocks noGrp="1"/>
+          </p:cNvSpPr>
+          <p:nvPr>
+            <p:ph idx="1"/>
+          </p:nvPr>
+        </p:nvSpPr>
+        <p:spPr/>
+        <p:txBody>
+          <a:bodyPr/>
+          <a:lstStyle/>
+          <a:p>
+            <a:r>
+              <a:rPr lang="en-NZ" dirty="0" smtClean="0"/>
+              <a:t>When the list is received by the client it is put back together into an object.</a:t>
+            </a:r>
+          </a:p>
+          <a:p>
+            <a:r>
+              <a:rPr lang="en-NZ" dirty="0" smtClean="0"/>
+              <a:t>The client can then </a:t>
+            </a:r>
+            <a:r>
+              <a:rPr lang="en-NZ" dirty="0" smtClean="0"/>
+              <a:t>use the list</a:t>
+            </a:r>
+            <a:endParaRPr lang="en-NZ" dirty="0" smtClean="0"/>
           </a:p>
         </p:txBody>
       </p:sp>
@@ -4362,8 +5253,16 @@
           <a:lstStyle/>
           <a:p>
             <a:r>
-              <a:rPr lang="en-NZ" smtClean="0"/>
-              <a:t>Our Vision</a:t>
+              <a:rPr lang="en-NZ" dirty="0" smtClean="0"/>
+              <a:t>The</a:t>
+            </a:r>
+            <a:r>
+              <a:rPr lang="en-NZ" dirty="0" smtClean="0"/>
+              <a:t> </a:t>
+            </a:r>
+            <a:r>
+              <a:rPr lang="en-NZ" dirty="0" smtClean="0"/>
+              <a:t>Vision</a:t>
             </a:r>
           </a:p>
         </p:txBody>
@@ -4460,15 +5359,26 @@
           <a:lstStyle/>
           <a:p>
             <a:r>
-              <a:rPr lang="en-NZ" smtClean="0"/>
-              <a:t>Our software package uses some closed source code.</a:t>
-            </a:r>
-          </a:p>
-          <a:p>
-            <a:r>
-              <a:rPr lang="en-NZ" smtClean="0"/>
-              <a:t>So sorry, you can’t see any of it</a:t>
-            </a:r>
+              <a:rPr lang="en-NZ" dirty="0" smtClean="0"/>
+              <a:t>Our software package uses some closed source </a:t>
+            </a:r>
+            <a:r>
+              <a:rPr lang="en-NZ" dirty="0" smtClean="0"/>
+              <a:t>code</a:t>
+            </a:r>
+            <a:r>
+              <a:rPr lang="en-NZ" dirty="0" smtClean="0"/>
+              <a:t> </a:t>
+            </a:r>
+            <a:r>
+              <a:rPr lang="en-NZ" dirty="0" smtClean="0"/>
+              <a:t>– Entropy Fingerprinting </a:t>
+            </a:r>
+            <a:r>
+              <a:rPr lang="en-NZ" dirty="0" err="1" smtClean="0"/>
+              <a:t>Algortihm</a:t>
+            </a:r>
+            <a:endParaRPr lang="en-NZ" dirty="0" smtClean="0"/>
           </a:p>
         </p:txBody>
       </p:sp>
@@ -4675,62 +5585,517 @@
           <a:chExt cx="0" cy="0"/>
         </a:xfrm>
       </p:grpSpPr>
-      <p:sp>
-        <p:nvSpPr>
-          <p:cNvPr id="17409" name="Title 1"/>
-          <p:cNvSpPr>
-            <a:spLocks noGrp="1"/>
-          </p:cNvSpPr>
-          <p:nvPr>
-            <p:ph type="title"/>
-          </p:nvPr>
-        </p:nvSpPr>
-        <p:spPr/>
+      <p:pic>
+        <p:nvPicPr>
+          <p:cNvPr id="12289" name="Picture 1"/>
+          <p:cNvPicPr>
+            <a:picLocks noChangeAspect="1" noChangeArrowheads="1"/>
+          </p:cNvPicPr>
+          <p:nvPr/>
+        </p:nvPicPr>
+        <p:blipFill>
+          <a:blip r:embed="rId3"/>
+          <a:srcRect/>
+          <a:stretch>
+            <a:fillRect/>
+          </a:stretch>
+        </p:blipFill>
+        <p:spPr bwMode="auto">
+          <a:xfrm>
+            <a:off x="539750" y="1979613"/>
+            <a:ext cx="8099425" cy="3600450"/>
+          </a:xfrm>
+          <a:prstGeom prst="rect">
+            <a:avLst/>
+          </a:prstGeom>
+          <a:noFill/>
+          <a:ln w="9525">
+            <a:noFill/>
+            <a:round/>
+            <a:headEnd/>
+            <a:tailEnd/>
+          </a:ln>
+          <a:effectLst/>
+        </p:spPr>
+      </p:pic>
+      <p:sp>
+        <p:nvSpPr>
+          <p:cNvPr id="12290" name="Text Box 2"/>
+          <p:cNvSpPr txBox="1">
+            <a:spLocks noChangeArrowheads="1"/>
+          </p:cNvSpPr>
+          <p:nvPr/>
+        </p:nvSpPr>
+        <p:spPr bwMode="auto">
+          <a:xfrm>
+            <a:off x="2000250" y="195263"/>
+            <a:ext cx="6686550" cy="1527175"/>
+          </a:xfrm>
+          <a:prstGeom prst="rect">
+            <a:avLst/>
+          </a:prstGeom>
+          <a:noFill/>
+          <a:ln w="9525">
+            <a:noFill/>
+            <a:round/>
+            <a:headEnd/>
+            <a:tailEnd/>
+          </a:ln>
+          <a:effectLst/>
+        </p:spPr>
+        <p:txBody>
+          <a:bodyPr wrap="none" anchor="ctr"/>
+          <a:lstStyle/>
+          <a:p>
+            <a:endParaRPr lang="en-NZ"/>
+          </a:p>
+        </p:txBody>
+      </p:sp>
+      <p:sp>
+        <p:nvSpPr>
+          <p:cNvPr id="12291" name="Text Box 3"/>
+          <p:cNvSpPr txBox="1">
+            <a:spLocks noChangeArrowheads="1"/>
+          </p:cNvSpPr>
+          <p:nvPr/>
+        </p:nvSpPr>
+        <p:spPr bwMode="auto">
+          <a:xfrm>
+            <a:off x="457200" y="1857375"/>
+            <a:ext cx="8229600" cy="4268788"/>
+          </a:xfrm>
+          <a:prstGeom prst="rect">
+            <a:avLst/>
+          </a:prstGeom>
+          <a:noFill/>
+          <a:ln w="9525">
+            <a:noFill/>
+            <a:round/>
+            <a:headEnd/>
+            <a:tailEnd/>
+          </a:ln>
+          <a:effectLst/>
+        </p:spPr>
+        <p:txBody>
+          <a:bodyPr wrap="none" anchor="ctr"/>
+          <a:lstStyle/>
+          <a:p>
+            <a:endParaRPr lang="en-NZ"/>
+          </a:p>
+        </p:txBody>
+      </p:sp>
+      <p:sp>
+        <p:nvSpPr>
+          <p:cNvPr id="12292" name="Text Box 4"/>
+          <p:cNvSpPr txBox="1">
+            <a:spLocks noChangeArrowheads="1"/>
+          </p:cNvSpPr>
+          <p:nvPr/>
+        </p:nvSpPr>
+        <p:spPr bwMode="auto">
+          <a:xfrm>
+            <a:off x="411163" y="1800225"/>
+            <a:ext cx="8229600" cy="4270375"/>
+          </a:xfrm>
+          <a:prstGeom prst="rect">
+            <a:avLst/>
+          </a:prstGeom>
+          <a:noFill/>
+          <a:ln w="9525">
+            <a:noFill/>
+            <a:round/>
+            <a:headEnd/>
+            <a:tailEnd/>
+          </a:ln>
+          <a:effectLst/>
+        </p:spPr>
+        <p:txBody>
+          <a:bodyPr lIns="0" tIns="0" rIns="0" bIns="0" anchor="ctr"/>
+          <a:lstStyle/>
+          <a:p>
+            <a:pPr algn="ctr">
+              <a:spcBef>
+                <a:spcPts val="800"/>
+              </a:spcBef>
+              <a:buFont typeface="Arial" charset="0"/>
+              <a:buNone/>
+              <a:tabLst>
+                <a:tab pos="0" algn="l"/>
+                <a:tab pos="914400" algn="l"/>
+                <a:tab pos="1828800" algn="l"/>
+                <a:tab pos="2743200" algn="l"/>
+                <a:tab pos="3657600" algn="l"/>
+                <a:tab pos="4572000" algn="l"/>
+                <a:tab pos="5486400" algn="l"/>
+                <a:tab pos="6400800" algn="l"/>
+                <a:tab pos="7315200" algn="l"/>
+                <a:tab pos="8229600" algn="l"/>
+                <a:tab pos="9144000" algn="l"/>
+                <a:tab pos="10058400" algn="l"/>
+              </a:tabLst>
+            </a:pPr>
+            <a:endParaRPr lang="en-NZ" sz="3200">
+              <a:solidFill>
+                <a:srgbClr val="000000"/>
+              </a:solidFill>
+              <a:ea typeface="DejaVu Sans" charset="0"/>
+              <a:cs typeface="DejaVu Sans" charset="0"/>
+            </a:endParaRPr>
+          </a:p>
+          <a:p>
+            <a:pPr algn="ctr">
+              <a:spcBef>
+                <a:spcPts val="800"/>
+              </a:spcBef>
+              <a:buFont typeface="Arial" charset="0"/>
+              <a:buNone/>
+              <a:tabLst>
+                <a:tab pos="0" algn="l"/>
+                <a:tab pos="914400" algn="l"/>
+                <a:tab pos="1828800" algn="l"/>
+                <a:tab pos="2743200" algn="l"/>
+                <a:tab pos="3657600" algn="l"/>
+                <a:tab pos="4572000" algn="l"/>
+                <a:tab pos="5486400" algn="l"/>
+                <a:tab pos="6400800" algn="l"/>
+                <a:tab pos="7315200" algn="l"/>
+                <a:tab pos="8229600" algn="l"/>
+                <a:tab pos="9144000" algn="l"/>
+                <a:tab pos="10058400" algn="l"/>
+              </a:tabLst>
+            </a:pPr>
+            <a:endParaRPr lang="en-NZ" sz="3200">
+              <a:solidFill>
+                <a:srgbClr val="000000"/>
+              </a:solidFill>
+              <a:ea typeface="DejaVu Sans" charset="0"/>
+              <a:cs typeface="DejaVu Sans" charset="0"/>
+            </a:endParaRPr>
+          </a:p>
+        </p:txBody>
+      </p:sp>
+      <p:sp>
+        <p:nvSpPr>
+          <p:cNvPr id="12293" name="Text Box 5"/>
+          <p:cNvSpPr txBox="1">
+            <a:spLocks noChangeArrowheads="1"/>
+          </p:cNvSpPr>
+          <p:nvPr/>
+        </p:nvSpPr>
+        <p:spPr bwMode="auto">
+          <a:xfrm>
+            <a:off x="2339975" y="720725"/>
+            <a:ext cx="6300788" cy="577850"/>
+          </a:xfrm>
+          <a:prstGeom prst="rect">
+            <a:avLst/>
+          </a:prstGeom>
+          <a:noFill/>
+          <a:ln w="9525">
+            <a:noFill/>
+            <a:round/>
+            <a:headEnd/>
+            <a:tailEnd/>
+          </a:ln>
+          <a:effectLst/>
+        </p:spPr>
+        <p:txBody>
+          <a:bodyPr lIns="90000" tIns="45000" rIns="90000" bIns="45000"/>
+          <a:lstStyle/>
+          <a:p>
+            <a:pPr>
+              <a:tabLst>
+                <a:tab pos="0" algn="l"/>
+                <a:tab pos="914400" algn="l"/>
+                <a:tab pos="1828800" algn="l"/>
+                <a:tab pos="2743200" algn="l"/>
+                <a:tab pos="3657600" algn="l"/>
+                <a:tab pos="4572000" algn="l"/>
+                <a:tab pos="5486400" algn="l"/>
+                <a:tab pos="6400800" algn="l"/>
+                <a:tab pos="7315200" algn="l"/>
+                <a:tab pos="8229600" algn="l"/>
+                <a:tab pos="9144000" algn="l"/>
+                <a:tab pos="10058400" algn="l"/>
+              </a:tabLst>
+            </a:pPr>
+            <a:r>
+              <a:rPr lang="en-NZ" sz="3200">
+                <a:solidFill>
+                  <a:srgbClr val="000000"/>
+                </a:solidFill>
+                <a:ea typeface="DejaVu Sans" charset="0"/>
+                <a:cs typeface="DejaVu Sans" charset="0"/>
+              </a:rPr>
+              <a:t>How we fingerprint audio.</a:t>
+            </a:r>
+          </a:p>
+        </p:txBody>
+      </p:sp>
+      <p:sp>
+        <p:nvSpPr>
+          <p:cNvPr id="12294" name="Line 6"/>
+          <p:cNvSpPr>
+            <a:spLocks noChangeShapeType="1"/>
+          </p:cNvSpPr>
+          <p:nvPr/>
+        </p:nvSpPr>
+        <p:spPr bwMode="auto">
+          <a:xfrm>
+            <a:off x="2519363" y="1800225"/>
+            <a:ext cx="1587" cy="4140200"/>
+          </a:xfrm>
+          <a:prstGeom prst="line">
+            <a:avLst/>
+          </a:prstGeom>
+          <a:noFill/>
+          <a:ln w="72000">
+            <a:solidFill>
+              <a:srgbClr val="000000"/>
+            </a:solidFill>
+            <a:round/>
+            <a:headEnd/>
+            <a:tailEnd/>
+          </a:ln>
+          <a:effectLst/>
+        </p:spPr>
         <p:txBody>
           <a:bodyPr/>
           <a:lstStyle/>
           <a:p>
-            <a:r>
-              <a:rPr lang="en-NZ" smtClean="0"/>
-              <a:t>The Backend</a:t>
-            </a:r>
-          </a:p>
-        </p:txBody>
-      </p:sp>
-      <p:sp>
-        <p:nvSpPr>
-          <p:cNvPr id="17410" name="Content Placeholder 2"/>
-          <p:cNvSpPr>
-            <a:spLocks noGrp="1"/>
-          </p:cNvSpPr>
-          <p:nvPr>
-            <p:ph idx="1"/>
-          </p:nvPr>
-        </p:nvSpPr>
-        <p:spPr/>
+            <a:endParaRPr lang="en-NZ"/>
+          </a:p>
+        </p:txBody>
+      </p:sp>
+      <p:sp>
+        <p:nvSpPr>
+          <p:cNvPr id="12295" name="Line 7"/>
+          <p:cNvSpPr>
+            <a:spLocks noChangeShapeType="1"/>
+          </p:cNvSpPr>
+          <p:nvPr/>
+        </p:nvSpPr>
+        <p:spPr bwMode="auto">
+          <a:xfrm>
+            <a:off x="3276600" y="1800225"/>
+            <a:ext cx="1588" cy="4140200"/>
+          </a:xfrm>
+          <a:prstGeom prst="line">
+            <a:avLst/>
+          </a:prstGeom>
+          <a:noFill/>
+          <a:ln w="72000">
+            <a:solidFill>
+              <a:srgbClr val="000000"/>
+            </a:solidFill>
+            <a:round/>
+            <a:headEnd/>
+            <a:tailEnd/>
+          </a:ln>
+          <a:effectLst/>
+        </p:spPr>
         <p:txBody>
           <a:bodyPr/>
           <a:lstStyle/>
           <a:p>
-            <a:r>
-              <a:rPr lang="en-NZ" dirty="0" smtClean="0"/>
-              <a:t>The backend essentially consists of a server that accepts simple queries from the device and returns an answer</a:t>
-            </a:r>
-          </a:p>
-          <a:p>
-            <a:r>
-              <a:rPr lang="en-NZ" dirty="0" smtClean="0"/>
-              <a:t>It’s written as a threaded C# TCP Network application</a:t>
-            </a:r>
-          </a:p>
-          <a:p>
-            <a:r>
-              <a:rPr lang="en-NZ" dirty="0" smtClean="0"/>
-              <a:t>It’s </a:t>
-            </a:r>
-            <a:r>
-              <a:rPr lang="en-NZ" dirty="0" smtClean="0"/>
-              <a:t>all text based</a:t>
+            <a:endParaRPr lang="en-NZ"/>
+          </a:p>
+        </p:txBody>
+      </p:sp>
+      <p:sp>
+        <p:nvSpPr>
+          <p:cNvPr id="12296" name="Line 8"/>
+          <p:cNvSpPr>
+            <a:spLocks noChangeShapeType="1"/>
+          </p:cNvSpPr>
+          <p:nvPr/>
+        </p:nvSpPr>
+        <p:spPr bwMode="auto">
+          <a:xfrm>
+            <a:off x="4032250" y="1800225"/>
+            <a:ext cx="1588" cy="4140200"/>
+          </a:xfrm>
+          <a:prstGeom prst="line">
+            <a:avLst/>
+          </a:prstGeom>
+          <a:noFill/>
+          <a:ln w="72000">
+            <a:solidFill>
+              <a:srgbClr val="000000"/>
+            </a:solidFill>
+            <a:round/>
+            <a:headEnd/>
+            <a:tailEnd/>
+          </a:ln>
+          <a:effectLst/>
+        </p:spPr>
+        <p:txBody>
+          <a:bodyPr/>
+          <a:lstStyle/>
+          <a:p>
+            <a:endParaRPr lang="en-NZ"/>
+          </a:p>
+        </p:txBody>
+      </p:sp>
+      <p:sp>
+        <p:nvSpPr>
+          <p:cNvPr id="12297" name="Line 9"/>
+          <p:cNvSpPr>
+            <a:spLocks noChangeShapeType="1"/>
+          </p:cNvSpPr>
+          <p:nvPr/>
+        </p:nvSpPr>
+        <p:spPr bwMode="auto">
+          <a:xfrm>
+            <a:off x="4859338" y="1800225"/>
+            <a:ext cx="1587" cy="4140200"/>
+          </a:xfrm>
+          <a:prstGeom prst="line">
+            <a:avLst/>
+          </a:prstGeom>
+          <a:noFill/>
+          <a:ln w="72000">
+            <a:solidFill>
+              <a:srgbClr val="000000"/>
+            </a:solidFill>
+            <a:round/>
+            <a:headEnd/>
+            <a:tailEnd/>
+          </a:ln>
+          <a:effectLst/>
+        </p:spPr>
+        <p:txBody>
+          <a:bodyPr/>
+          <a:lstStyle/>
+          <a:p>
+            <a:endParaRPr lang="en-NZ"/>
+          </a:p>
+        </p:txBody>
+      </p:sp>
+      <p:sp>
+        <p:nvSpPr>
+          <p:cNvPr id="12298" name="Line 10"/>
+          <p:cNvSpPr>
+            <a:spLocks noChangeShapeType="1"/>
+          </p:cNvSpPr>
+          <p:nvPr/>
+        </p:nvSpPr>
+        <p:spPr bwMode="auto">
+          <a:xfrm>
+            <a:off x="5759450" y="1800225"/>
+            <a:ext cx="1588" cy="4140200"/>
+          </a:xfrm>
+          <a:prstGeom prst="line">
+            <a:avLst/>
+          </a:prstGeom>
+          <a:noFill/>
+          <a:ln w="72000">
+            <a:solidFill>
+              <a:srgbClr val="000000"/>
+            </a:solidFill>
+            <a:round/>
+            <a:headEnd/>
+            <a:tailEnd/>
+          </a:ln>
+          <a:effectLst/>
+        </p:spPr>
+        <p:txBody>
+          <a:bodyPr/>
+          <a:lstStyle/>
+          <a:p>
+            <a:endParaRPr lang="en-NZ"/>
+          </a:p>
+        </p:txBody>
+      </p:sp>
+      <p:sp>
+        <p:nvSpPr>
+          <p:cNvPr id="12299" name="Line 11"/>
+          <p:cNvSpPr>
+            <a:spLocks noChangeShapeType="1"/>
+          </p:cNvSpPr>
+          <p:nvPr/>
+        </p:nvSpPr>
+        <p:spPr bwMode="auto">
+          <a:xfrm>
+            <a:off x="6588125" y="1800225"/>
+            <a:ext cx="1588" cy="4140200"/>
+          </a:xfrm>
+          <a:prstGeom prst="line">
+            <a:avLst/>
+          </a:prstGeom>
+          <a:noFill/>
+          <a:ln w="72000">
+            <a:solidFill>
+              <a:srgbClr val="000000"/>
+            </a:solidFill>
+            <a:round/>
+            <a:headEnd/>
+            <a:tailEnd/>
+          </a:ln>
+          <a:effectLst/>
+        </p:spPr>
+        <p:txBody>
+          <a:bodyPr/>
+          <a:lstStyle/>
+          <a:p>
+            <a:endParaRPr lang="en-NZ"/>
+          </a:p>
+        </p:txBody>
+      </p:sp>
+      <p:sp>
+        <p:nvSpPr>
+          <p:cNvPr id="12300" name="Text Box 12"/>
+          <p:cNvSpPr txBox="1">
+            <a:spLocks noChangeArrowheads="1"/>
+          </p:cNvSpPr>
+          <p:nvPr/>
+        </p:nvSpPr>
+        <p:spPr bwMode="auto">
+          <a:xfrm>
+            <a:off x="1979613" y="6119813"/>
+            <a:ext cx="5400675" cy="436562"/>
+          </a:xfrm>
+          <a:prstGeom prst="rect">
+            <a:avLst/>
+          </a:prstGeom>
+          <a:noFill/>
+          <a:ln w="72000">
+            <a:noFill/>
+            <a:round/>
+            <a:headEnd/>
+            <a:tailEnd/>
+          </a:ln>
+          <a:effectLst/>
+        </p:spPr>
+        <p:txBody>
+          <a:bodyPr lIns="126000" tIns="81000" rIns="126000" bIns="81000"/>
+          <a:lstStyle/>
+          <a:p>
+            <a:pPr>
+              <a:tabLst>
+                <a:tab pos="0" algn="l"/>
+                <a:tab pos="914400" algn="l"/>
+                <a:tab pos="1828800" algn="l"/>
+                <a:tab pos="2743200" algn="l"/>
+                <a:tab pos="3657600" algn="l"/>
+                <a:tab pos="4572000" algn="l"/>
+                <a:tab pos="5486400" algn="l"/>
+                <a:tab pos="6400800" algn="l"/>
+                <a:tab pos="7315200" algn="l"/>
+                <a:tab pos="8229600" algn="l"/>
+                <a:tab pos="9144000" algn="l"/>
+                <a:tab pos="10058400" algn="l"/>
+              </a:tabLst>
+            </a:pPr>
+            <a:r>
+              <a:rPr lang="en-NZ">
+                <a:solidFill>
+                  <a:srgbClr val="000000"/>
+                </a:solidFill>
+                <a:ea typeface="DejaVu Sans" charset="0"/>
+                <a:cs typeface="DejaVu Sans" charset="0"/>
+              </a:rPr>
+              <a:t>       More  more   less      more    less</a:t>
             </a:r>
           </a:p>
         </p:txBody>
@@ -4740,12 +6105,277 @@
   <p:clrMapOvr>
     <a:masterClrMapping/>
   </p:clrMapOvr>
+  <p:transition spd="med"/>
   <p:timing>
     <p:tnLst>
       <p:par>
-        <p:cTn id="1" dur="indefinite" restart="never" nodeType="tmRoot"/>
+        <p:cTn id="1" dur="indefinite" nodeType="tmRoot">
+          <p:childTnLst>
+            <p:seq concurrent="1" nextAc="seek">
+              <p:cTn id="2" dur="indefinite" nodeType="mainSeq">
+                <p:childTnLst>
+                  <p:par>
+                    <p:cTn id="3" fill="hold">
+                      <p:stCondLst>
+                        <p:cond delay="indefinite"/>
+                      </p:stCondLst>
+                      <p:childTnLst>
+                        <p:par>
+                          <p:cTn id="4" fill="hold">
+                            <p:stCondLst>
+                              <p:cond delay="0"/>
+                            </p:stCondLst>
+                            <p:childTnLst>
+                              <p:par>
+                                <p:cTn id="5" presetID="1" presetClass="entr" fill="hold" grpId="0" nodeType="clickEffect">
+                                  <p:stCondLst>
+                                    <p:cond delay="0"/>
+                                  </p:stCondLst>
+                                  <p:childTnLst>
+                                    <p:set>
+                                      <p:cBhvr additive="repl">
+                                        <p:cTn id="6" dur="1" fill="hold">
+                                          <p:stCondLst>
+                                            <p:cond delay="0"/>
+                                          </p:stCondLst>
+                                        </p:cTn>
+                                        <p:tgtEl>
+                                          <p:spTgt spid="12294"/>
+                                        </p:tgtEl>
+                                        <p:attrNameLst>
+                                          <p:attrName>style.visibility</p:attrName>
+                                        </p:attrNameLst>
+                                      </p:cBhvr>
+                                      <p:to>
+                                        <p:strVal val="visible"/>
+                                      </p:to>
+                                    </p:set>
+                                  </p:childTnLst>
+                                </p:cTn>
+                              </p:par>
+                              <p:par>
+                                <p:cTn id="7" presetID="1" presetClass="entr" fill="hold" grpId="0" nodeType="withEffect">
+                                  <p:stCondLst>
+                                    <p:cond delay="0"/>
+                                  </p:stCondLst>
+                                  <p:childTnLst>
+                                    <p:set>
+                                      <p:cBhvr additive="repl">
+                                        <p:cTn id="8" dur="1" fill="hold">
+                                          <p:stCondLst>
+                                            <p:cond delay="0"/>
+                                          </p:stCondLst>
+                                        </p:cTn>
+                                        <p:tgtEl>
+                                          <p:spTgt spid="12295"/>
+                                        </p:tgtEl>
+                                        <p:attrNameLst>
+                                          <p:attrName>style.visibility</p:attrName>
+                                        </p:attrNameLst>
+                                      </p:cBhvr>
+                                      <p:to>
+                                        <p:strVal val="visible"/>
+                                      </p:to>
+                                    </p:set>
+                                  </p:childTnLst>
+                                </p:cTn>
+                              </p:par>
+                              <p:par>
+                                <p:cTn id="9" presetID="1" presetClass="entr" fill="hold" grpId="0" nodeType="withEffect">
+                                  <p:stCondLst>
+                                    <p:cond delay="0"/>
+                                  </p:stCondLst>
+                                  <p:childTnLst>
+                                    <p:set>
+                                      <p:cBhvr additive="repl">
+                                        <p:cTn id="10" dur="1" fill="hold">
+                                          <p:stCondLst>
+                                            <p:cond delay="0"/>
+                                          </p:stCondLst>
+                                        </p:cTn>
+                                        <p:tgtEl>
+                                          <p:spTgt spid="12296"/>
+                                        </p:tgtEl>
+                                        <p:attrNameLst>
+                                          <p:attrName>style.visibility</p:attrName>
+                                        </p:attrNameLst>
+                                      </p:cBhvr>
+                                      <p:to>
+                                        <p:strVal val="visible"/>
+                                      </p:to>
+                                    </p:set>
+                                  </p:childTnLst>
+                                </p:cTn>
+                              </p:par>
+                              <p:par>
+                                <p:cTn id="11" presetID="1" presetClass="entr" fill="hold" grpId="0" nodeType="withEffect">
+                                  <p:stCondLst>
+                                    <p:cond delay="0"/>
+                                  </p:stCondLst>
+                                  <p:childTnLst>
+                                    <p:set>
+                                      <p:cBhvr additive="repl">
+                                        <p:cTn id="12" dur="1" fill="hold">
+                                          <p:stCondLst>
+                                            <p:cond delay="0"/>
+                                          </p:stCondLst>
+                                        </p:cTn>
+                                        <p:tgtEl>
+                                          <p:spTgt spid="12297"/>
+                                        </p:tgtEl>
+                                        <p:attrNameLst>
+                                          <p:attrName>style.visibility</p:attrName>
+                                        </p:attrNameLst>
+                                      </p:cBhvr>
+                                      <p:to>
+                                        <p:strVal val="visible"/>
+                                      </p:to>
+                                    </p:set>
+                                  </p:childTnLst>
+                                </p:cTn>
+                              </p:par>
+                              <p:par>
+                                <p:cTn id="13" presetID="1" presetClass="entr" fill="hold" grpId="0" nodeType="withEffect">
+                                  <p:stCondLst>
+                                    <p:cond delay="0"/>
+                                  </p:stCondLst>
+                                  <p:childTnLst>
+                                    <p:set>
+                                      <p:cBhvr additive="repl">
+                                        <p:cTn id="14" dur="1" fill="hold">
+                                          <p:stCondLst>
+                                            <p:cond delay="0"/>
+                                          </p:stCondLst>
+                                        </p:cTn>
+                                        <p:tgtEl>
+                                          <p:spTgt spid="12298"/>
+                                        </p:tgtEl>
+                                        <p:attrNameLst>
+                                          <p:attrName>style.visibility</p:attrName>
+                                        </p:attrNameLst>
+                                      </p:cBhvr>
+                                      <p:to>
+                                        <p:strVal val="visible"/>
+                                      </p:to>
+                                    </p:set>
+                                  </p:childTnLst>
+                                </p:cTn>
+                              </p:par>
+                              <p:par>
+                                <p:cTn id="15" presetID="1" presetClass="entr" fill="hold" grpId="0" nodeType="withEffect">
+                                  <p:stCondLst>
+                                    <p:cond delay="0"/>
+                                  </p:stCondLst>
+                                  <p:childTnLst>
+                                    <p:set>
+                                      <p:cBhvr additive="repl">
+                                        <p:cTn id="16" dur="1" fill="hold">
+                                          <p:stCondLst>
+                                            <p:cond delay="0"/>
+                                          </p:stCondLst>
+                                        </p:cTn>
+                                        <p:tgtEl>
+                                          <p:spTgt spid="12299"/>
+                                        </p:tgtEl>
+                                        <p:attrNameLst>
+                                          <p:attrName>style.visibility</p:attrName>
+                                        </p:attrNameLst>
+                                      </p:cBhvr>
+                                      <p:to>
+                                        <p:strVal val="visible"/>
+                                      </p:to>
+                                    </p:set>
+                                  </p:childTnLst>
+                                </p:cTn>
+                              </p:par>
+                            </p:childTnLst>
+                          </p:cTn>
+                        </p:par>
+                      </p:childTnLst>
+                    </p:cTn>
+                  </p:par>
+                  <p:par>
+                    <p:cTn id="17" fill="hold">
+                      <p:stCondLst>
+                        <p:cond delay="indefinite"/>
+                      </p:stCondLst>
+                      <p:childTnLst>
+                        <p:par>
+                          <p:cTn id="18" fill="hold">
+                            <p:stCondLst>
+                              <p:cond delay="0"/>
+                            </p:stCondLst>
+                            <p:childTnLst>
+                              <p:par>
+                                <p:cTn id="19" presetID="10" presetClass="entr" fill="hold" nodeType="clickEffect">
+                                  <p:stCondLst>
+                                    <p:cond delay="0"/>
+                                  </p:stCondLst>
+                                  <p:childTnLst>
+                                    <p:set>
+                                      <p:cBhvr additive="repl">
+                                        <p:cTn id="20" dur="0" fill="hold">
+                                          <p:stCondLst>
+                                            <p:cond delay="0"/>
+                                          </p:stCondLst>
+                                        </p:cTn>
+                                        <p:tgtEl>
+                                          <p:spTgt spid="12300"/>
+                                        </p:tgtEl>
+                                        <p:attrNameLst>
+                                          <p:attrName>style.visibility</p:attrName>
+                                        </p:attrNameLst>
+                                      </p:cBhvr>
+                                      <p:to>
+                                        <p:strVal val="visible"/>
+                                      </p:to>
+                                    </p:set>
+                                    <p:animEffect transition="in" filter="fade">
+                                      <p:cBhvr additive="repl">
+                                        <p:cTn id="21" dur="1000"/>
+                                        <p:tgtEl>
+                                          <p:spTgt spid="12300"/>
+                                        </p:tgtEl>
+                                      </p:cBhvr>
+                                    </p:animEffect>
+                                  </p:childTnLst>
+                                </p:cTn>
+                              </p:par>
+                            </p:childTnLst>
+                          </p:cTn>
+                        </p:par>
+                      </p:childTnLst>
+                    </p:cTn>
+                  </p:par>
+                </p:childTnLst>
+              </p:cTn>
+              <p:prevCondLst>
+                <p:cond evt="onPrev" delay="0">
+                  <p:tgtEl>
+                    <p:sldTgt/>
+                  </p:tgtEl>
+                </p:cond>
+              </p:prevCondLst>
+              <p:nextCondLst>
+                <p:cond evt="onNext" delay="0">
+                  <p:tgtEl>
+                    <p:sldTgt/>
+                  </p:tgtEl>
+                </p:cond>
+              </p:nextCondLst>
+            </p:seq>
+          </p:childTnLst>
+        </p:cTn>
       </p:par>
     </p:tnLst>
+    <p:bldLst>
+      <p:bldP spid="12294" grpId="0" animBg="1"/>
+      <p:bldP spid="12295" grpId="0" animBg="1"/>
+      <p:bldP spid="12296" grpId="0" animBg="1"/>
+      <p:bldP spid="12297" grpId="0" animBg="1"/>
+      <p:bldP spid="12298" grpId="0" animBg="1"/>
+      <p:bldP spid="12299" grpId="0" animBg="1"/>
+    </p:bldLst>
   </p:timing>
 </p:sld>
 </file>
@@ -4769,63 +6399,577 @@
       </p:grpSpPr>
       <p:sp>
         <p:nvSpPr>
-          <p:cNvPr id="18433" name="Title 1"/>
-          <p:cNvSpPr>
-            <a:spLocks noGrp="1"/>
-          </p:cNvSpPr>
-          <p:nvPr>
-            <p:ph type="title"/>
-          </p:nvPr>
-        </p:nvSpPr>
-        <p:spPr/>
-        <p:txBody>
-          <a:bodyPr/>
+          <p:cNvPr id="13313" name="Text Box 1"/>
+          <p:cNvSpPr txBox="1">
+            <a:spLocks noChangeArrowheads="1"/>
+          </p:cNvSpPr>
+          <p:nvPr/>
+        </p:nvSpPr>
+        <p:spPr bwMode="auto">
+          <a:xfrm>
+            <a:off x="2000250" y="287338"/>
+            <a:ext cx="6686550" cy="1344612"/>
+          </a:xfrm>
+          <a:prstGeom prst="rect">
+            <a:avLst/>
+          </a:prstGeom>
+          <a:noFill/>
+          <a:ln w="9525">
+            <a:noFill/>
+            <a:round/>
+            <a:headEnd/>
+            <a:tailEnd/>
+          </a:ln>
+          <a:effectLst/>
+        </p:spPr>
+        <p:txBody>
+          <a:bodyPr lIns="0" tIns="0" rIns="0" bIns="0" anchor="ctr"/>
           <a:lstStyle/>
           <a:p>
-            <a:r>
-              <a:rPr lang="en-NZ" smtClean="0"/>
-              <a:t>The Backend Server</a:t>
-            </a:r>
-          </a:p>
-        </p:txBody>
-      </p:sp>
-      <p:sp>
-        <p:nvSpPr>
-          <p:cNvPr id="18434" name="Content Placeholder 2"/>
-          <p:cNvSpPr>
-            <a:spLocks noGrp="1"/>
-          </p:cNvSpPr>
-          <p:nvPr>
-            <p:ph idx="1"/>
-          </p:nvPr>
-        </p:nvSpPr>
-        <p:spPr/>
-        <p:txBody>
-          <a:bodyPr/>
-          <a:lstStyle/>
-          <a:p>
-            <a:r>
-              <a:rPr lang="en-NZ" smtClean="0"/>
-              <a:t>When a incoming connection is received it challenges with client with a code as a means to provide some small amount of security</a:t>
-            </a:r>
-          </a:p>
-          <a:p>
-            <a:r>
-              <a:rPr lang="en-NZ" smtClean="0"/>
-              <a:t>The client must provide the correct response code otherwise the server will simply close the connection</a:t>
-            </a:r>
-          </a:p>
-        </p:txBody>
-      </p:sp>
+            <a:pPr algn="ctr">
+              <a:tabLst>
+                <a:tab pos="0" algn="l"/>
+                <a:tab pos="914400" algn="l"/>
+                <a:tab pos="1828800" algn="l"/>
+                <a:tab pos="2743200" algn="l"/>
+                <a:tab pos="3657600" algn="l"/>
+                <a:tab pos="4572000" algn="l"/>
+                <a:tab pos="5486400" algn="l"/>
+                <a:tab pos="6400800" algn="l"/>
+                <a:tab pos="7315200" algn="l"/>
+                <a:tab pos="8229600" algn="l"/>
+                <a:tab pos="9144000" algn="l"/>
+                <a:tab pos="10058400" algn="l"/>
+              </a:tabLst>
+            </a:pPr>
+            <a:r>
+              <a:rPr lang="en-NZ" sz="3600">
+                <a:solidFill>
+                  <a:srgbClr val="000000"/>
+                </a:solidFill>
+                <a:ea typeface="DejaVu Sans" charset="0"/>
+                <a:cs typeface="DejaVu Sans" charset="0"/>
+              </a:rPr>
+              <a:t>Fingerprint Robustness.</a:t>
+            </a:r>
+          </a:p>
+        </p:txBody>
+      </p:sp>
+      <p:pic>
+        <p:nvPicPr>
+          <p:cNvPr id="13314" name="Picture 2"/>
+          <p:cNvPicPr>
+            <a:picLocks noChangeAspect="1" noChangeArrowheads="1"/>
+          </p:cNvPicPr>
+          <p:nvPr/>
+        </p:nvPicPr>
+        <p:blipFill>
+          <a:blip r:embed="rId3"/>
+          <a:srcRect/>
+          <a:stretch>
+            <a:fillRect/>
+          </a:stretch>
+        </p:blipFill>
+        <p:spPr bwMode="auto">
+          <a:xfrm>
+            <a:off x="1260475" y="2616200"/>
+            <a:ext cx="6480175" cy="2603500"/>
+          </a:xfrm>
+          <a:prstGeom prst="rect">
+            <a:avLst/>
+          </a:prstGeom>
+          <a:noFill/>
+          <a:ln w="9525">
+            <a:noFill/>
+            <a:round/>
+            <a:headEnd/>
+            <a:tailEnd/>
+          </a:ln>
+          <a:effectLst/>
+        </p:spPr>
+      </p:pic>
+      <p:pic>
+        <p:nvPicPr>
+          <p:cNvPr id="13315" name="Picture 3"/>
+          <p:cNvPicPr>
+            <a:picLocks noChangeAspect="1" noChangeArrowheads="1"/>
+          </p:cNvPicPr>
+          <p:nvPr/>
+        </p:nvPicPr>
+        <p:blipFill>
+          <a:blip r:embed="rId4"/>
+          <a:srcRect/>
+          <a:stretch>
+            <a:fillRect/>
+          </a:stretch>
+        </p:blipFill>
+        <p:spPr bwMode="auto">
+          <a:xfrm>
+            <a:off x="2519363" y="1800225"/>
+            <a:ext cx="4679950" cy="1439863"/>
+          </a:xfrm>
+          <a:prstGeom prst="rect">
+            <a:avLst/>
+          </a:prstGeom>
+          <a:noFill/>
+          <a:ln w="9525">
+            <a:noFill/>
+            <a:round/>
+            <a:headEnd/>
+            <a:tailEnd/>
+          </a:ln>
+          <a:effectLst/>
+        </p:spPr>
+      </p:pic>
+      <p:pic>
+        <p:nvPicPr>
+          <p:cNvPr id="13316" name="Picture 4"/>
+          <p:cNvPicPr>
+            <a:picLocks noChangeAspect="1" noChangeArrowheads="1"/>
+          </p:cNvPicPr>
+          <p:nvPr/>
+        </p:nvPicPr>
+        <p:blipFill>
+          <a:blip r:embed="rId5"/>
+          <a:srcRect/>
+          <a:stretch>
+            <a:fillRect/>
+          </a:stretch>
+        </p:blipFill>
+        <p:spPr bwMode="auto">
+          <a:xfrm>
+            <a:off x="2519363" y="3419475"/>
+            <a:ext cx="4678362" cy="1439863"/>
+          </a:xfrm>
+          <a:prstGeom prst="rect">
+            <a:avLst/>
+          </a:prstGeom>
+          <a:noFill/>
+          <a:ln w="9525">
+            <a:noFill/>
+            <a:round/>
+            <a:headEnd/>
+            <a:tailEnd/>
+          </a:ln>
+          <a:effectLst/>
+        </p:spPr>
+      </p:pic>
+      <p:pic>
+        <p:nvPicPr>
+          <p:cNvPr id="13317" name="Picture 5"/>
+          <p:cNvPicPr>
+            <a:picLocks noChangeAspect="1" noChangeArrowheads="1"/>
+          </p:cNvPicPr>
+          <p:nvPr/>
+        </p:nvPicPr>
+        <p:blipFill>
+          <a:blip r:embed="rId6"/>
+          <a:srcRect/>
+          <a:stretch>
+            <a:fillRect/>
+          </a:stretch>
+        </p:blipFill>
+        <p:spPr bwMode="auto">
+          <a:xfrm>
+            <a:off x="2519363" y="5040313"/>
+            <a:ext cx="4679950" cy="1439862"/>
+          </a:xfrm>
+          <a:prstGeom prst="rect">
+            <a:avLst/>
+          </a:prstGeom>
+          <a:noFill/>
+          <a:ln w="9525">
+            <a:noFill/>
+            <a:round/>
+            <a:headEnd/>
+            <a:tailEnd/>
+          </a:ln>
+          <a:effectLst/>
+        </p:spPr>
+      </p:pic>
     </p:spTree>
   </p:cSld>
   <p:clrMapOvr>
     <a:masterClrMapping/>
   </p:clrMapOvr>
+  <p:transition spd="med"/>
   <p:timing>
     <p:tnLst>
       <p:par>
-        <p:cTn id="1" dur="indefinite" restart="never" nodeType="tmRoot"/>
+        <p:cTn id="1" dur="indefinite" nodeType="tmRoot">
+          <p:childTnLst>
+            <p:seq concurrent="1" nextAc="seek">
+              <p:cTn id="2" dur="indefinite" nodeType="mainSeq">
+                <p:childTnLst>
+                  <p:par>
+                    <p:cTn id="3" fill="hold">
+                      <p:stCondLst>
+                        <p:cond delay="indefinite"/>
+                      </p:stCondLst>
+                      <p:childTnLst>
+                        <p:par>
+                          <p:cTn id="4" fill="hold">
+                            <p:stCondLst>
+                              <p:cond delay="0"/>
+                            </p:stCondLst>
+                            <p:childTnLst>
+                              <p:par>
+                                <p:cTn id="5" presetID="10" presetClass="exit" fill="hold" nodeType="clickEffect">
+                                  <p:stCondLst>
+                                    <p:cond delay="0"/>
+                                  </p:stCondLst>
+                                  <p:childTnLst>
+                                    <p:animEffect transition="out" filter="fade">
+                                      <p:cBhvr additive="repl">
+                                        <p:cTn id="6" dur="2000"/>
+                                        <p:tgtEl>
+                                          <p:spTgt spid="13314"/>
+                                        </p:tgtEl>
+                                      </p:cBhvr>
+                                    </p:animEffect>
+                                    <p:set>
+                                      <p:cBhvr additive="repl">
+                                        <p:cTn id="7" dur="1" fill="hold">
+                                          <p:stCondLst>
+                                            <p:cond delay="0"/>
+                                          </p:stCondLst>
+                                        </p:cTn>
+                                        <p:tgtEl>
+                                          <p:spTgt spid="13314"/>
+                                        </p:tgtEl>
+                                        <p:attrNameLst>
+                                          <p:attrName>style.visibility</p:attrName>
+                                        </p:attrNameLst>
+                                      </p:cBhvr>
+                                      <p:to>
+                                        <p:strVal val="hidden"/>
+                                      </p:to>
+                                    </p:set>
+                                  </p:childTnLst>
+                                </p:cTn>
+                              </p:par>
+                            </p:childTnLst>
+                          </p:cTn>
+                        </p:par>
+                      </p:childTnLst>
+                    </p:cTn>
+                  </p:par>
+                  <p:par>
+                    <p:cTn id="8" fill="hold">
+                      <p:stCondLst>
+                        <p:cond delay="indefinite"/>
+                      </p:stCondLst>
+                      <p:childTnLst>
+                        <p:par>
+                          <p:cTn id="9" fill="hold">
+                            <p:stCondLst>
+                              <p:cond delay="0"/>
+                            </p:stCondLst>
+                            <p:childTnLst>
+                              <p:par>
+                                <p:cTn id="10" presetID="42" presetClass="entr" fill="hold" nodeType="clickEffect">
+                                  <p:stCondLst>
+                                    <p:cond delay="0"/>
+                                  </p:stCondLst>
+                                  <p:childTnLst>
+                                    <p:set>
+                                      <p:cBhvr additive="repl">
+                                        <p:cTn id="11" dur="1" fill="hold">
+                                          <p:stCondLst>
+                                            <p:cond delay="0"/>
+                                          </p:stCondLst>
+                                        </p:cTn>
+                                        <p:tgtEl>
+                                          <p:spTgt spid="13315"/>
+                                        </p:tgtEl>
+                                        <p:attrNameLst>
+                                          <p:attrName>style.visibility</p:attrName>
+                                        </p:attrNameLst>
+                                      </p:cBhvr>
+                                      <p:to>
+                                        <p:strVal val="visible"/>
+                                      </p:to>
+                                    </p:set>
+                                    <p:animEffect transition="in" filter="fade">
+                                      <p:cBhvr additive="repl">
+                                        <p:cTn id="12" dur="1000"/>
+                                        <p:tgtEl>
+                                          <p:spTgt spid="13315"/>
+                                        </p:tgtEl>
+                                      </p:cBhvr>
+                                    </p:animEffect>
+                                    <p:anim calcmode="lin" valueType="num">
+                                      <p:cBhvr additive="repl">
+                                        <p:cTn id="13" dur="1000" fill="hold"/>
+                                        <p:tgtEl>
+                                          <p:spTgt spid="13315"/>
+                                        </p:tgtEl>
+                                        <p:attrNameLst>
+                                          <p:attrName>ppt_x</p:attrName>
+                                        </p:attrNameLst>
+                                      </p:cBhvr>
+                                      <p:tavLst>
+                                        <p:tav tm="100000">
+                                          <p:val>
+                                            <p:strVal val="#ppt_x"/>
+                                          </p:val>
+                                        </p:tav>
+                                        <p:tav tm="100000">
+                                          <p:val>
+                                            <p:strVal val="#ppt_x"/>
+                                          </p:val>
+                                        </p:tav>
+                                      </p:tavLst>
+                                    </p:anim>
+                                    <p:anim calcmode="lin" valueType="num">
+                                      <p:cBhvr additive="repl">
+                                        <p:cTn id="14" dur="1000" fill="hold"/>
+                                        <p:tgtEl>
+                                          <p:spTgt spid="13315"/>
+                                        </p:tgtEl>
+                                        <p:attrNameLst>
+                                          <p:attrName>ppt_y</p:attrName>
+                                        </p:attrNameLst>
+                                      </p:cBhvr>
+                                      <p:tavLst>
+                                        <p:tav tm="100000">
+                                          <p:val>
+                                            <p:strVal val="#ppt_y+.1"/>
+                                          </p:val>
+                                        </p:tav>
+                                        <p:tav tm="100000">
+                                          <p:val>
+                                            <p:strVal val="#ppt_y"/>
+                                          </p:val>
+                                        </p:tav>
+                                      </p:tavLst>
+                                    </p:anim>
+                                  </p:childTnLst>
+                                </p:cTn>
+                              </p:par>
+                            </p:childTnLst>
+                          </p:cTn>
+                        </p:par>
+                      </p:childTnLst>
+                    </p:cTn>
+                  </p:par>
+                  <p:par>
+                    <p:cTn id="15" fill="hold">
+                      <p:stCondLst>
+                        <p:cond delay="indefinite"/>
+                      </p:stCondLst>
+                      <p:childTnLst>
+                        <p:par>
+                          <p:cTn id="16" fill="hold">
+                            <p:stCondLst>
+                              <p:cond delay="0"/>
+                            </p:stCondLst>
+                            <p:childTnLst>
+                              <p:par>
+                                <p:cTn id="17" presetID="47" presetClass="entr" fill="hold" nodeType="clickEffect">
+                                  <p:stCondLst>
+                                    <p:cond delay="0"/>
+                                  </p:stCondLst>
+                                  <p:childTnLst>
+                                    <p:set>
+                                      <p:cBhvr additive="repl">
+                                        <p:cTn id="18" dur="1" fill="hold">
+                                          <p:stCondLst>
+                                            <p:cond delay="0"/>
+                                          </p:stCondLst>
+                                        </p:cTn>
+                                        <p:tgtEl>
+                                          <p:spTgt spid="13316"/>
+                                        </p:tgtEl>
+                                        <p:attrNameLst>
+                                          <p:attrName>style.visibility</p:attrName>
+                                        </p:attrNameLst>
+                                      </p:cBhvr>
+                                      <p:to>
+                                        <p:strVal val="visible"/>
+                                      </p:to>
+                                    </p:set>
+                                    <p:animEffect transition="in" filter="fade">
+                                      <p:cBhvr additive="repl">
+                                        <p:cTn id="19" dur="1000"/>
+                                        <p:tgtEl>
+                                          <p:spTgt spid="13316"/>
+                                        </p:tgtEl>
+                                      </p:cBhvr>
+                                    </p:animEffect>
+                                    <p:anim calcmode="lin" valueType="num">
+                                      <p:cBhvr additive="repl">
+                                        <p:cTn id="20" dur="1000" fill="hold"/>
+                                        <p:tgtEl>
+                                          <p:spTgt spid="13316"/>
+                                        </p:tgtEl>
+                                        <p:attrNameLst>
+                                          <p:attrName>ppt_x</p:attrName>
+                                        </p:attrNameLst>
+                                      </p:cBhvr>
+                                      <p:tavLst>
+                                        <p:tav tm="100000">
+                                          <p:val>
+                                            <p:strVal val="#ppt_x"/>
+                                          </p:val>
+                                        </p:tav>
+                                        <p:tav tm="100000">
+                                          <p:val>
+                                            <p:strVal val="#ppt_x"/>
+                                          </p:val>
+                                        </p:tav>
+                                      </p:tavLst>
+                                    </p:anim>
+                                    <p:anim calcmode="lin" valueType="num">
+                                      <p:cBhvr additive="repl">
+                                        <p:cTn id="21" dur="1000" fill="hold"/>
+                                        <p:tgtEl>
+                                          <p:spTgt spid="13316"/>
+                                        </p:tgtEl>
+                                        <p:attrNameLst>
+                                          <p:attrName>ppt_y</p:attrName>
+                                        </p:attrNameLst>
+                                      </p:cBhvr>
+                                      <p:tavLst>
+                                        <p:tav tm="100000">
+                                          <p:val>
+                                            <p:strVal val="#ppt_y-.1"/>
+                                          </p:val>
+                                        </p:tav>
+                                        <p:tav tm="100000">
+                                          <p:val>
+                                            <p:strVal val="#ppt_y"/>
+                                          </p:val>
+                                        </p:tav>
+                                      </p:tavLst>
+                                    </p:anim>
+                                  </p:childTnLst>
+                                </p:cTn>
+                              </p:par>
+                            </p:childTnLst>
+                          </p:cTn>
+                        </p:par>
+                      </p:childTnLst>
+                    </p:cTn>
+                  </p:par>
+                  <p:par>
+                    <p:cTn id="22" fill="hold">
+                      <p:stCondLst>
+                        <p:cond delay="indefinite"/>
+                      </p:stCondLst>
+                      <p:childTnLst>
+                        <p:par>
+                          <p:cTn id="23" fill="hold">
+                            <p:stCondLst>
+                              <p:cond delay="0"/>
+                            </p:stCondLst>
+                            <p:childTnLst>
+                              <p:par>
+                                <p:cTn id="24" presetID="47" presetClass="entr" fill="hold" nodeType="clickEffect">
+                                  <p:stCondLst>
+                                    <p:cond delay="0"/>
+                                  </p:stCondLst>
+                                  <p:childTnLst>
+                                    <p:set>
+                                      <p:cBhvr additive="repl">
+                                        <p:cTn id="25" dur="1" fill="hold">
+                                          <p:stCondLst>
+                                            <p:cond delay="0"/>
+                                          </p:stCondLst>
+                                        </p:cTn>
+                                        <p:tgtEl>
+                                          <p:spTgt spid="13317"/>
+                                        </p:tgtEl>
+                                        <p:attrNameLst>
+                                          <p:attrName>style.visibility</p:attrName>
+                                        </p:attrNameLst>
+                                      </p:cBhvr>
+                                      <p:to>
+                                        <p:strVal val="visible"/>
+                                      </p:to>
+                                    </p:set>
+                                    <p:animEffect transition="in" filter="fade">
+                                      <p:cBhvr additive="repl">
+                                        <p:cTn id="26" dur="1000"/>
+                                        <p:tgtEl>
+                                          <p:spTgt spid="13317"/>
+                                        </p:tgtEl>
+                                      </p:cBhvr>
+                                    </p:animEffect>
+                                    <p:anim calcmode="lin" valueType="num">
+                                      <p:cBhvr additive="repl">
+                                        <p:cTn id="27" dur="1000" fill="hold"/>
+                                        <p:tgtEl>
+                                          <p:spTgt spid="13317"/>
+                                        </p:tgtEl>
+                                        <p:attrNameLst>
+                                          <p:attrName>ppt_x</p:attrName>
+                                        </p:attrNameLst>
+                                      </p:cBhvr>
+                                      <p:tavLst>
+                                        <p:tav tm="100000">
+                                          <p:val>
+                                            <p:strVal val="#ppt_x"/>
+                                          </p:val>
+                                        </p:tav>
+                                        <p:tav tm="100000">
+                                          <p:val>
+                                            <p:strVal val="#ppt_x"/>
+                                          </p:val>
+                                        </p:tav>
+                                      </p:tavLst>
+                                    </p:anim>
+                                    <p:anim calcmode="lin" valueType="num">
+                                      <p:cBhvr additive="repl">
+                                        <p:cTn id="28" dur="1000" fill="hold"/>
+                                        <p:tgtEl>
+                                          <p:spTgt spid="13317"/>
+                                        </p:tgtEl>
+                                        <p:attrNameLst>
+                                          <p:attrName>ppt_y</p:attrName>
+                                        </p:attrNameLst>
+                                      </p:cBhvr>
+                                      <p:tavLst>
+                                        <p:tav tm="100000">
+                                          <p:val>
+                                            <p:strVal val="#ppt_y-.1"/>
+                                          </p:val>
+                                        </p:tav>
+                                        <p:tav tm="100000">
+                                          <p:val>
+                                            <p:strVal val="#ppt_y"/>
+                                          </p:val>
+                                        </p:tav>
+                                      </p:tavLst>
+                                    </p:anim>
+                                  </p:childTnLst>
+                                </p:cTn>
+                              </p:par>
+                            </p:childTnLst>
+                          </p:cTn>
+                        </p:par>
+                      </p:childTnLst>
+                    </p:cTn>
+                  </p:par>
+                </p:childTnLst>
+              </p:cTn>
+              <p:prevCondLst>
+                <p:cond evt="onPrev" delay="0">
+                  <p:tgtEl>
+                    <p:sldTgt/>
+                  </p:tgtEl>
+                </p:cond>
+              </p:prevCondLst>
+              <p:nextCondLst>
+                <p:cond evt="onNext" delay="0">
+                  <p:tgtEl>
+                    <p:sldTgt/>
+                  </p:tgtEl>
+                </p:cond>
+              </p:nextCondLst>
+            </p:seq>
+          </p:childTnLst>
+        </p:cTn>
       </p:par>
     </p:tnLst>
   </p:timing>
@@ -4851,7 +6995,7 @@
       </p:grpSpPr>
       <p:sp>
         <p:nvSpPr>
-          <p:cNvPr id="19457" name="Title 1"/>
+          <p:cNvPr id="17409" name="Title 1"/>
           <p:cNvSpPr>
             <a:spLocks noGrp="1"/>
           </p:cNvSpPr>
@@ -4866,14 +7010,14 @@
           <a:p>
             <a:r>
               <a:rPr lang="en-NZ" smtClean="0"/>
-              <a:t>The Backend Server</a:t>
-            </a:r>
-          </a:p>
-        </p:txBody>
-      </p:sp>
-      <p:sp>
-        <p:nvSpPr>
-          <p:cNvPr id="3" name="Content Placeholder 2"/>
+              <a:t>The Backend</a:t>
+            </a:r>
+          </a:p>
+        </p:txBody>
+      </p:sp>
+      <p:sp>
+        <p:nvSpPr>
+          <p:cNvPr id="17410" name="Content Placeholder 2"/>
           <p:cNvSpPr>
             <a:spLocks noGrp="1"/>
           </p:cNvSpPr>
@@ -4883,41 +7027,32 @@
         </p:nvSpPr>
         <p:spPr/>
         <p:txBody>
-          <a:bodyPr>
-            <a:normAutofit/>
-          </a:bodyPr>
+          <a:bodyPr/>
           <a:lstStyle/>
           <a:p>
-            <a:pPr>
-              <a:lnSpc>
-                <a:spcPct val="90000"/>
-              </a:lnSpc>
-            </a:pPr>
-            <a:r>
-              <a:rPr lang="en-NZ" smtClean="0"/>
-              <a:t>Is threaded. It has at least two threads running at all times.</a:t>
-            </a:r>
-          </a:p>
-          <a:p>
-            <a:pPr>
-              <a:lnSpc>
-                <a:spcPct val="90000"/>
-              </a:lnSpc>
-            </a:pPr>
-            <a:r>
-              <a:rPr lang="en-NZ" smtClean="0"/>
-              <a:t>The main thread is the control part of the server.</a:t>
-            </a:r>
-          </a:p>
-          <a:p>
-            <a:pPr>
-              <a:lnSpc>
-                <a:spcPct val="90000"/>
-              </a:lnSpc>
-            </a:pPr>
-            <a:r>
-              <a:rPr lang="en-NZ" smtClean="0"/>
-              <a:t>The other thread is the listener part, which sits in a loop accepting new connections</a:t>
+            <a:r>
+              <a:rPr lang="en-NZ" dirty="0" smtClean="0"/>
+              <a:t>The backend essentially consists of a server that accepts simple queries from the device and returns an answer</a:t>
+            </a:r>
+          </a:p>
+          <a:p>
+            <a:r>
+              <a:rPr lang="en-NZ" dirty="0" smtClean="0"/>
+              <a:t>It’s written as a threaded C# TCP Network application</a:t>
+            </a:r>
+          </a:p>
+          <a:p>
+            <a:r>
+              <a:rPr lang="en-NZ" dirty="0" smtClean="0"/>
+              <a:t>It’s all </a:t>
+            </a:r>
+            <a:r>
+              <a:rPr lang="en-NZ" dirty="0" smtClean="0"/>
+              <a:t>string </a:t>
+            </a:r>
+            <a:r>
+              <a:rPr lang="en-NZ" dirty="0" smtClean="0"/>
+              <a:t>based</a:t>
             </a:r>
           </a:p>
         </p:txBody>
@@ -5218,4 +7353,287 @@
   <a:objectDefaults/>
   <a:extraClrSchemeLst/>
 </a:theme>
+</file>
+
+<file path=ppt/theme/theme2.xml><?xml version="1.0" encoding="utf-8"?>
+<a:theme xmlns:a="http://schemas.openxmlformats.org/drawingml/2006/main" name="Office Theme">
+  <a:themeElements>
+    <a:clrScheme name="Office">
+      <a:dk1>
+        <a:sysClr val="windowText" lastClr="000000"/>
+      </a:dk1>
+      <a:lt1>
+        <a:sysClr val="window" lastClr="FFFFFF"/>
+      </a:lt1>
+      <a:dk2>
+        <a:srgbClr val="1F497D"/>
+      </a:dk2>
+      <a:lt2>
+        <a:srgbClr val="EEECE1"/>
+      </a:lt2>
+      <a:accent1>
+        <a:srgbClr val="4F81BD"/>
+      </a:accent1>
+      <a:accent2>
+        <a:srgbClr val="C0504D"/>
+      </a:accent2>
+      <a:accent3>
+        <a:srgbClr val="9BBB59"/>
+      </a:accent3>
+      <a:accent4>
+        <a:srgbClr val="8064A2"/>
+      </a:accent4>
+      <a:accent5>
+        <a:srgbClr val="4BACC6"/>
+      </a:accent5>
+      <a:accent6>
+        <a:srgbClr val="F79646"/>
+      </a:accent6>
+      <a:hlink>
+        <a:srgbClr val="0000FF"/>
+      </a:hlink>
+      <a:folHlink>
+        <a:srgbClr val="800080"/>
+      </a:folHlink>
+    </a:clrScheme>
+    <a:fontScheme name="Office">
+      <a:majorFont>
+        <a:latin typeface="Calibri"/>
+        <a:ea typeface=""/>
+        <a:cs typeface=""/>
+        <a:font script="Jpan" typeface="ＭＳ Ｐゴシック"/>
+        <a:font script="Hang" typeface="맑은 고딕"/>
+        <a:font script="Hans" typeface="宋体"/>
+        <a:font script="Hant" typeface="新細明體"/>
+        <a:font script="Arab" typeface="Times New Roman"/>
+        <a:font script="Hebr" typeface="Times New Roman"/>
+        <a:font script="Thai" typeface="Angsana New"/>
+        <a:font script="Ethi" typeface="Nyala"/>
+        <a:font script="Beng" typeface="Vrinda"/>
+        <a:font script="Gujr" typeface="Shruti"/>
+        <a:font script="Khmr" typeface="MoolBoran"/>
+        <a:font script="Knda" typeface="Tunga"/>
+        <a:font script="Guru" typeface="Raavi"/>
+        <a:font script="Cans" typeface="Euphemia"/>
+        <a:font script="Cher" typeface="Plantagenet Cherokee"/>
+        <a:font script="Yiii" typeface="Microsoft Yi Baiti"/>
+        <a:font script="Tibt" typeface="Microsoft Himalaya"/>
+        <a:font script="Thaa" typeface="MV Boli"/>
+        <a:font script="Deva" typeface="Mangal"/>
+        <a:font script="Telu" typeface="Gautami"/>
+        <a:font script="Taml" typeface="Latha"/>
+        <a:font script="Syrc" typeface="Estrangelo Edessa"/>
+        <a:font script="Orya" typeface="Kalinga"/>
+        <a:font script="Mlym" typeface="Kartika"/>
+        <a:font script="Laoo" typeface="DokChampa"/>
+        <a:font script="Sinh" typeface="Iskoola Pota"/>
+        <a:font script="Mong" typeface="Mongolian Baiti"/>
+        <a:font script="Viet" typeface="Times New Roman"/>
+        <a:font script="Uigh" typeface="Microsoft Uighur"/>
+      </a:majorFont>
+      <a:minorFont>
+        <a:latin typeface="Calibri"/>
+        <a:ea typeface=""/>
+        <a:cs typeface=""/>
+        <a:font script="Jpan" typeface="ＭＳ Ｐゴシック"/>
+        <a:font script="Hang" typeface="맑은 고딕"/>
+        <a:font script="Hans" typeface="宋体"/>
+        <a:font script="Hant" typeface="新細明體"/>
+        <a:font script="Arab" typeface="Arial"/>
+        <a:font script="Hebr" typeface="Arial"/>
+        <a:font script="Thai" typeface="Cordia New"/>
+        <a:font script="Ethi" typeface="Nyala"/>
+        <a:font script="Beng" typeface="Vrinda"/>
+        <a:font script="Gujr" typeface="Shruti"/>
+        <a:font script="Khmr" typeface="DaunPenh"/>
+        <a:font script="Knda" typeface="Tunga"/>
+        <a:font script="Guru" typeface="Raavi"/>
+        <a:font script="Cans" typeface="Euphemia"/>
+        <a:font script="Cher" typeface="Plantagenet Cherokee"/>
+        <a:font script="Yiii" typeface="Microsoft Yi Baiti"/>
+        <a:font script="Tibt" typeface="Microsoft Himalaya"/>
+        <a:font script="Thaa" typeface="MV Boli"/>
+        <a:font script="Deva" typeface="Mangal"/>
+        <a:font script="Telu" typeface="Gautami"/>
+        <a:font script="Taml" typeface="Latha"/>
+        <a:font script="Syrc" typeface="Estrangelo Edessa"/>
+        <a:font script="Orya" typeface="Kalinga"/>
+        <a:font script="Mlym" typeface="Kartika"/>
+        <a:font script="Laoo" typeface="DokChampa"/>
+        <a:font script="Sinh" typeface="Iskoola Pota"/>
+        <a:font script="Mong" typeface="Mongolian Baiti"/>
+        <a:font script="Viet" typeface="Arial"/>
+        <a:font script="Uigh" typeface="Microsoft Uighur"/>
+      </a:minorFont>
+    </a:fontScheme>
+    <a:fmtScheme name="Office">
+      <a:fillStyleLst>
+        <a:solidFill>
+          <a:schemeClr val="phClr"/>
+        </a:solidFill>
+        <a:gradFill rotWithShape="1">
+          <a:gsLst>
+            <a:gs pos="0">
+              <a:schemeClr val="phClr">
+                <a:tint val="50000"/>
+                <a:satMod val="300000"/>
+              </a:schemeClr>
+            </a:gs>
+            <a:gs pos="35000">
+              <a:schemeClr val="phClr">
+                <a:tint val="37000"/>
+                <a:satMod val="300000"/>
+              </a:schemeClr>
+            </a:gs>
+            <a:gs pos="100000">
+              <a:schemeClr val="phClr">
+                <a:tint val="15000"/>
+                <a:satMod val="350000"/>
+              </a:schemeClr>
+            </a:gs>
+          </a:gsLst>
+          <a:lin ang="16200000" scaled="1"/>
+        </a:gradFill>
+        <a:gradFill rotWithShape="1">
+          <a:gsLst>
+            <a:gs pos="0">
+              <a:schemeClr val="phClr">
+                <a:shade val="51000"/>
+                <a:satMod val="130000"/>
+              </a:schemeClr>
+            </a:gs>
+            <a:gs pos="80000">
+              <a:schemeClr val="phClr">
+                <a:shade val="93000"/>
+                <a:satMod val="130000"/>
+              </a:schemeClr>
+            </a:gs>
+            <a:gs pos="100000">
+              <a:schemeClr val="phClr">
+                <a:shade val="94000"/>
+                <a:satMod val="135000"/>
+              </a:schemeClr>
+            </a:gs>
+          </a:gsLst>
+          <a:lin ang="16200000" scaled="0"/>
+        </a:gradFill>
+      </a:fillStyleLst>
+      <a:lnStyleLst>
+        <a:ln w="9525" cap="flat" cmpd="sng" algn="ctr">
+          <a:solidFill>
+            <a:schemeClr val="phClr">
+              <a:shade val="95000"/>
+              <a:satMod val="105000"/>
+            </a:schemeClr>
+          </a:solidFill>
+          <a:prstDash val="solid"/>
+        </a:ln>
+        <a:ln w="25400" cap="flat" cmpd="sng" algn="ctr">
+          <a:solidFill>
+            <a:schemeClr val="phClr"/>
+          </a:solidFill>
+          <a:prstDash val="solid"/>
+        </a:ln>
+        <a:ln w="38100" cap="flat" cmpd="sng" algn="ctr">
+          <a:solidFill>
+            <a:schemeClr val="phClr"/>
+          </a:solidFill>
+          <a:prstDash val="solid"/>
+        </a:ln>
+      </a:lnStyleLst>
+      <a:effectStyleLst>
+        <a:effectStyle>
+          <a:effectLst>
+            <a:outerShdw blurRad="40000" dist="20000" dir="5400000" rotWithShape="0">
+              <a:srgbClr val="000000">
+                <a:alpha val="38000"/>
+              </a:srgbClr>
+            </a:outerShdw>
+          </a:effectLst>
+        </a:effectStyle>
+        <a:effectStyle>
+          <a:effectLst>
+            <a:outerShdw blurRad="40000" dist="23000" dir="5400000" rotWithShape="0">
+              <a:srgbClr val="000000">
+                <a:alpha val="35000"/>
+              </a:srgbClr>
+            </a:outerShdw>
+          </a:effectLst>
+        </a:effectStyle>
+        <a:effectStyle>
+          <a:effectLst>
+            <a:outerShdw blurRad="40000" dist="23000" dir="5400000" rotWithShape="0">
+              <a:srgbClr val="000000">
+                <a:alpha val="35000"/>
+              </a:srgbClr>
+            </a:outerShdw>
+          </a:effectLst>
+          <a:scene3d>
+            <a:camera prst="orthographicFront">
+              <a:rot lat="0" lon="0" rev="0"/>
+            </a:camera>
+            <a:lightRig rig="threePt" dir="t">
+              <a:rot lat="0" lon="0" rev="1200000"/>
+            </a:lightRig>
+          </a:scene3d>
+          <a:sp3d>
+            <a:bevelT w="63500" h="25400"/>
+          </a:sp3d>
+        </a:effectStyle>
+      </a:effectStyleLst>
+      <a:bgFillStyleLst>
+        <a:solidFill>
+          <a:schemeClr val="phClr"/>
+        </a:solidFill>
+        <a:gradFill rotWithShape="1">
+          <a:gsLst>
+            <a:gs pos="0">
+              <a:schemeClr val="phClr">
+                <a:tint val="40000"/>
+                <a:satMod val="350000"/>
+              </a:schemeClr>
+            </a:gs>
+            <a:gs pos="40000">
+              <a:schemeClr val="phClr">
+                <a:tint val="45000"/>
+                <a:shade val="99000"/>
+                <a:satMod val="350000"/>
+              </a:schemeClr>
+            </a:gs>
+            <a:gs pos="100000">
+              <a:schemeClr val="phClr">
+                <a:shade val="20000"/>
+                <a:satMod val="255000"/>
+              </a:schemeClr>
+            </a:gs>
+          </a:gsLst>
+          <a:path path="circle">
+            <a:fillToRect l="50000" t="-80000" r="50000" b="180000"/>
+          </a:path>
+        </a:gradFill>
+        <a:gradFill rotWithShape="1">
+          <a:gsLst>
+            <a:gs pos="0">
+              <a:schemeClr val="phClr">
+                <a:tint val="80000"/>
+                <a:satMod val="300000"/>
+              </a:schemeClr>
+            </a:gs>
+            <a:gs pos="100000">
+              <a:schemeClr val="phClr">
+                <a:shade val="30000"/>
+                <a:satMod val="200000"/>
+              </a:schemeClr>
+            </a:gs>
+          </a:gsLst>
+          <a:path path="circle">
+            <a:fillToRect l="50000" t="50000" r="50000" b="50000"/>
+          </a:path>
+        </a:gradFill>
+      </a:bgFillStyleLst>
+    </a:fmtScheme>
+  </a:themeElements>
+  <a:objectDefaults/>
+  <a:extraClrSchemeLst/>
+</a:theme>
 </file>
--- a/Mobile Musical Moments.pptx
+++ b/Mobile Musical Moments.pptx
@@ -5,7 +5,7 @@
     <p:sldMasterId id="2147483648" r:id="rId1"/>
   </p:sldMasterIdLst>
   <p:notesMasterIdLst>
-    <p:notesMasterId r:id="rId17"/>
+    <p:notesMasterId r:id="rId15"/>
   </p:notesMasterIdLst>
   <p:sldIdLst>
     <p:sldId id="256" r:id="rId2"/>
@@ -19,10 +19,8 @@
     <p:sldId id="272" r:id="rId10"/>
     <p:sldId id="273" r:id="rId11"/>
     <p:sldId id="274" r:id="rId12"/>
-    <p:sldId id="275" r:id="rId13"/>
-    <p:sldId id="276" r:id="rId14"/>
-    <p:sldId id="277" r:id="rId15"/>
-    <p:sldId id="278" r:id="rId16"/>
+    <p:sldId id="279" r:id="rId13"/>
+    <p:sldId id="280" r:id="rId14"/>
   </p:sldIdLst>
   <p:sldSz cx="9144000" cy="6858000" type="screen4x3"/>
   <p:notesSz cx="6858000" cy="9144000"/>
@@ -236,6 +234,7 @@
           <a:p>
             <a:fld id="{C09D455E-8651-4972-B2D8-298C8DCAC96F}" type="datetimeFigureOut">
               <a:rPr lang="en-US" smtClean="0"/>
+              <a:pPr/>
               <a:t>10/22/2008</a:t>
             </a:fld>
             <a:endParaRPr lang="en-NZ"/>
@@ -397,6 +396,7 @@
           <a:p>
             <a:fld id="{36115F50-61B2-4D8F-BC7C-EA77119E005B}" type="slidenum">
               <a:rPr lang="en-NZ" smtClean="0"/>
+              <a:pPr/>
               <a:t>‹#›</a:t>
             </a:fld>
             <a:endParaRPr lang="en-NZ"/>
@@ -530,7 +530,7 @@
         <p:nvSpPr>
           <p:cNvPr id="23553" name="Rectangle 1"/>
           <p:cNvSpPr txBox="1">
-            <a:spLocks noChangeArrowheads="1"/>
+            <a:spLocks noGrp="1" noRot="1" noChangeAspect="1" noChangeArrowheads="1"/>
           </p:cNvSpPr>
           <p:nvPr>
             <p:ph type="sldImg"/>
@@ -561,7 +561,7 @@
         <p:nvSpPr>
           <p:cNvPr id="23554" name="Rectangle 2"/>
           <p:cNvSpPr txBox="1">
-            <a:spLocks noChangeArrowheads="1"/>
+            <a:spLocks noGrp="1" noChangeArrowheads="1"/>
           </p:cNvSpPr>
           <p:nvPr>
             <p:ph type="body" idx="1"/>
@@ -627,7 +627,7 @@
         <p:nvSpPr>
           <p:cNvPr id="24577" name="Rectangle 1"/>
           <p:cNvSpPr txBox="1">
-            <a:spLocks noChangeArrowheads="1"/>
+            <a:spLocks noGrp="1" noRot="1" noChangeAspect="1" noChangeArrowheads="1"/>
           </p:cNvSpPr>
           <p:nvPr>
             <p:ph type="sldImg"/>
@@ -658,7 +658,7 @@
         <p:nvSpPr>
           <p:cNvPr id="24578" name="Rectangle 2"/>
           <p:cNvSpPr txBox="1">
-            <a:spLocks noChangeArrowheads="1"/>
+            <a:spLocks noGrp="1" noChangeArrowheads="1"/>
           </p:cNvSpPr>
           <p:nvPr>
             <p:ph type="body" idx="1"/>
@@ -724,7 +724,7 @@
         <p:nvSpPr>
           <p:cNvPr id="20481" name="Rectangle 1"/>
           <p:cNvSpPr txBox="1">
-            <a:spLocks noChangeArrowheads="1"/>
+            <a:spLocks noGrp="1" noRot="1" noChangeAspect="1" noChangeArrowheads="1"/>
           </p:cNvSpPr>
           <p:nvPr>
             <p:ph type="sldImg"/>
@@ -755,7 +755,7 @@
         <p:nvSpPr>
           <p:cNvPr id="20482" name="Rectangle 2"/>
           <p:cNvSpPr txBox="1">
-            <a:spLocks noChangeArrowheads="1"/>
+            <a:spLocks noGrp="1" noChangeArrowheads="1"/>
           </p:cNvSpPr>
           <p:nvPr>
             <p:ph type="body" idx="1"/>
@@ -780,7 +780,105 @@
           <a:bodyPr wrap="none" anchor="ctr"/>
           <a:lstStyle/>
           <a:p>
-            <a:endParaRPr lang="en-US"/>
+            <a:r>
+              <a:rPr lang="en-US" dirty="0" smtClean="0"/>
+              <a:t>Server will only allow one connection at</a:t>
+            </a:r>
+            <a:r>
+              <a:rPr lang="en-US" baseline="0" dirty="0" smtClean="0"/>
+              <a:t> a time</a:t>
+            </a:r>
+            <a:endParaRPr lang="en-US" dirty="0"/>
+          </a:p>
+        </p:txBody>
+      </p:sp>
+    </p:spTree>
+  </p:cSld>
+  <p:clrMapOvr>
+    <a:masterClrMapping/>
+  </p:clrMapOvr>
+</p:notes>
+</file>
+
+<file path=ppt/notesSlides/notesSlide4.xml><?xml version="1.0" encoding="utf-8"?>
+<p:notes xmlns:a="http://schemas.openxmlformats.org/drawingml/2006/main" xmlns:r="http://schemas.openxmlformats.org/officeDocument/2006/relationships" xmlns:p="http://schemas.openxmlformats.org/presentationml/2006/main">
+  <p:cSld>
+    <p:spTree>
+      <p:nvGrpSpPr>
+        <p:cNvPr id="1" name=""/>
+        <p:cNvGrpSpPr/>
+        <p:nvPr/>
+      </p:nvGrpSpPr>
+      <p:grpSpPr>
+        <a:xfrm>
+          <a:off x="0" y="0"/>
+          <a:ext cx="0" cy="0"/>
+          <a:chOff x="0" y="0"/>
+          <a:chExt cx="0" cy="0"/>
+        </a:xfrm>
+      </p:grpSpPr>
+      <p:sp>
+        <p:nvSpPr>
+          <p:cNvPr id="2" name="Slide Image Placeholder 1"/>
+          <p:cNvSpPr>
+            <a:spLocks noGrp="1" noRot="1" noChangeAspect="1"/>
+          </p:cNvSpPr>
+          <p:nvPr>
+            <p:ph type="sldImg"/>
+          </p:nvPr>
+        </p:nvSpPr>
+        <p:spPr/>
+      </p:sp>
+      <p:sp>
+        <p:nvSpPr>
+          <p:cNvPr id="3" name="Notes Placeholder 2"/>
+          <p:cNvSpPr>
+            <a:spLocks noGrp="1"/>
+          </p:cNvSpPr>
+          <p:nvPr>
+            <p:ph type="body" idx="1"/>
+          </p:nvPr>
+        </p:nvSpPr>
+        <p:spPr/>
+        <p:txBody>
+          <a:bodyPr>
+            <a:normAutofit/>
+          </a:bodyPr>
+          <a:lstStyle/>
+          <a:p>
+            <a:r>
+              <a:rPr lang="en-NZ" dirty="0" smtClean="0"/>
+              <a:t>Solution:</a:t>
+            </a:r>
+            <a:r>
+              <a:rPr lang="en-NZ" baseline="0" dirty="0" smtClean="0"/>
+              <a:t> Put each connection into a thread. Each incoming connection will go into its own thread.</a:t>
+            </a:r>
+            <a:endParaRPr lang="en-NZ" dirty="0"/>
+          </a:p>
+        </p:txBody>
+      </p:sp>
+      <p:sp>
+        <p:nvSpPr>
+          <p:cNvPr id="4" name="Slide Number Placeholder 3"/>
+          <p:cNvSpPr>
+            <a:spLocks noGrp="1"/>
+          </p:cNvSpPr>
+          <p:nvPr>
+            <p:ph type="sldNum" sz="quarter" idx="10"/>
+          </p:nvPr>
+        </p:nvSpPr>
+        <p:spPr/>
+        <p:txBody>
+          <a:bodyPr/>
+          <a:lstStyle/>
+          <a:p>
+            <a:fld id="{36115F50-61B2-4D8F-BC7C-EA77119E005B}" type="slidenum">
+              <a:rPr lang="en-NZ" smtClean="0"/>
+              <a:pPr/>
+              <a:t>12</a:t>
+            </a:fld>
+            <a:endParaRPr lang="en-NZ"/>
           </a:p>
         </p:txBody>
       </p:sp>
@@ -4410,29 +4508,187 @@
       </p:sp>
       <p:sp>
         <p:nvSpPr>
-          <p:cNvPr id="18434" name="Content Placeholder 2"/>
-          <p:cNvSpPr>
-            <a:spLocks noGrp="1"/>
-          </p:cNvSpPr>
-          <p:nvPr>
-            <p:ph idx="1"/>
-          </p:nvPr>
-        </p:nvSpPr>
-        <p:spPr/>
-        <p:txBody>
-          <a:bodyPr/>
+          <p:cNvPr id="5" name="Flowchart: Magnetic Disk 4"/>
+          <p:cNvSpPr/>
+          <p:nvPr/>
+        </p:nvSpPr>
+        <p:spPr>
+          <a:xfrm>
+            <a:off x="5715008" y="3013251"/>
+            <a:ext cx="2143140" cy="1833575"/>
+          </a:xfrm>
+          <a:prstGeom prst="flowChartMagneticDisk">
+            <a:avLst/>
+          </a:prstGeom>
+        </p:spPr>
+        <p:style>
+          <a:lnRef idx="2">
+            <a:schemeClr val="accent1">
+              <a:shade val="50000"/>
+            </a:schemeClr>
+          </a:lnRef>
+          <a:fillRef idx="1">
+            <a:schemeClr val="accent1"/>
+          </a:fillRef>
+          <a:effectRef idx="0">
+            <a:schemeClr val="accent1"/>
+          </a:effectRef>
+          <a:fontRef idx="minor">
+            <a:schemeClr val="lt1"/>
+          </a:fontRef>
+        </p:style>
+        <p:txBody>
+          <a:bodyPr rtlCol="0" anchor="ctr"/>
           <a:lstStyle/>
           <a:p>
-            <a:r>
-              <a:rPr lang="en-NZ" smtClean="0"/>
-              <a:t>When a incoming connection is received it challenges with client with a code as a means to provide some small amount of security</a:t>
-            </a:r>
-          </a:p>
-          <a:p>
-            <a:r>
-              <a:rPr lang="en-NZ" smtClean="0"/>
-              <a:t>The client must provide the correct response code otherwise the server will simply close the connection</a:t>
-            </a:r>
+            <a:pPr algn="ctr"/>
+            <a:r>
+              <a:rPr lang="en-NZ" sz="2800" dirty="0" smtClean="0"/>
+              <a:t>SERVER</a:t>
+            </a:r>
+            <a:endParaRPr lang="en-NZ" sz="2800" dirty="0"/>
+          </a:p>
+        </p:txBody>
+      </p:sp>
+      <p:sp>
+        <p:nvSpPr>
+          <p:cNvPr id="6" name="Flowchart: Card 5"/>
+          <p:cNvSpPr/>
+          <p:nvPr/>
+        </p:nvSpPr>
+        <p:spPr>
+          <a:xfrm>
+            <a:off x="1357290" y="3143248"/>
+            <a:ext cx="2143140" cy="1571636"/>
+          </a:xfrm>
+          <a:prstGeom prst="flowChartPunchedCard">
+            <a:avLst/>
+          </a:prstGeom>
+        </p:spPr>
+        <p:style>
+          <a:lnRef idx="2">
+            <a:schemeClr val="accent1">
+              <a:shade val="50000"/>
+            </a:schemeClr>
+          </a:lnRef>
+          <a:fillRef idx="1">
+            <a:schemeClr val="accent1"/>
+          </a:fillRef>
+          <a:effectRef idx="0">
+            <a:schemeClr val="accent1"/>
+          </a:effectRef>
+          <a:fontRef idx="minor">
+            <a:schemeClr val="lt1"/>
+          </a:fontRef>
+        </p:style>
+        <p:txBody>
+          <a:bodyPr rtlCol="0" anchor="ctr"/>
+          <a:lstStyle/>
+          <a:p>
+            <a:pPr algn="ctr"/>
+            <a:r>
+              <a:rPr lang="en-NZ" sz="2800" dirty="0" smtClean="0"/>
+              <a:t>CLIENT</a:t>
+            </a:r>
+          </a:p>
+        </p:txBody>
+      </p:sp>
+      <p:cxnSp>
+        <p:nvCxnSpPr>
+          <p:cNvPr id="8" name="Straight Arrow Connector 7"/>
+          <p:cNvCxnSpPr>
+            <a:stCxn id="6" idx="3"/>
+            <a:endCxn id="5" idx="2"/>
+          </p:cNvCxnSpPr>
+          <p:nvPr/>
+        </p:nvCxnSpPr>
+        <p:spPr>
+          <a:xfrm>
+            <a:off x="3500430" y="3929066"/>
+            <a:ext cx="2214578" cy="973"/>
+          </a:xfrm>
+          <a:prstGeom prst="straightConnector1">
+            <a:avLst/>
+          </a:prstGeom>
+          <a:ln>
+            <a:tailEnd type="arrow"/>
+          </a:ln>
+        </p:spPr>
+        <p:style>
+          <a:lnRef idx="3">
+            <a:schemeClr val="dk1"/>
+          </a:lnRef>
+          <a:fillRef idx="0">
+            <a:schemeClr val="dk1"/>
+          </a:fillRef>
+          <a:effectRef idx="2">
+            <a:schemeClr val="dk1"/>
+          </a:effectRef>
+          <a:fontRef idx="minor">
+            <a:schemeClr val="tx1"/>
+          </a:fontRef>
+        </p:style>
+      </p:cxnSp>
+      <p:cxnSp>
+        <p:nvCxnSpPr>
+          <p:cNvPr id="12" name="Straight Arrow Connector 11"/>
+          <p:cNvCxnSpPr/>
+          <p:nvPr/>
+        </p:nvCxnSpPr>
+        <p:spPr>
+          <a:xfrm rot="10800000" flipV="1">
+            <a:off x="3428992" y="4071941"/>
+            <a:ext cx="2286016" cy="1323"/>
+          </a:xfrm>
+          <a:prstGeom prst="straightConnector1">
+            <a:avLst/>
+          </a:prstGeom>
+          <a:ln>
+            <a:tailEnd type="arrow"/>
+          </a:ln>
+        </p:spPr>
+        <p:style>
+          <a:lnRef idx="3">
+            <a:schemeClr val="dk1"/>
+          </a:lnRef>
+          <a:fillRef idx="0">
+            <a:schemeClr val="dk1"/>
+          </a:fillRef>
+          <a:effectRef idx="2">
+            <a:schemeClr val="dk1"/>
+          </a:effectRef>
+          <a:fontRef idx="minor">
+            <a:schemeClr val="tx1"/>
+          </a:fontRef>
+        </p:style>
+      </p:cxnSp>
+      <p:sp>
+        <p:nvSpPr>
+          <p:cNvPr id="18" name="TextBox 17"/>
+          <p:cNvSpPr txBox="1"/>
+          <p:nvPr/>
+        </p:nvSpPr>
+        <p:spPr>
+          <a:xfrm>
+            <a:off x="3786182" y="3571876"/>
+            <a:ext cx="1285884" cy="369332"/>
+          </a:xfrm>
+          <a:prstGeom prst="rect">
+            <a:avLst/>
+          </a:prstGeom>
+          <a:noFill/>
+        </p:spPr>
+        <p:txBody>
+          <a:bodyPr wrap="square" rtlCol="0">
+            <a:spAutoFit/>
+          </a:bodyPr>
+          <a:lstStyle/>
+          <a:p>
+            <a:r>
+              <a:rPr lang="en-NZ" dirty="0" smtClean="0"/>
+              <a:t>Challenge</a:t>
+            </a:r>
+            <a:endParaRPr lang="en-NZ" dirty="0"/>
           </a:p>
         </p:txBody>
       </p:sp>
@@ -4543,78 +4799,383 @@
           </a:p>
         </p:txBody>
       </p:sp>
-      <p:sp>
-        <p:nvSpPr>
-          <p:cNvPr id="9218" name="Text Box 2"/>
-          <p:cNvSpPr txBox="1">
-            <a:spLocks noChangeArrowheads="1"/>
-          </p:cNvSpPr>
+      <p:grpSp>
+        <p:nvGrpSpPr>
+          <p:cNvPr id="20" name="Group 19"/>
+          <p:cNvGrpSpPr/>
           <p:nvPr/>
-        </p:nvSpPr>
-        <p:spPr bwMode="auto">
+        </p:nvGrpSpPr>
+        <p:grpSpPr>
           <a:xfrm>
-            <a:off x="457200" y="1857375"/>
-            <a:ext cx="8229600" cy="4679950"/>
+            <a:off x="2000232" y="2214554"/>
+            <a:ext cx="5429288" cy="2827226"/>
+            <a:chOff x="2000232" y="2214554"/>
+            <a:chExt cx="5429288" cy="2827226"/>
           </a:xfrm>
-          <a:prstGeom prst="rect">
-            <a:avLst/>
-          </a:prstGeom>
-          <a:noFill/>
-          <a:ln w="9525">
-            <a:noFill/>
-            <a:round/>
-            <a:headEnd/>
-            <a:tailEnd/>
-          </a:ln>
-          <a:effectLst/>
-        </p:spPr>
-        <p:txBody>
-          <a:bodyPr/>
-          <a:lstStyle/>
-          <a:p>
-            <a:pPr marL="341313" indent="-341313">
-              <a:lnSpc>
-                <a:spcPct val="90000"/>
-              </a:lnSpc>
-              <a:spcBef>
-                <a:spcPts val="800"/>
-              </a:spcBef>
-              <a:buFont typeface="Arial" charset="0"/>
-              <a:buChar char="•"/>
-              <a:tabLst>
-                <a:tab pos="911225" algn="l"/>
-                <a:tab pos="1825625" algn="l"/>
-                <a:tab pos="2740025" algn="l"/>
-                <a:tab pos="3654425" algn="l"/>
-                <a:tab pos="4568825" algn="l"/>
-                <a:tab pos="5483225" algn="l"/>
-                <a:tab pos="6397625" algn="l"/>
-                <a:tab pos="7312025" algn="l"/>
-                <a:tab pos="8226425" algn="l"/>
-                <a:tab pos="9140825" algn="l"/>
-                <a:tab pos="10055225" algn="l"/>
-              </a:tabLst>
-            </a:pPr>
-            <a:r>
-              <a:rPr lang="en-NZ" sz="3200" dirty="0" smtClean="0">
-                <a:solidFill>
-                  <a:srgbClr val="000000"/>
-                </a:solidFill>
-                <a:ea typeface="DejaVu Sans" charset="0"/>
-                <a:cs typeface="DejaVu Sans" charset="0"/>
-              </a:rPr>
-              <a:t>To allow for concurrent  connections the server is written using Threads</a:t>
-            </a:r>
-            <a:endParaRPr lang="en-NZ" sz="3200" dirty="0">
-              <a:solidFill>
-                <a:srgbClr val="000000"/>
-              </a:solidFill>
-              <a:ea typeface="DejaVu Sans" charset="0"/>
-              <a:cs typeface="DejaVu Sans" charset="0"/>
-            </a:endParaRPr>
-          </a:p>
-        </p:txBody>
-      </p:sp>
+        </p:grpSpPr>
+        <p:sp>
+          <p:nvSpPr>
+            <p:cNvPr id="4" name="Flowchart: Magnetic Disk 3"/>
+            <p:cNvSpPr/>
+            <p:nvPr/>
+          </p:nvSpPr>
+          <p:spPr>
+            <a:xfrm>
+              <a:off x="3571868" y="3857628"/>
+              <a:ext cx="1343028" cy="1184152"/>
+            </a:xfrm>
+            <a:prstGeom prst="flowChartMagneticDisk">
+              <a:avLst/>
+            </a:prstGeom>
+          </p:spPr>
+          <p:style>
+            <a:lnRef idx="2">
+              <a:schemeClr val="accent1">
+                <a:shade val="50000"/>
+              </a:schemeClr>
+            </a:lnRef>
+            <a:fillRef idx="1">
+              <a:schemeClr val="accent1"/>
+            </a:fillRef>
+            <a:effectRef idx="0">
+              <a:schemeClr val="accent1"/>
+            </a:effectRef>
+            <a:fontRef idx="minor">
+              <a:schemeClr val="lt1"/>
+            </a:fontRef>
+          </p:style>
+          <p:txBody>
+            <a:bodyPr rtlCol="0" anchor="ctr"/>
+            <a:lstStyle/>
+            <a:p>
+              <a:pPr algn="ctr"/>
+              <a:r>
+                <a:rPr lang="en-NZ" dirty="0" smtClean="0"/>
+                <a:t>SERVER</a:t>
+              </a:r>
+              <a:endParaRPr lang="en-NZ" dirty="0"/>
+            </a:p>
+          </p:txBody>
+        </p:sp>
+        <p:sp>
+          <p:nvSpPr>
+            <p:cNvPr id="5" name="Flowchart: Card 4"/>
+            <p:cNvSpPr/>
+            <p:nvPr/>
+          </p:nvSpPr>
+          <p:spPr>
+            <a:xfrm>
+              <a:off x="2000232" y="2285992"/>
+              <a:ext cx="1643074" cy="857256"/>
+            </a:xfrm>
+            <a:prstGeom prst="flowChartPunchedCard">
+              <a:avLst/>
+            </a:prstGeom>
+          </p:spPr>
+          <p:style>
+            <a:lnRef idx="2">
+              <a:schemeClr val="accent1">
+                <a:shade val="50000"/>
+              </a:schemeClr>
+            </a:lnRef>
+            <a:fillRef idx="1">
+              <a:schemeClr val="accent1"/>
+            </a:fillRef>
+            <a:effectRef idx="0">
+              <a:schemeClr val="accent1"/>
+            </a:effectRef>
+            <a:fontRef idx="minor">
+              <a:schemeClr val="lt1"/>
+            </a:fontRef>
+          </p:style>
+          <p:txBody>
+            <a:bodyPr rtlCol="0" anchor="ctr"/>
+            <a:lstStyle/>
+            <a:p>
+              <a:pPr algn="ctr"/>
+              <a:r>
+                <a:rPr lang="en-NZ" dirty="0" smtClean="0"/>
+                <a:t>INCOMING CONNECTION</a:t>
+              </a:r>
+              <a:endParaRPr lang="en-NZ" dirty="0"/>
+            </a:p>
+          </p:txBody>
+        </p:sp>
+        <p:sp>
+          <p:nvSpPr>
+            <p:cNvPr id="6" name="Flowchart: Card 5"/>
+            <p:cNvSpPr/>
+            <p:nvPr/>
+          </p:nvSpPr>
+          <p:spPr>
+            <a:xfrm>
+              <a:off x="3929058" y="2214554"/>
+              <a:ext cx="1643074" cy="857256"/>
+            </a:xfrm>
+            <a:prstGeom prst="flowChartPunchedCard">
+              <a:avLst/>
+            </a:prstGeom>
+          </p:spPr>
+          <p:style>
+            <a:lnRef idx="2">
+              <a:schemeClr val="accent1">
+                <a:shade val="50000"/>
+              </a:schemeClr>
+            </a:lnRef>
+            <a:fillRef idx="1">
+              <a:schemeClr val="accent1"/>
+            </a:fillRef>
+            <a:effectRef idx="0">
+              <a:schemeClr val="accent1"/>
+            </a:effectRef>
+            <a:fontRef idx="minor">
+              <a:schemeClr val="lt1"/>
+            </a:fontRef>
+          </p:style>
+          <p:txBody>
+            <a:bodyPr rtlCol="0" anchor="ctr"/>
+            <a:lstStyle/>
+            <a:p>
+              <a:pPr algn="ctr"/>
+              <a:r>
+                <a:rPr lang="en-NZ" dirty="0" smtClean="0"/>
+                <a:t>INCOMING CONNECTION</a:t>
+              </a:r>
+              <a:endParaRPr lang="en-NZ" dirty="0"/>
+            </a:p>
+          </p:txBody>
+        </p:sp>
+        <p:sp>
+          <p:nvSpPr>
+            <p:cNvPr id="7" name="Flowchart: Card 6"/>
+            <p:cNvSpPr/>
+            <p:nvPr/>
+          </p:nvSpPr>
+          <p:spPr>
+            <a:xfrm>
+              <a:off x="5786446" y="2214554"/>
+              <a:ext cx="1643074" cy="857256"/>
+            </a:xfrm>
+            <a:prstGeom prst="flowChartPunchedCard">
+              <a:avLst/>
+            </a:prstGeom>
+          </p:spPr>
+          <p:style>
+            <a:lnRef idx="2">
+              <a:schemeClr val="accent1">
+                <a:shade val="50000"/>
+              </a:schemeClr>
+            </a:lnRef>
+            <a:fillRef idx="1">
+              <a:schemeClr val="accent1"/>
+            </a:fillRef>
+            <a:effectRef idx="0">
+              <a:schemeClr val="accent1"/>
+            </a:effectRef>
+            <a:fontRef idx="minor">
+              <a:schemeClr val="lt1"/>
+            </a:fontRef>
+          </p:style>
+          <p:txBody>
+            <a:bodyPr rtlCol="0" anchor="ctr"/>
+            <a:lstStyle/>
+            <a:p>
+              <a:pPr algn="ctr"/>
+              <a:r>
+                <a:rPr lang="en-NZ" dirty="0" smtClean="0"/>
+                <a:t>INCOMING CONNECTION</a:t>
+              </a:r>
+              <a:endParaRPr lang="en-NZ" dirty="0"/>
+            </a:p>
+          </p:txBody>
+        </p:sp>
+        <p:cxnSp>
+          <p:nvCxnSpPr>
+            <p:cNvPr id="9" name="Straight Arrow Connector 8"/>
+            <p:cNvCxnSpPr>
+              <a:stCxn id="5" idx="2"/>
+              <a:endCxn id="4" idx="1"/>
+            </p:cNvCxnSpPr>
+            <p:nvPr/>
+          </p:nvCxnSpPr>
+          <p:spPr>
+            <a:xfrm rot="16200000" flipH="1">
+              <a:off x="3175385" y="2789631"/>
+              <a:ext cx="714380" cy="1421613"/>
+            </a:xfrm>
+            <a:prstGeom prst="straightConnector1">
+              <a:avLst/>
+            </a:prstGeom>
+            <a:ln>
+              <a:tailEnd type="arrow"/>
+            </a:ln>
+          </p:spPr>
+          <p:style>
+            <a:lnRef idx="3">
+              <a:schemeClr val="dk1"/>
+            </a:lnRef>
+            <a:fillRef idx="0">
+              <a:schemeClr val="dk1"/>
+            </a:fillRef>
+            <a:effectRef idx="2">
+              <a:schemeClr val="dk1"/>
+            </a:effectRef>
+            <a:fontRef idx="minor">
+              <a:schemeClr val="tx1"/>
+            </a:fontRef>
+          </p:style>
+        </p:cxnSp>
+        <p:cxnSp>
+          <p:nvCxnSpPr>
+            <p:cNvPr id="11" name="Straight Connector 10"/>
+            <p:cNvCxnSpPr>
+              <a:stCxn id="6" idx="2"/>
+            </p:cNvCxnSpPr>
+            <p:nvPr/>
+          </p:nvCxnSpPr>
+          <p:spPr>
+            <a:xfrm rot="5400000">
+              <a:off x="4411264" y="3232547"/>
+              <a:ext cx="500068" cy="178595"/>
+            </a:xfrm>
+            <a:prstGeom prst="line">
+              <a:avLst/>
+            </a:prstGeom>
+            <a:ln>
+              <a:tailEnd type="arrow"/>
+            </a:ln>
+          </p:spPr>
+          <p:style>
+            <a:lnRef idx="3">
+              <a:schemeClr val="dk1"/>
+            </a:lnRef>
+            <a:fillRef idx="0">
+              <a:schemeClr val="dk1"/>
+            </a:fillRef>
+            <a:effectRef idx="2">
+              <a:schemeClr val="dk1"/>
+            </a:effectRef>
+            <a:fontRef idx="minor">
+              <a:schemeClr val="tx1"/>
+            </a:fontRef>
+          </p:style>
+        </p:cxnSp>
+        <p:cxnSp>
+          <p:nvCxnSpPr>
+            <p:cNvPr id="13" name="Straight Arrow Connector 12"/>
+            <p:cNvCxnSpPr>
+              <a:stCxn id="7" idx="2"/>
+            </p:cNvCxnSpPr>
+            <p:nvPr/>
+          </p:nvCxnSpPr>
+          <p:spPr>
+            <a:xfrm rot="5400000">
+              <a:off x="5518553" y="2553886"/>
+              <a:ext cx="571506" cy="1607355"/>
+            </a:xfrm>
+            <a:prstGeom prst="straightConnector1">
+              <a:avLst/>
+            </a:prstGeom>
+            <a:ln>
+              <a:tailEnd type="arrow"/>
+            </a:ln>
+          </p:spPr>
+          <p:style>
+            <a:lnRef idx="3">
+              <a:schemeClr val="dk1"/>
+            </a:lnRef>
+            <a:fillRef idx="0">
+              <a:schemeClr val="dk1"/>
+            </a:fillRef>
+            <a:effectRef idx="2">
+              <a:schemeClr val="dk1"/>
+            </a:effectRef>
+            <a:fontRef idx="minor">
+              <a:schemeClr val="tx1"/>
+            </a:fontRef>
+          </p:style>
+        </p:cxnSp>
+        <p:sp>
+          <p:nvSpPr>
+            <p:cNvPr id="18" name="Multiply 17"/>
+            <p:cNvSpPr/>
+            <p:nvPr/>
+          </p:nvSpPr>
+          <p:spPr>
+            <a:xfrm>
+              <a:off x="4357686" y="3286124"/>
+              <a:ext cx="428628" cy="428628"/>
+            </a:xfrm>
+            <a:prstGeom prst="mathMultiply">
+              <a:avLst/>
+            </a:prstGeom>
+          </p:spPr>
+          <p:style>
+            <a:lnRef idx="2">
+              <a:schemeClr val="accent2">
+                <a:shade val="50000"/>
+              </a:schemeClr>
+            </a:lnRef>
+            <a:fillRef idx="1">
+              <a:schemeClr val="accent2"/>
+            </a:fillRef>
+            <a:effectRef idx="0">
+              <a:schemeClr val="accent2"/>
+            </a:effectRef>
+            <a:fontRef idx="minor">
+              <a:schemeClr val="lt1"/>
+            </a:fontRef>
+          </p:style>
+          <p:txBody>
+            <a:bodyPr rtlCol="0" anchor="ctr"/>
+            <a:lstStyle/>
+            <a:p>
+              <a:pPr algn="ctr"/>
+              <a:endParaRPr lang="en-NZ"/>
+            </a:p>
+          </p:txBody>
+        </p:sp>
+        <p:sp>
+          <p:nvSpPr>
+            <p:cNvPr id="19" name="Multiply 18"/>
+            <p:cNvSpPr/>
+            <p:nvPr/>
+          </p:nvSpPr>
+          <p:spPr>
+            <a:xfrm>
+              <a:off x="4857752" y="3500438"/>
+              <a:ext cx="428628" cy="428628"/>
+            </a:xfrm>
+            <a:prstGeom prst="mathMultiply">
+              <a:avLst/>
+            </a:prstGeom>
+          </p:spPr>
+          <p:style>
+            <a:lnRef idx="2">
+              <a:schemeClr val="accent2">
+                <a:shade val="50000"/>
+              </a:schemeClr>
+            </a:lnRef>
+            <a:fillRef idx="1">
+              <a:schemeClr val="accent2"/>
+            </a:fillRef>
+            <a:effectRef idx="0">
+              <a:schemeClr val="accent2"/>
+            </a:effectRef>
+            <a:fontRef idx="minor">
+              <a:schemeClr val="lt1"/>
+            </a:fontRef>
+          </p:style>
+          <p:txBody>
+            <a:bodyPr rtlCol="0" anchor="ctr"/>
+            <a:lstStyle/>
+            <a:p>
+              <a:pPr algn="ctr"/>
+              <a:endParaRPr lang="en-NZ"/>
+            </a:p>
+          </p:txBody>
+        </p:sp>
+      </p:grpSp>
     </p:spTree>
   </p:cSld>
   <p:clrMapOvr>
@@ -4670,64 +5231,597 @@
       </p:grpSpPr>
       <p:sp>
         <p:nvSpPr>
-          <p:cNvPr id="27650" name="Rectangle 2"/>
-          <p:cNvSpPr>
-            <a:spLocks noGrp="1"/>
-          </p:cNvSpPr>
-          <p:nvPr>
-            <p:ph type="title"/>
-          </p:nvPr>
-        </p:nvSpPr>
-        <p:spPr/>
-        <p:txBody>
-          <a:bodyPr/>
+          <p:cNvPr id="2" name="Text Box 1"/>
+          <p:cNvSpPr txBox="1">
+            <a:spLocks noChangeArrowheads="1"/>
+          </p:cNvSpPr>
+          <p:nvPr/>
+        </p:nvSpPr>
+        <p:spPr bwMode="auto">
+          <a:xfrm>
+            <a:off x="2000250" y="274638"/>
+            <a:ext cx="6686550" cy="1368425"/>
+          </a:xfrm>
+          <a:prstGeom prst="rect">
+            <a:avLst/>
+          </a:prstGeom>
+          <a:noFill/>
+          <a:ln w="9525">
+            <a:noFill/>
+            <a:round/>
+            <a:headEnd/>
+            <a:tailEnd/>
+          </a:ln>
+          <a:effectLst/>
+        </p:spPr>
+        <p:txBody>
+          <a:bodyPr anchor="ctr"/>
           <a:lstStyle/>
           <a:p>
-            <a:r>
-              <a:rPr lang="en-US" smtClean="0"/>
-              <a:t>The Backend Server</a:t>
-            </a:r>
-          </a:p>
-        </p:txBody>
-      </p:sp>
-      <p:sp>
-        <p:nvSpPr>
-          <p:cNvPr id="27651" name="Rectangle 3"/>
-          <p:cNvSpPr>
-            <a:spLocks noGrp="1"/>
-          </p:cNvSpPr>
-          <p:nvPr>
-            <p:ph type="body" idx="1"/>
-          </p:nvPr>
-        </p:nvSpPr>
-        <p:spPr/>
-        <p:txBody>
-          <a:bodyPr/>
+            <a:pPr algn="ctr">
+              <a:tabLst>
+                <a:tab pos="0" algn="l"/>
+                <a:tab pos="914400" algn="l"/>
+                <a:tab pos="1828800" algn="l"/>
+                <a:tab pos="2743200" algn="l"/>
+                <a:tab pos="3657600" algn="l"/>
+                <a:tab pos="4572000" algn="l"/>
+                <a:tab pos="5486400" algn="l"/>
+                <a:tab pos="6400800" algn="l"/>
+                <a:tab pos="7315200" algn="l"/>
+                <a:tab pos="8229600" algn="l"/>
+                <a:tab pos="9144000" algn="l"/>
+                <a:tab pos="10058400" algn="l"/>
+              </a:tabLst>
+            </a:pPr>
+            <a:r>
+              <a:rPr lang="en-NZ" sz="4400" dirty="0">
+                <a:solidFill>
+                  <a:srgbClr val="000000"/>
+                </a:solidFill>
+                <a:ea typeface="DejaVu Sans" charset="0"/>
+                <a:cs typeface="DejaVu Sans" charset="0"/>
+              </a:rPr>
+              <a:t>The Backend </a:t>
+            </a:r>
+            <a:r>
+              <a:rPr lang="en-NZ" sz="4400" dirty="0" smtClean="0">
+                <a:solidFill>
+                  <a:srgbClr val="000000"/>
+                </a:solidFill>
+                <a:ea typeface="DejaVu Sans" charset="0"/>
+                <a:cs typeface="DejaVu Sans" charset="0"/>
+              </a:rPr>
+              <a:t>Server – Concurrency Problem</a:t>
+            </a:r>
+            <a:endParaRPr lang="en-NZ" sz="4400" dirty="0">
+              <a:solidFill>
+                <a:srgbClr val="000000"/>
+              </a:solidFill>
+              <a:ea typeface="DejaVu Sans" charset="0"/>
+              <a:cs typeface="DejaVu Sans" charset="0"/>
+            </a:endParaRPr>
+          </a:p>
+        </p:txBody>
+      </p:sp>
+      <p:sp>
+        <p:nvSpPr>
+          <p:cNvPr id="4" name="Flowchart: Magnetic Disk 3"/>
+          <p:cNvSpPr/>
+          <p:nvPr/>
+        </p:nvSpPr>
+        <p:spPr>
+          <a:xfrm>
+            <a:off x="3571868" y="3857628"/>
+            <a:ext cx="1343028" cy="1184152"/>
+          </a:xfrm>
+          <a:prstGeom prst="flowChartMagneticDisk">
+            <a:avLst/>
+          </a:prstGeom>
+        </p:spPr>
+        <p:style>
+          <a:lnRef idx="2">
+            <a:schemeClr val="accent1">
+              <a:shade val="50000"/>
+            </a:schemeClr>
+          </a:lnRef>
+          <a:fillRef idx="1">
+            <a:schemeClr val="accent1"/>
+          </a:fillRef>
+          <a:effectRef idx="0">
+            <a:schemeClr val="accent1"/>
+          </a:effectRef>
+          <a:fontRef idx="minor">
+            <a:schemeClr val="lt1"/>
+          </a:fontRef>
+        </p:style>
+        <p:txBody>
+          <a:bodyPr rtlCol="0" anchor="ctr"/>
           <a:lstStyle/>
           <a:p>
-            <a:pPr>
-              <a:lnSpc>
-                <a:spcPct val="90000"/>
-              </a:lnSpc>
-            </a:pPr>
-            <a:r>
-              <a:rPr lang="en-NZ" smtClean="0"/>
-              <a:t>When a new connection is received it spawns another thread.</a:t>
-            </a:r>
-          </a:p>
-          <a:p>
-            <a:pPr>
-              <a:lnSpc>
-                <a:spcPct val="90000"/>
-              </a:lnSpc>
-            </a:pPr>
-            <a:r>
-              <a:rPr lang="en-NZ" smtClean="0"/>
-              <a:t>These threads do not need to communicate with each other</a:t>
-            </a:r>
-          </a:p>
-          <a:p>
-            <a:endParaRPr lang="en-US" smtClean="0"/>
+            <a:pPr algn="ctr"/>
+            <a:r>
+              <a:rPr lang="en-NZ" dirty="0" smtClean="0"/>
+              <a:t>SERVER</a:t>
+            </a:r>
+            <a:endParaRPr lang="en-NZ" dirty="0"/>
+          </a:p>
+        </p:txBody>
+      </p:sp>
+      <p:sp>
+        <p:nvSpPr>
+          <p:cNvPr id="5" name="Flowchart: Card 4"/>
+          <p:cNvSpPr/>
+          <p:nvPr/>
+        </p:nvSpPr>
+        <p:spPr>
+          <a:xfrm>
+            <a:off x="2000232" y="2285992"/>
+            <a:ext cx="1643074" cy="857256"/>
+          </a:xfrm>
+          <a:prstGeom prst="flowChartPunchedCard">
+            <a:avLst/>
+          </a:prstGeom>
+        </p:spPr>
+        <p:style>
+          <a:lnRef idx="2">
+            <a:schemeClr val="accent1">
+              <a:shade val="50000"/>
+            </a:schemeClr>
+          </a:lnRef>
+          <a:fillRef idx="1">
+            <a:schemeClr val="accent1"/>
+          </a:fillRef>
+          <a:effectRef idx="0">
+            <a:schemeClr val="accent1"/>
+          </a:effectRef>
+          <a:fontRef idx="minor">
+            <a:schemeClr val="lt1"/>
+          </a:fontRef>
+        </p:style>
+        <p:txBody>
+          <a:bodyPr rtlCol="0" anchor="ctr"/>
+          <a:lstStyle/>
+          <a:p>
+            <a:pPr algn="ctr"/>
+            <a:r>
+              <a:rPr lang="en-NZ" dirty="0" smtClean="0"/>
+              <a:t>INCOMING CONNECTION</a:t>
+            </a:r>
+            <a:endParaRPr lang="en-NZ" dirty="0"/>
+          </a:p>
+        </p:txBody>
+      </p:sp>
+      <p:sp>
+        <p:nvSpPr>
+          <p:cNvPr id="6" name="Flowchart: Card 5"/>
+          <p:cNvSpPr/>
+          <p:nvPr/>
+        </p:nvSpPr>
+        <p:spPr>
+          <a:xfrm>
+            <a:off x="3929058" y="2214554"/>
+            <a:ext cx="1643074" cy="857256"/>
+          </a:xfrm>
+          <a:prstGeom prst="flowChartPunchedCard">
+            <a:avLst/>
+          </a:prstGeom>
+        </p:spPr>
+        <p:style>
+          <a:lnRef idx="2">
+            <a:schemeClr val="accent1">
+              <a:shade val="50000"/>
+            </a:schemeClr>
+          </a:lnRef>
+          <a:fillRef idx="1">
+            <a:schemeClr val="accent1"/>
+          </a:fillRef>
+          <a:effectRef idx="0">
+            <a:schemeClr val="accent1"/>
+          </a:effectRef>
+          <a:fontRef idx="minor">
+            <a:schemeClr val="lt1"/>
+          </a:fontRef>
+        </p:style>
+        <p:txBody>
+          <a:bodyPr rtlCol="0" anchor="ctr"/>
+          <a:lstStyle/>
+          <a:p>
+            <a:pPr algn="ctr"/>
+            <a:r>
+              <a:rPr lang="en-NZ" dirty="0" smtClean="0"/>
+              <a:t>INCOMING CONNECTION</a:t>
+            </a:r>
+            <a:endParaRPr lang="en-NZ" dirty="0"/>
+          </a:p>
+        </p:txBody>
+      </p:sp>
+      <p:sp>
+        <p:nvSpPr>
+          <p:cNvPr id="7" name="Flowchart: Card 6"/>
+          <p:cNvSpPr/>
+          <p:nvPr/>
+        </p:nvSpPr>
+        <p:spPr>
+          <a:xfrm>
+            <a:off x="5786446" y="2214554"/>
+            <a:ext cx="1643074" cy="857256"/>
+          </a:xfrm>
+          <a:prstGeom prst="flowChartPunchedCard">
+            <a:avLst/>
+          </a:prstGeom>
+        </p:spPr>
+        <p:style>
+          <a:lnRef idx="2">
+            <a:schemeClr val="accent1">
+              <a:shade val="50000"/>
+            </a:schemeClr>
+          </a:lnRef>
+          <a:fillRef idx="1">
+            <a:schemeClr val="accent1"/>
+          </a:fillRef>
+          <a:effectRef idx="0">
+            <a:schemeClr val="accent1"/>
+          </a:effectRef>
+          <a:fontRef idx="minor">
+            <a:schemeClr val="lt1"/>
+          </a:fontRef>
+        </p:style>
+        <p:txBody>
+          <a:bodyPr rtlCol="0" anchor="ctr"/>
+          <a:lstStyle/>
+          <a:p>
+            <a:pPr algn="ctr"/>
+            <a:r>
+              <a:rPr lang="en-NZ" dirty="0" smtClean="0"/>
+              <a:t>INCOMING CONNECTION</a:t>
+            </a:r>
+            <a:endParaRPr lang="en-NZ" dirty="0"/>
+          </a:p>
+        </p:txBody>
+      </p:sp>
+      <p:cxnSp>
+        <p:nvCxnSpPr>
+          <p:cNvPr id="8" name="Straight Arrow Connector 7"/>
+          <p:cNvCxnSpPr>
+            <a:stCxn id="5" idx="2"/>
+            <a:endCxn id="4" idx="1"/>
+          </p:cNvCxnSpPr>
+          <p:nvPr/>
+        </p:nvCxnSpPr>
+        <p:spPr>
+          <a:xfrm rot="16200000" flipH="1">
+            <a:off x="3175385" y="2789631"/>
+            <a:ext cx="714380" cy="1421613"/>
+          </a:xfrm>
+          <a:prstGeom prst="straightConnector1">
+            <a:avLst/>
+          </a:prstGeom>
+          <a:ln>
+            <a:tailEnd type="arrow"/>
+          </a:ln>
+        </p:spPr>
+        <p:style>
+          <a:lnRef idx="3">
+            <a:schemeClr val="dk1"/>
+          </a:lnRef>
+          <a:fillRef idx="0">
+            <a:schemeClr val="dk1"/>
+          </a:fillRef>
+          <a:effectRef idx="2">
+            <a:schemeClr val="dk1"/>
+          </a:effectRef>
+          <a:fontRef idx="minor">
+            <a:schemeClr val="tx1"/>
+          </a:fontRef>
+        </p:style>
+      </p:cxnSp>
+      <p:cxnSp>
+        <p:nvCxnSpPr>
+          <p:cNvPr id="9" name="Straight Connector 8"/>
+          <p:cNvCxnSpPr>
+            <a:stCxn id="6" idx="2"/>
+            <a:endCxn id="4" idx="1"/>
+          </p:cNvCxnSpPr>
+          <p:nvPr/>
+        </p:nvCxnSpPr>
+        <p:spPr>
+          <a:xfrm rot="5400000">
+            <a:off x="4104080" y="3211113"/>
+            <a:ext cx="785818" cy="507213"/>
+          </a:xfrm>
+          <a:prstGeom prst="line">
+            <a:avLst/>
+          </a:prstGeom>
+          <a:ln>
+            <a:tailEnd type="arrow"/>
+          </a:ln>
+        </p:spPr>
+        <p:style>
+          <a:lnRef idx="3">
+            <a:schemeClr val="dk1"/>
+          </a:lnRef>
+          <a:fillRef idx="0">
+            <a:schemeClr val="dk1"/>
+          </a:fillRef>
+          <a:effectRef idx="2">
+            <a:schemeClr val="dk1"/>
+          </a:effectRef>
+          <a:fontRef idx="minor">
+            <a:schemeClr val="tx1"/>
+          </a:fontRef>
+        </p:style>
+      </p:cxnSp>
+      <p:cxnSp>
+        <p:nvCxnSpPr>
+          <p:cNvPr id="10" name="Straight Arrow Connector 9"/>
+          <p:cNvCxnSpPr>
+            <a:stCxn id="7" idx="2"/>
+            <a:endCxn id="4" idx="1"/>
+          </p:cNvCxnSpPr>
+          <p:nvPr/>
+        </p:nvCxnSpPr>
+        <p:spPr>
+          <a:xfrm rot="5400000">
+            <a:off x="5032774" y="2282419"/>
+            <a:ext cx="785818" cy="2364601"/>
+          </a:xfrm>
+          <a:prstGeom prst="straightConnector1">
+            <a:avLst/>
+          </a:prstGeom>
+          <a:ln>
+            <a:tailEnd type="arrow"/>
+          </a:ln>
+        </p:spPr>
+        <p:style>
+          <a:lnRef idx="3">
+            <a:schemeClr val="dk1"/>
+          </a:lnRef>
+          <a:fillRef idx="0">
+            <a:schemeClr val="dk1"/>
+          </a:fillRef>
+          <a:effectRef idx="2">
+            <a:schemeClr val="dk1"/>
+          </a:effectRef>
+          <a:fontRef idx="minor">
+            <a:schemeClr val="tx1"/>
+          </a:fontRef>
+        </p:style>
+      </p:cxnSp>
+      <p:cxnSp>
+        <p:nvCxnSpPr>
+          <p:cNvPr id="16" name="Straight Arrow Connector 15"/>
+          <p:cNvCxnSpPr>
+            <a:stCxn id="4" idx="3"/>
+          </p:cNvCxnSpPr>
+          <p:nvPr/>
+        </p:nvCxnSpPr>
+        <p:spPr>
+          <a:xfrm rot="5400000">
+            <a:off x="3463850" y="4506856"/>
+            <a:ext cx="244608" cy="1314456"/>
+          </a:xfrm>
+          <a:prstGeom prst="straightConnector1">
+            <a:avLst/>
+          </a:prstGeom>
+          <a:ln>
+            <a:tailEnd type="arrow"/>
+          </a:ln>
+        </p:spPr>
+        <p:style>
+          <a:lnRef idx="3">
+            <a:schemeClr val="dk1"/>
+          </a:lnRef>
+          <a:fillRef idx="0">
+            <a:schemeClr val="dk1"/>
+          </a:fillRef>
+          <a:effectRef idx="2">
+            <a:schemeClr val="dk1"/>
+          </a:effectRef>
+          <a:fontRef idx="minor">
+            <a:schemeClr val="tx1"/>
+          </a:fontRef>
+        </p:style>
+      </p:cxnSp>
+      <p:cxnSp>
+        <p:nvCxnSpPr>
+          <p:cNvPr id="18" name="Straight Arrow Connector 17"/>
+          <p:cNvCxnSpPr>
+            <a:stCxn id="4" idx="3"/>
+          </p:cNvCxnSpPr>
+          <p:nvPr/>
+        </p:nvCxnSpPr>
+        <p:spPr>
+          <a:xfrm rot="5400000">
+            <a:off x="4035354" y="5221236"/>
+            <a:ext cx="387484" cy="28572"/>
+          </a:xfrm>
+          <a:prstGeom prst="straightConnector1">
+            <a:avLst/>
+          </a:prstGeom>
+          <a:ln>
+            <a:tailEnd type="arrow"/>
+          </a:ln>
+        </p:spPr>
+        <p:style>
+          <a:lnRef idx="3">
+            <a:schemeClr val="dk1"/>
+          </a:lnRef>
+          <a:fillRef idx="0">
+            <a:schemeClr val="dk1"/>
+          </a:fillRef>
+          <a:effectRef idx="2">
+            <a:schemeClr val="dk1"/>
+          </a:effectRef>
+          <a:fontRef idx="minor">
+            <a:schemeClr val="tx1"/>
+          </a:fontRef>
+        </p:style>
+      </p:cxnSp>
+      <p:cxnSp>
+        <p:nvCxnSpPr>
+          <p:cNvPr id="20" name="Straight Arrow Connector 19"/>
+          <p:cNvCxnSpPr>
+            <a:stCxn id="4" idx="3"/>
+          </p:cNvCxnSpPr>
+          <p:nvPr/>
+        </p:nvCxnSpPr>
+        <p:spPr>
+          <a:xfrm rot="16200000" flipH="1">
+            <a:off x="4785453" y="4499709"/>
+            <a:ext cx="316046" cy="1400188"/>
+          </a:xfrm>
+          <a:prstGeom prst="straightConnector1">
+            <a:avLst/>
+          </a:prstGeom>
+          <a:ln>
+            <a:tailEnd type="arrow"/>
+          </a:ln>
+        </p:spPr>
+        <p:style>
+          <a:lnRef idx="3">
+            <a:schemeClr val="dk1"/>
+          </a:lnRef>
+          <a:fillRef idx="0">
+            <a:schemeClr val="dk1"/>
+          </a:fillRef>
+          <a:effectRef idx="2">
+            <a:schemeClr val="dk1"/>
+          </a:effectRef>
+          <a:fontRef idx="minor">
+            <a:schemeClr val="tx1"/>
+          </a:fontRef>
+        </p:style>
+      </p:cxnSp>
+      <p:sp>
+        <p:nvSpPr>
+          <p:cNvPr id="23" name="Rectangle 22"/>
+          <p:cNvSpPr/>
+          <p:nvPr/>
+        </p:nvSpPr>
+        <p:spPr>
+          <a:xfrm>
+            <a:off x="5643570" y="5286388"/>
+            <a:ext cx="1357322" cy="1214446"/>
+          </a:xfrm>
+          <a:prstGeom prst="rect">
+            <a:avLst/>
+          </a:prstGeom>
+        </p:spPr>
+        <p:style>
+          <a:lnRef idx="2">
+            <a:schemeClr val="accent1">
+              <a:shade val="50000"/>
+            </a:schemeClr>
+          </a:lnRef>
+          <a:fillRef idx="1">
+            <a:schemeClr val="accent1"/>
+          </a:fillRef>
+          <a:effectRef idx="0">
+            <a:schemeClr val="accent1"/>
+          </a:effectRef>
+          <a:fontRef idx="minor">
+            <a:schemeClr val="lt1"/>
+          </a:fontRef>
+        </p:style>
+        <p:txBody>
+          <a:bodyPr rtlCol="0" anchor="ctr"/>
+          <a:lstStyle/>
+          <a:p>
+            <a:pPr algn="ctr"/>
+            <a:r>
+              <a:rPr lang="en-NZ" dirty="0" smtClean="0"/>
+              <a:t>Connection Thread #3</a:t>
+            </a:r>
+            <a:endParaRPr lang="en-NZ" dirty="0"/>
+          </a:p>
+        </p:txBody>
+      </p:sp>
+      <p:sp>
+        <p:nvSpPr>
+          <p:cNvPr id="25" name="Rectangle 24"/>
+          <p:cNvSpPr/>
+          <p:nvPr/>
+        </p:nvSpPr>
+        <p:spPr>
+          <a:xfrm>
+            <a:off x="3571868" y="5429264"/>
+            <a:ext cx="1357322" cy="1214446"/>
+          </a:xfrm>
+          <a:prstGeom prst="rect">
+            <a:avLst/>
+          </a:prstGeom>
+        </p:spPr>
+        <p:style>
+          <a:lnRef idx="2">
+            <a:schemeClr val="accent1">
+              <a:shade val="50000"/>
+            </a:schemeClr>
+          </a:lnRef>
+          <a:fillRef idx="1">
+            <a:schemeClr val="accent1"/>
+          </a:fillRef>
+          <a:effectRef idx="0">
+            <a:schemeClr val="accent1"/>
+          </a:effectRef>
+          <a:fontRef idx="minor">
+            <a:schemeClr val="lt1"/>
+          </a:fontRef>
+        </p:style>
+        <p:txBody>
+          <a:bodyPr rtlCol="0" anchor="ctr"/>
+          <a:lstStyle/>
+          <a:p>
+            <a:pPr algn="ctr"/>
+            <a:r>
+              <a:rPr lang="en-NZ" dirty="0" smtClean="0"/>
+              <a:t>Connection Thread #2</a:t>
+            </a:r>
+            <a:endParaRPr lang="en-NZ" dirty="0"/>
+          </a:p>
+        </p:txBody>
+      </p:sp>
+      <p:sp>
+        <p:nvSpPr>
+          <p:cNvPr id="26" name="Rectangle 25"/>
+          <p:cNvSpPr/>
+          <p:nvPr/>
+        </p:nvSpPr>
+        <p:spPr>
+          <a:xfrm>
+            <a:off x="1571604" y="5072074"/>
+            <a:ext cx="1357322" cy="1214446"/>
+          </a:xfrm>
+          <a:prstGeom prst="rect">
+            <a:avLst/>
+          </a:prstGeom>
+        </p:spPr>
+        <p:style>
+          <a:lnRef idx="2">
+            <a:schemeClr val="accent1">
+              <a:shade val="50000"/>
+            </a:schemeClr>
+          </a:lnRef>
+          <a:fillRef idx="1">
+            <a:schemeClr val="accent1"/>
+          </a:fillRef>
+          <a:effectRef idx="0">
+            <a:schemeClr val="accent1"/>
+          </a:effectRef>
+          <a:fontRef idx="minor">
+            <a:schemeClr val="lt1"/>
+          </a:fontRef>
+        </p:style>
+        <p:txBody>
+          <a:bodyPr rtlCol="0" anchor="ctr"/>
+          <a:lstStyle/>
+          <a:p>
+            <a:pPr algn="ctr"/>
+            <a:r>
+              <a:rPr lang="en-NZ" dirty="0" smtClean="0"/>
+              <a:t>Connection Thread #1</a:t>
+            </a:r>
+            <a:endParaRPr lang="en-NZ" dirty="0"/>
           </a:p>
         </p:txBody>
       </p:sp>
@@ -4758,7 +5852,7 @@
       </p:grpSpPr>
       <p:sp>
         <p:nvSpPr>
-          <p:cNvPr id="20481" name="Title 1"/>
+          <p:cNvPr id="18433" name="Title 1"/>
           <p:cNvSpPr>
             <a:spLocks noGrp="1"/>
           </p:cNvSpPr>
@@ -4778,230 +5872,436 @@
           </a:p>
         </p:txBody>
       </p:sp>
-      <p:sp>
-        <p:nvSpPr>
-          <p:cNvPr id="3" name="Content Placeholder 2"/>
-          <p:cNvSpPr>
-            <a:spLocks noGrp="1"/>
-          </p:cNvSpPr>
-          <p:nvPr>
-            <p:ph idx="1"/>
-          </p:nvPr>
-        </p:nvSpPr>
-        <p:spPr/>
-        <p:txBody>
-          <a:bodyPr>
-            <a:normAutofit/>
+      <p:grpSp>
+        <p:nvGrpSpPr>
+          <p:cNvPr id="9" name="Group 8"/>
+          <p:cNvGrpSpPr/>
+          <p:nvPr/>
+        </p:nvGrpSpPr>
+        <p:grpSpPr>
+          <a:xfrm>
+            <a:off x="648952" y="2343550"/>
+            <a:ext cx="6500858" cy="1833575"/>
+            <a:chOff x="1357290" y="3013251"/>
+            <a:chExt cx="6500858" cy="1833575"/>
+          </a:xfrm>
+        </p:grpSpPr>
+        <p:sp>
+          <p:nvSpPr>
+            <p:cNvPr id="5" name="Flowchart: Magnetic Disk 4"/>
+            <p:cNvSpPr/>
+            <p:nvPr/>
+          </p:nvSpPr>
+          <p:spPr>
+            <a:xfrm>
+              <a:off x="5715008" y="3013251"/>
+              <a:ext cx="2143140" cy="1833575"/>
+            </a:xfrm>
+            <a:prstGeom prst="flowChartMagneticDisk">
+              <a:avLst/>
+            </a:prstGeom>
+          </p:spPr>
+          <p:style>
+            <a:lnRef idx="2">
+              <a:schemeClr val="accent1">
+                <a:shade val="50000"/>
+              </a:schemeClr>
+            </a:lnRef>
+            <a:fillRef idx="1">
+              <a:schemeClr val="accent1"/>
+            </a:fillRef>
+            <a:effectRef idx="0">
+              <a:schemeClr val="accent1"/>
+            </a:effectRef>
+            <a:fontRef idx="minor">
+              <a:schemeClr val="lt1"/>
+            </a:fontRef>
+          </p:style>
+          <p:txBody>
+            <a:bodyPr rtlCol="0" anchor="ctr"/>
+            <a:lstStyle/>
+            <a:p>
+              <a:pPr algn="ctr"/>
+              <a:r>
+                <a:rPr lang="en-NZ" sz="2800" dirty="0" smtClean="0"/>
+                <a:t>SERVER</a:t>
+              </a:r>
+              <a:endParaRPr lang="en-NZ" sz="2800" dirty="0"/>
+            </a:p>
+          </p:txBody>
+        </p:sp>
+        <p:sp>
+          <p:nvSpPr>
+            <p:cNvPr id="6" name="Flowchart: Card 5"/>
+            <p:cNvSpPr/>
+            <p:nvPr/>
+          </p:nvSpPr>
+          <p:spPr>
+            <a:xfrm>
+              <a:off x="1357290" y="3143248"/>
+              <a:ext cx="2143140" cy="1571636"/>
+            </a:xfrm>
+            <a:prstGeom prst="flowChartPunchedCard">
+              <a:avLst/>
+            </a:prstGeom>
+          </p:spPr>
+          <p:style>
+            <a:lnRef idx="2">
+              <a:schemeClr val="accent1">
+                <a:shade val="50000"/>
+              </a:schemeClr>
+            </a:lnRef>
+            <a:fillRef idx="1">
+              <a:schemeClr val="accent1"/>
+            </a:fillRef>
+            <a:effectRef idx="0">
+              <a:schemeClr val="accent1"/>
+            </a:effectRef>
+            <a:fontRef idx="minor">
+              <a:schemeClr val="lt1"/>
+            </a:fontRef>
+          </p:style>
+          <p:txBody>
+            <a:bodyPr rtlCol="0" anchor="ctr"/>
+            <a:lstStyle/>
+            <a:p>
+              <a:pPr algn="ctr"/>
+              <a:r>
+                <a:rPr lang="en-NZ" sz="2800" dirty="0" smtClean="0"/>
+                <a:t>CLIENT</a:t>
+              </a:r>
+            </a:p>
+          </p:txBody>
+        </p:sp>
+        <p:cxnSp>
+          <p:nvCxnSpPr>
+            <p:cNvPr id="8" name="Straight Arrow Connector 7"/>
+            <p:cNvCxnSpPr>
+              <a:stCxn id="6" idx="3"/>
+              <a:endCxn id="5" idx="2"/>
+            </p:cNvCxnSpPr>
+            <p:nvPr/>
+          </p:nvCxnSpPr>
+          <p:spPr>
+            <a:xfrm>
+              <a:off x="3500430" y="3929066"/>
+              <a:ext cx="2214578" cy="973"/>
+            </a:xfrm>
+            <a:prstGeom prst="straightConnector1">
+              <a:avLst/>
+            </a:prstGeom>
+            <a:ln>
+              <a:tailEnd type="arrow"/>
+            </a:ln>
+          </p:spPr>
+          <p:style>
+            <a:lnRef idx="3">
+              <a:schemeClr val="dk1"/>
+            </a:lnRef>
+            <a:fillRef idx="0">
+              <a:schemeClr val="dk1"/>
+            </a:fillRef>
+            <a:effectRef idx="2">
+              <a:schemeClr val="dk1"/>
+            </a:effectRef>
+            <a:fontRef idx="minor">
+              <a:schemeClr val="tx1"/>
+            </a:fontRef>
+          </p:style>
+        </p:cxnSp>
+        <p:cxnSp>
+          <p:nvCxnSpPr>
+            <p:cNvPr id="12" name="Straight Arrow Connector 11"/>
+            <p:cNvCxnSpPr/>
+            <p:nvPr/>
+          </p:nvCxnSpPr>
+          <p:spPr>
+            <a:xfrm rot="10800000" flipV="1">
+              <a:off x="3428992" y="4071941"/>
+              <a:ext cx="2286016" cy="1323"/>
+            </a:xfrm>
+            <a:prstGeom prst="straightConnector1">
+              <a:avLst/>
+            </a:prstGeom>
+            <a:ln>
+              <a:tailEnd type="arrow"/>
+            </a:ln>
+          </p:spPr>
+          <p:style>
+            <a:lnRef idx="3">
+              <a:schemeClr val="dk1"/>
+            </a:lnRef>
+            <a:fillRef idx="0">
+              <a:schemeClr val="dk1"/>
+            </a:fillRef>
+            <a:effectRef idx="2">
+              <a:schemeClr val="dk1"/>
+            </a:effectRef>
+            <a:fontRef idx="minor">
+              <a:schemeClr val="tx1"/>
+            </a:fontRef>
+          </p:style>
+        </p:cxnSp>
+        <p:sp>
+          <p:nvSpPr>
+            <p:cNvPr id="18" name="TextBox 17"/>
+            <p:cNvSpPr txBox="1"/>
+            <p:nvPr/>
+          </p:nvSpPr>
+          <p:spPr>
+            <a:xfrm>
+              <a:off x="3786182" y="3571876"/>
+              <a:ext cx="1285884" cy="369332"/>
+            </a:xfrm>
+            <a:prstGeom prst="rect">
+              <a:avLst/>
+            </a:prstGeom>
+            <a:noFill/>
+          </p:spPr>
+          <p:txBody>
+            <a:bodyPr wrap="square" rtlCol="0">
+              <a:spAutoFit/>
+            </a:bodyPr>
+            <a:lstStyle/>
+            <a:p>
+              <a:r>
+                <a:rPr lang="en-NZ" dirty="0" smtClean="0"/>
+                <a:t>Fingerprint</a:t>
+              </a:r>
+              <a:endParaRPr lang="en-NZ" dirty="0"/>
+            </a:p>
+          </p:txBody>
+        </p:sp>
+      </p:grpSp>
+      <p:sp>
+        <p:nvSpPr>
+          <p:cNvPr id="10" name="Rectangle 9"/>
+          <p:cNvSpPr/>
+          <p:nvPr/>
+        </p:nvSpPr>
+        <p:spPr>
+          <a:xfrm>
+            <a:off x="3214678" y="4714884"/>
+            <a:ext cx="2071702" cy="1285884"/>
+          </a:xfrm>
+          <a:prstGeom prst="rect">
+            <a:avLst/>
+          </a:prstGeom>
+        </p:spPr>
+        <p:style>
+          <a:lnRef idx="2">
+            <a:schemeClr val="accent1">
+              <a:shade val="50000"/>
+            </a:schemeClr>
+          </a:lnRef>
+          <a:fillRef idx="1">
+            <a:schemeClr val="accent1"/>
+          </a:fillRef>
+          <a:effectRef idx="0">
+            <a:schemeClr val="accent1"/>
+          </a:effectRef>
+          <a:fontRef idx="minor">
+            <a:schemeClr val="lt1"/>
+          </a:fontRef>
+        </p:style>
+        <p:txBody>
+          <a:bodyPr rtlCol="0" anchor="ctr"/>
+          <a:lstStyle/>
+          <a:p>
+            <a:pPr algn="ctr"/>
+            <a:r>
+              <a:rPr lang="en-NZ" sz="2000" dirty="0" smtClean="0"/>
+              <a:t>Comparison</a:t>
+            </a:r>
+          </a:p>
+        </p:txBody>
+      </p:sp>
+      <p:cxnSp>
+        <p:nvCxnSpPr>
+          <p:cNvPr id="13" name="Straight Connector 12"/>
+          <p:cNvCxnSpPr>
+            <a:stCxn id="5" idx="3"/>
+            <a:endCxn id="10" idx="0"/>
+          </p:cNvCxnSpPr>
+          <p:nvPr/>
+        </p:nvCxnSpPr>
+        <p:spPr>
+          <a:xfrm rot="5400000">
+            <a:off x="4895506" y="3532149"/>
+            <a:ext cx="537759" cy="1827711"/>
+          </a:xfrm>
+          <a:prstGeom prst="line">
+            <a:avLst/>
+          </a:prstGeom>
+          <a:ln>
+            <a:headEnd type="none"/>
+            <a:tailEnd type="arrow"/>
+          </a:ln>
+        </p:spPr>
+        <p:style>
+          <a:lnRef idx="3">
+            <a:schemeClr val="dk1"/>
+          </a:lnRef>
+          <a:fillRef idx="0">
+            <a:schemeClr val="dk1"/>
+          </a:fillRef>
+          <a:effectRef idx="2">
+            <a:schemeClr val="dk1"/>
+          </a:effectRef>
+          <a:fontRef idx="minor">
+            <a:schemeClr val="tx1"/>
+          </a:fontRef>
+        </p:style>
+      </p:cxnSp>
+      <p:sp>
+        <p:nvSpPr>
+          <p:cNvPr id="16" name="Rectangle 15"/>
+          <p:cNvSpPr/>
+          <p:nvPr/>
+        </p:nvSpPr>
+        <p:spPr>
+          <a:xfrm>
+            <a:off x="6715140" y="4786322"/>
+            <a:ext cx="1857388" cy="1143008"/>
+          </a:xfrm>
+          <a:prstGeom prst="rect">
+            <a:avLst/>
+          </a:prstGeom>
+        </p:spPr>
+        <p:style>
+          <a:lnRef idx="2">
+            <a:schemeClr val="accent1">
+              <a:shade val="50000"/>
+            </a:schemeClr>
+          </a:lnRef>
+          <a:fillRef idx="1">
+            <a:schemeClr val="accent1"/>
+          </a:fillRef>
+          <a:effectRef idx="0">
+            <a:schemeClr val="accent1"/>
+          </a:effectRef>
+          <a:fontRef idx="minor">
+            <a:schemeClr val="lt1"/>
+          </a:fontRef>
+        </p:style>
+        <p:txBody>
+          <a:bodyPr rtlCol="0" anchor="ctr"/>
+          <a:lstStyle/>
+          <a:p>
+            <a:pPr algn="ctr"/>
+            <a:r>
+              <a:rPr lang="en-NZ" sz="2000" dirty="0" smtClean="0"/>
+              <a:t>Song List</a:t>
+            </a:r>
+            <a:endParaRPr lang="en-NZ" sz="2000" dirty="0"/>
+          </a:p>
+        </p:txBody>
+      </p:sp>
+      <p:cxnSp>
+        <p:nvCxnSpPr>
+          <p:cNvPr id="19" name="Straight Arrow Connector 18"/>
+          <p:cNvCxnSpPr>
+            <a:stCxn id="10" idx="3"/>
+            <a:endCxn id="16" idx="1"/>
+          </p:cNvCxnSpPr>
+          <p:nvPr/>
+        </p:nvCxnSpPr>
+        <p:spPr>
+          <a:xfrm>
+            <a:off x="5286380" y="5357826"/>
+            <a:ext cx="1428760" cy="1588"/>
+          </a:xfrm>
+          <a:prstGeom prst="straightConnector1">
+            <a:avLst/>
+          </a:prstGeom>
+          <a:ln>
+            <a:tailEnd type="arrow"/>
+          </a:ln>
+        </p:spPr>
+        <p:style>
+          <a:lnRef idx="3">
+            <a:schemeClr val="dk1"/>
+          </a:lnRef>
+          <a:fillRef idx="0">
+            <a:schemeClr val="dk1"/>
+          </a:fillRef>
+          <a:effectRef idx="2">
+            <a:schemeClr val="dk1"/>
+          </a:effectRef>
+          <a:fontRef idx="minor">
+            <a:schemeClr val="tx1"/>
+          </a:fontRef>
+        </p:style>
+      </p:cxnSp>
+      <p:cxnSp>
+        <p:nvCxnSpPr>
+          <p:cNvPr id="21" name="Straight Arrow Connector 20"/>
+          <p:cNvCxnSpPr>
+            <a:stCxn id="16" idx="0"/>
+            <a:endCxn id="5" idx="4"/>
+          </p:cNvCxnSpPr>
+          <p:nvPr/>
+        </p:nvCxnSpPr>
+        <p:spPr>
+          <a:xfrm rot="16200000" flipV="1">
+            <a:off x="6633830" y="3776318"/>
+            <a:ext cx="1525984" cy="494024"/>
+          </a:xfrm>
+          <a:prstGeom prst="straightConnector1">
+            <a:avLst/>
+          </a:prstGeom>
+          <a:ln>
+            <a:tailEnd type="arrow"/>
+          </a:ln>
+        </p:spPr>
+        <p:style>
+          <a:lnRef idx="3">
+            <a:schemeClr val="dk1"/>
+          </a:lnRef>
+          <a:fillRef idx="0">
+            <a:schemeClr val="dk1"/>
+          </a:fillRef>
+          <a:effectRef idx="2">
+            <a:schemeClr val="dk1"/>
+          </a:effectRef>
+          <a:fontRef idx="minor">
+            <a:schemeClr val="tx1"/>
+          </a:fontRef>
+        </p:style>
+      </p:cxnSp>
+      <p:sp>
+        <p:nvSpPr>
+          <p:cNvPr id="22" name="TextBox 21"/>
+          <p:cNvSpPr txBox="1"/>
+          <p:nvPr/>
+        </p:nvSpPr>
+        <p:spPr>
+          <a:xfrm>
+            <a:off x="3000364" y="3500438"/>
+            <a:ext cx="1714512" cy="646331"/>
+          </a:xfrm>
+          <a:prstGeom prst="rect">
+            <a:avLst/>
+          </a:prstGeom>
+          <a:noFill/>
+        </p:spPr>
+        <p:txBody>
+          <a:bodyPr wrap="square" rtlCol="0">
+            <a:spAutoFit/>
           </a:bodyPr>
           <a:lstStyle/>
           <a:p>
-            <a:pPr>
-              <a:lnSpc>
-                <a:spcPct val="90000"/>
-              </a:lnSpc>
-            </a:pPr>
-            <a:r>
-              <a:rPr lang="en-NZ" smtClean="0"/>
-              <a:t>After a connection is received and challenged, the server will wait for the client to send it a fingerprint.</a:t>
-            </a:r>
-          </a:p>
-          <a:p>
-            <a:pPr>
-              <a:lnSpc>
-                <a:spcPct val="90000"/>
-              </a:lnSpc>
-            </a:pPr>
-            <a:r>
-              <a:rPr lang="en-NZ" smtClean="0"/>
-              <a:t>From here it will then do a fingerprint comparison.</a:t>
-            </a:r>
-          </a:p>
-          <a:p>
-            <a:pPr>
-              <a:lnSpc>
-                <a:spcPct val="90000"/>
-              </a:lnSpc>
-            </a:pPr>
-            <a:r>
-              <a:rPr lang="en-NZ" smtClean="0"/>
-              <a:t>It will build an internal list of the songs that have matches</a:t>
-            </a:r>
-          </a:p>
-        </p:txBody>
-      </p:sp>
-    </p:spTree>
-  </p:cSld>
-  <p:clrMapOvr>
-    <a:masterClrMapping/>
-  </p:clrMapOvr>
-  <p:timing>
-    <p:tnLst>
-      <p:par>
-        <p:cTn id="1" dur="indefinite" restart="never" nodeType="tmRoot"/>
-      </p:par>
-    </p:tnLst>
-  </p:timing>
-</p:sld>
-</file>
-
-<file path=ppt/slides/slide14.xml><?xml version="1.0" encoding="utf-8"?>
-<p:sld xmlns:a="http://schemas.openxmlformats.org/drawingml/2006/main" xmlns:r="http://schemas.openxmlformats.org/officeDocument/2006/relationships" xmlns:p="http://schemas.openxmlformats.org/presentationml/2006/main">
-  <p:cSld>
-    <p:spTree>
-      <p:nvGrpSpPr>
-        <p:cNvPr id="1" name=""/>
-        <p:cNvGrpSpPr/>
-        <p:nvPr/>
-      </p:nvGrpSpPr>
-      <p:grpSpPr>
-        <a:xfrm>
-          <a:off x="0" y="0"/>
-          <a:ext cx="0" cy="0"/>
-          <a:chOff x="0" y="0"/>
-          <a:chExt cx="0" cy="0"/>
-        </a:xfrm>
-      </p:grpSpPr>
-      <p:sp>
-        <p:nvSpPr>
-          <p:cNvPr id="26626" name="Rectangle 2"/>
-          <p:cNvSpPr>
-            <a:spLocks noGrp="1"/>
-          </p:cNvSpPr>
-          <p:nvPr>
-            <p:ph type="title"/>
-          </p:nvPr>
-        </p:nvSpPr>
-        <p:spPr/>
-        <p:txBody>
-          <a:bodyPr/>
-          <a:lstStyle/>
-          <a:p>
-            <a:r>
-              <a:rPr lang="en-NZ" smtClean="0"/>
-              <a:t>The Backend Server</a:t>
-            </a:r>
-            <a:endParaRPr lang="en-US" smtClean="0"/>
-          </a:p>
-        </p:txBody>
-      </p:sp>
-      <p:sp>
-        <p:nvSpPr>
-          <p:cNvPr id="26627" name="Rectangle 3"/>
-          <p:cNvSpPr>
-            <a:spLocks noGrp="1"/>
-          </p:cNvSpPr>
-          <p:nvPr>
-            <p:ph type="body" idx="1"/>
-          </p:nvPr>
-        </p:nvSpPr>
-        <p:spPr/>
-        <p:txBody>
-          <a:bodyPr/>
-          <a:lstStyle/>
-          <a:p>
-            <a:pPr>
-              <a:lnSpc>
-                <a:spcPct val="90000"/>
-              </a:lnSpc>
-            </a:pPr>
-            <a:r>
-              <a:rPr lang="en-NZ" smtClean="0"/>
-              <a:t>After building the list, it needs to be transmitted via the network</a:t>
-            </a:r>
-          </a:p>
-          <a:p>
-            <a:pPr>
-              <a:lnSpc>
-                <a:spcPct val="90000"/>
-              </a:lnSpc>
-            </a:pPr>
-            <a:r>
-              <a:rPr lang="en-NZ" smtClean="0"/>
-              <a:t>For this to occur the list is transformed into XML</a:t>
-            </a:r>
-          </a:p>
-          <a:p>
-            <a:endParaRPr lang="en-US" smtClean="0"/>
-          </a:p>
-        </p:txBody>
-      </p:sp>
-    </p:spTree>
-  </p:cSld>
-  <p:clrMapOvr>
-    <a:masterClrMapping/>
-  </p:clrMapOvr>
-</p:sld>
-</file>
-
-<file path=ppt/slides/slide15.xml><?xml version="1.0" encoding="utf-8"?>
-<p:sld xmlns:a="http://schemas.openxmlformats.org/drawingml/2006/main" xmlns:r="http://schemas.openxmlformats.org/officeDocument/2006/relationships" xmlns:p="http://schemas.openxmlformats.org/presentationml/2006/main">
-  <p:cSld>
-    <p:spTree>
-      <p:nvGrpSpPr>
-        <p:cNvPr id="1" name=""/>
-        <p:cNvGrpSpPr/>
-        <p:nvPr/>
-      </p:nvGrpSpPr>
-      <p:grpSpPr>
-        <a:xfrm>
-          <a:off x="0" y="0"/>
-          <a:ext cx="0" cy="0"/>
-          <a:chOff x="0" y="0"/>
-          <a:chExt cx="0" cy="0"/>
-        </a:xfrm>
-      </p:grpSpPr>
-      <p:sp>
-        <p:nvSpPr>
-          <p:cNvPr id="21505" name="Title 1"/>
-          <p:cNvSpPr>
-            <a:spLocks noGrp="1"/>
-          </p:cNvSpPr>
-          <p:nvPr>
-            <p:ph type="title"/>
-          </p:nvPr>
-        </p:nvSpPr>
-        <p:spPr/>
-        <p:txBody>
-          <a:bodyPr/>
-          <a:lstStyle/>
-          <a:p>
-            <a:r>
-              <a:rPr lang="en-NZ" smtClean="0"/>
-              <a:t>The Backend Server</a:t>
-            </a:r>
-          </a:p>
-        </p:txBody>
-      </p:sp>
-      <p:sp>
-        <p:nvSpPr>
-          <p:cNvPr id="21506" name="Content Placeholder 2"/>
-          <p:cNvSpPr>
-            <a:spLocks noGrp="1"/>
-          </p:cNvSpPr>
-          <p:nvPr>
-            <p:ph idx="1"/>
-          </p:nvPr>
-        </p:nvSpPr>
-        <p:spPr/>
-        <p:txBody>
-          <a:bodyPr/>
-          <a:lstStyle/>
-          <a:p>
             <a:r>
               <a:rPr lang="en-NZ" dirty="0" smtClean="0"/>
-              <a:t>When the list is received by the client it is put back together into an object.</a:t>
+              <a:t>Returned Data</a:t>
             </a:r>
           </a:p>
           <a:p>
             <a:r>
               <a:rPr lang="en-NZ" dirty="0" smtClean="0"/>
-              <a:t>The client can then </a:t>
-            </a:r>
-            <a:r>
-              <a:rPr lang="en-NZ" dirty="0" smtClean="0"/>
-              <a:t>use the list</a:t>
-            </a:r>
-            <a:endParaRPr lang="en-NZ" dirty="0" smtClean="0"/>
+              <a:t>In XML format</a:t>
+            </a:r>
+            <a:endParaRPr lang="en-NZ" dirty="0"/>
           </a:p>
         </p:txBody>
       </p:sp>
@@ -5254,15 +6554,7 @@
           <a:p>
             <a:r>
               <a:rPr lang="en-NZ" dirty="0" smtClean="0"/>
-              <a:t>The</a:t>
-            </a:r>
-            <a:r>
-              <a:rPr lang="en-NZ" dirty="0" smtClean="0"/>
-              <a:t> </a:t>
-            </a:r>
-            <a:r>
-              <a:rPr lang="en-NZ" dirty="0" smtClean="0"/>
-              <a:t>Vision</a:t>
+              <a:t>The Vision</a:t>
             </a:r>
           </a:p>
         </p:txBody>
@@ -5360,19 +6652,7 @@
           <a:p>
             <a:r>
               <a:rPr lang="en-NZ" dirty="0" smtClean="0"/>
-              <a:t>Our software package uses some closed source </a:t>
-            </a:r>
-            <a:r>
-              <a:rPr lang="en-NZ" dirty="0" smtClean="0"/>
-              <a:t>code</a:t>
-            </a:r>
-            <a:r>
-              <a:rPr lang="en-NZ" dirty="0" smtClean="0"/>
-              <a:t> </a:t>
-            </a:r>
-            <a:r>
-              <a:rPr lang="en-NZ" dirty="0" smtClean="0"/>
-              <a:t>– Entropy Fingerprinting </a:t>
+              <a:t>Our software package uses some closed source code – Entropy Fingerprinting </a:t>
             </a:r>
             <a:r>
               <a:rPr lang="en-NZ" dirty="0" err="1" smtClean="0"/>
@@ -6109,7 +7389,7 @@
   <p:timing>
     <p:tnLst>
       <p:par>
-        <p:cTn id="1" dur="indefinite" nodeType="tmRoot">
+        <p:cTn id="1" dur="indefinite" restart="never" nodeType="tmRoot">
           <p:childTnLst>
             <p:seq concurrent="1" nextAc="seek">
               <p:cTn id="2" dur="indefinite" nodeType="mainSeq">
@@ -6596,7 +7876,7 @@
   <p:timing>
     <p:tnLst>
       <p:par>
-        <p:cTn id="1" dur="indefinite" nodeType="tmRoot">
+        <p:cTn id="1" dur="indefinite" restart="never" nodeType="tmRoot">
           <p:childTnLst>
             <p:seq concurrent="1" nextAc="seek">
               <p:cTn id="2" dur="indefinite" nodeType="mainSeq">
@@ -7044,15 +8324,7 @@
           <a:p>
             <a:r>
               <a:rPr lang="en-NZ" dirty="0" smtClean="0"/>
-              <a:t>It’s all </a:t>
-            </a:r>
-            <a:r>
-              <a:rPr lang="en-NZ" dirty="0" smtClean="0"/>
-              <a:t>string </a:t>
-            </a:r>
-            <a:r>
-              <a:rPr lang="en-NZ" dirty="0" smtClean="0"/>
-              <a:t>based</a:t>
+              <a:t>It’s all string based</a:t>
             </a:r>
           </a:p>
         </p:txBody>

--- a/Mobile Musical Moments.pptx
+++ b/Mobile Musical Moments.pptx
@@ -5,7 +5,7 @@
     <p:sldMasterId id="2147483648" r:id="rId1"/>
   </p:sldMasterIdLst>
   <p:notesMasterIdLst>
-    <p:notesMasterId r:id="rId15"/>
+    <p:notesMasterId r:id="rId16"/>
   </p:notesMasterIdLst>
   <p:sldIdLst>
     <p:sldId id="256" r:id="rId2"/>
@@ -14,13 +14,14 @@
     <p:sldId id="264" r:id="rId5"/>
     <p:sldId id="259" r:id="rId6"/>
     <p:sldId id="269" r:id="rId7"/>
-    <p:sldId id="270" r:id="rId8"/>
-    <p:sldId id="271" r:id="rId9"/>
-    <p:sldId id="272" r:id="rId10"/>
-    <p:sldId id="273" r:id="rId11"/>
-    <p:sldId id="274" r:id="rId12"/>
-    <p:sldId id="279" r:id="rId13"/>
-    <p:sldId id="280" r:id="rId14"/>
+    <p:sldId id="281" r:id="rId8"/>
+    <p:sldId id="270" r:id="rId9"/>
+    <p:sldId id="271" r:id="rId10"/>
+    <p:sldId id="272" r:id="rId11"/>
+    <p:sldId id="273" r:id="rId12"/>
+    <p:sldId id="274" r:id="rId13"/>
+    <p:sldId id="279" r:id="rId14"/>
+    <p:sldId id="280" r:id="rId15"/>
   </p:sldIdLst>
   <p:sldSz cx="9144000" cy="6858000" type="screen4x3"/>
   <p:notesSz cx="6858000" cy="9144000"/>
@@ -876,7 +877,7 @@
             <a:fld id="{36115F50-61B2-4D8F-BC7C-EA77119E005B}" type="slidenum">
               <a:rPr lang="en-NZ" smtClean="0"/>
               <a:pPr/>
-              <a:t>12</a:t>
+              <a:t>13</a:t>
             </a:fld>
             <a:endParaRPr lang="en-NZ"/>
           </a:p>
@@ -1548,6 +1549,337 @@
 </p:sldLayout>
 </file>
 
+<file path=ppt/slideLayouts/slideLayout12.xml><?xml version="1.0" encoding="utf-8"?>
+<p:sldLayout xmlns:a="http://schemas.openxmlformats.org/drawingml/2006/main" xmlns:r="http://schemas.openxmlformats.org/officeDocument/2006/relationships" xmlns:p="http://schemas.openxmlformats.org/presentationml/2006/main" type="objAndTwoObj">
+  <p:cSld name="Title, Content, and 2 Content">
+    <p:spTree>
+      <p:nvGrpSpPr>
+        <p:cNvPr id="1" name=""/>
+        <p:cNvGrpSpPr/>
+        <p:nvPr/>
+      </p:nvGrpSpPr>
+      <p:grpSpPr>
+        <a:xfrm>
+          <a:off x="0" y="0"/>
+          <a:ext cx="0" cy="0"/>
+          <a:chOff x="0" y="0"/>
+          <a:chExt cx="0" cy="0"/>
+        </a:xfrm>
+      </p:grpSpPr>
+      <p:sp>
+        <p:nvSpPr>
+          <p:cNvPr id="2" name="Title 1"/>
+          <p:cNvSpPr>
+            <a:spLocks noGrp="1"/>
+          </p:cNvSpPr>
+          <p:nvPr>
+            <p:ph type="title"/>
+          </p:nvPr>
+        </p:nvSpPr>
+        <p:spPr>
+          <a:xfrm>
+            <a:off x="2000250" y="274638"/>
+            <a:ext cx="6686550" cy="1368425"/>
+          </a:xfrm>
+        </p:spPr>
+        <p:txBody>
+          <a:bodyPr/>
+          <a:lstStyle/>
+          <a:p>
+            <a:r>
+              <a:rPr lang="en-US" smtClean="0"/>
+              <a:t>Click to edit Master title style</a:t>
+            </a:r>
+            <a:endParaRPr lang="en-NZ"/>
+          </a:p>
+        </p:txBody>
+      </p:sp>
+      <p:sp>
+        <p:nvSpPr>
+          <p:cNvPr id="3" name="Content Placeholder 2"/>
+          <p:cNvSpPr>
+            <a:spLocks noGrp="1"/>
+          </p:cNvSpPr>
+          <p:nvPr>
+            <p:ph sz="half" idx="1"/>
+          </p:nvPr>
+        </p:nvSpPr>
+        <p:spPr>
+          <a:xfrm>
+            <a:off x="457200" y="1857375"/>
+            <a:ext cx="4038600" cy="4268788"/>
+          </a:xfrm>
+        </p:spPr>
+        <p:txBody>
+          <a:bodyPr/>
+          <a:lstStyle/>
+          <a:p>
+            <a:pPr lvl="0"/>
+            <a:r>
+              <a:rPr lang="en-US" smtClean="0"/>
+              <a:t>Click to edit Master text styles</a:t>
+            </a:r>
+          </a:p>
+          <a:p>
+            <a:pPr lvl="1"/>
+            <a:r>
+              <a:rPr lang="en-US" smtClean="0"/>
+              <a:t>Second level</a:t>
+            </a:r>
+          </a:p>
+          <a:p>
+            <a:pPr lvl="2"/>
+            <a:r>
+              <a:rPr lang="en-US" smtClean="0"/>
+              <a:t>Third level</a:t>
+            </a:r>
+          </a:p>
+          <a:p>
+            <a:pPr lvl="3"/>
+            <a:r>
+              <a:rPr lang="en-US" smtClean="0"/>
+              <a:t>Fourth level</a:t>
+            </a:r>
+          </a:p>
+          <a:p>
+            <a:pPr lvl="4"/>
+            <a:r>
+              <a:rPr lang="en-US" smtClean="0"/>
+              <a:t>Fifth level</a:t>
+            </a:r>
+            <a:endParaRPr lang="en-NZ"/>
+          </a:p>
+        </p:txBody>
+      </p:sp>
+      <p:sp>
+        <p:nvSpPr>
+          <p:cNvPr id="4" name="Content Placeholder 3"/>
+          <p:cNvSpPr>
+            <a:spLocks noGrp="1"/>
+          </p:cNvSpPr>
+          <p:nvPr>
+            <p:ph sz="quarter" idx="2"/>
+          </p:nvPr>
+        </p:nvSpPr>
+        <p:spPr>
+          <a:xfrm>
+            <a:off x="4648200" y="1857375"/>
+            <a:ext cx="4038600" cy="2057400"/>
+          </a:xfrm>
+        </p:spPr>
+        <p:txBody>
+          <a:bodyPr/>
+          <a:lstStyle/>
+          <a:p>
+            <a:pPr lvl="0"/>
+            <a:r>
+              <a:rPr lang="en-US" smtClean="0"/>
+              <a:t>Click to edit Master text styles</a:t>
+            </a:r>
+          </a:p>
+          <a:p>
+            <a:pPr lvl="1"/>
+            <a:r>
+              <a:rPr lang="en-US" smtClean="0"/>
+              <a:t>Second level</a:t>
+            </a:r>
+          </a:p>
+          <a:p>
+            <a:pPr lvl="2"/>
+            <a:r>
+              <a:rPr lang="en-US" smtClean="0"/>
+              <a:t>Third level</a:t>
+            </a:r>
+          </a:p>
+          <a:p>
+            <a:pPr lvl="3"/>
+            <a:r>
+              <a:rPr lang="en-US" smtClean="0"/>
+              <a:t>Fourth level</a:t>
+            </a:r>
+          </a:p>
+          <a:p>
+            <a:pPr lvl="4"/>
+            <a:r>
+              <a:rPr lang="en-US" smtClean="0"/>
+              <a:t>Fifth level</a:t>
+            </a:r>
+            <a:endParaRPr lang="en-NZ"/>
+          </a:p>
+        </p:txBody>
+      </p:sp>
+      <p:sp>
+        <p:nvSpPr>
+          <p:cNvPr id="5" name="Content Placeholder 4"/>
+          <p:cNvSpPr>
+            <a:spLocks noGrp="1"/>
+          </p:cNvSpPr>
+          <p:nvPr>
+            <p:ph sz="quarter" idx="3"/>
+          </p:nvPr>
+        </p:nvSpPr>
+        <p:spPr>
+          <a:xfrm>
+            <a:off x="4648200" y="4067175"/>
+            <a:ext cx="4038600" cy="2058988"/>
+          </a:xfrm>
+        </p:spPr>
+        <p:txBody>
+          <a:bodyPr/>
+          <a:lstStyle/>
+          <a:p>
+            <a:pPr lvl="0"/>
+            <a:r>
+              <a:rPr lang="en-US" smtClean="0"/>
+              <a:t>Click to edit Master text styles</a:t>
+            </a:r>
+          </a:p>
+          <a:p>
+            <a:pPr lvl="1"/>
+            <a:r>
+              <a:rPr lang="en-US" smtClean="0"/>
+              <a:t>Second level</a:t>
+            </a:r>
+          </a:p>
+          <a:p>
+            <a:pPr lvl="2"/>
+            <a:r>
+              <a:rPr lang="en-US" smtClean="0"/>
+              <a:t>Third level</a:t>
+            </a:r>
+          </a:p>
+          <a:p>
+            <a:pPr lvl="3"/>
+            <a:r>
+              <a:rPr lang="en-US" smtClean="0"/>
+              <a:t>Fourth level</a:t>
+            </a:r>
+          </a:p>
+          <a:p>
+            <a:pPr lvl="4"/>
+            <a:r>
+              <a:rPr lang="en-US" smtClean="0"/>
+              <a:t>Fifth level</a:t>
+            </a:r>
+            <a:endParaRPr lang="en-NZ"/>
+          </a:p>
+        </p:txBody>
+      </p:sp>
+      <p:sp>
+        <p:nvSpPr>
+          <p:cNvPr id="6" name="Date Placeholder 5"/>
+          <p:cNvSpPr>
+            <a:spLocks noGrp="1"/>
+          </p:cNvSpPr>
+          <p:nvPr>
+            <p:ph type="dt" sz="half" idx="10"/>
+          </p:nvPr>
+        </p:nvSpPr>
+        <p:spPr>
+          <a:xfrm>
+            <a:off x="457200" y="6356350"/>
+            <a:ext cx="2133600" cy="365125"/>
+          </a:xfrm>
+        </p:spPr>
+        <p:txBody>
+          <a:bodyPr/>
+          <a:lstStyle>
+            <a:lvl1pPr>
+              <a:defRPr smtClean="0"/>
+            </a:lvl1pPr>
+          </a:lstStyle>
+          <a:p>
+            <a:pPr>
+              <a:defRPr/>
+            </a:pPr>
+            <a:fld id="{B1008DC4-A1A2-4B1A-A0F8-12110C52330E}" type="datetimeFigureOut">
+              <a:rPr lang="en-US"/>
+              <a:pPr>
+                <a:defRPr/>
+              </a:pPr>
+              <a:t>10/22/2008</a:t>
+            </a:fld>
+            <a:endParaRPr lang="en-NZ"/>
+          </a:p>
+        </p:txBody>
+      </p:sp>
+      <p:sp>
+        <p:nvSpPr>
+          <p:cNvPr id="7" name="Footer Placeholder 6"/>
+          <p:cNvSpPr>
+            <a:spLocks noGrp="1"/>
+          </p:cNvSpPr>
+          <p:nvPr>
+            <p:ph type="ftr" sz="quarter" idx="11"/>
+          </p:nvPr>
+        </p:nvSpPr>
+        <p:spPr>
+          <a:xfrm>
+            <a:off x="3124200" y="6356350"/>
+            <a:ext cx="2895600" cy="365125"/>
+          </a:xfrm>
+        </p:spPr>
+        <p:txBody>
+          <a:bodyPr/>
+          <a:lstStyle>
+            <a:lvl1pPr>
+              <a:defRPr/>
+            </a:lvl1pPr>
+          </a:lstStyle>
+          <a:p>
+            <a:pPr>
+              <a:defRPr/>
+            </a:pPr>
+            <a:endParaRPr lang="en-NZ"/>
+          </a:p>
+        </p:txBody>
+      </p:sp>
+      <p:sp>
+        <p:nvSpPr>
+          <p:cNvPr id="8" name="Slide Number Placeholder 7"/>
+          <p:cNvSpPr>
+            <a:spLocks noGrp="1"/>
+          </p:cNvSpPr>
+          <p:nvPr>
+            <p:ph type="sldNum" sz="quarter" idx="12"/>
+          </p:nvPr>
+        </p:nvSpPr>
+        <p:spPr>
+          <a:xfrm>
+            <a:off x="6553200" y="6356350"/>
+            <a:ext cx="2133600" cy="365125"/>
+          </a:xfrm>
+        </p:spPr>
+        <p:txBody>
+          <a:bodyPr/>
+          <a:lstStyle>
+            <a:lvl1pPr>
+              <a:defRPr smtClean="0"/>
+            </a:lvl1pPr>
+          </a:lstStyle>
+          <a:p>
+            <a:pPr>
+              <a:defRPr/>
+            </a:pPr>
+            <a:fld id="{22D6EABD-D61C-4604-B722-C207221BC61B}" type="slidenum">
+              <a:rPr lang="en-NZ"/>
+              <a:pPr>
+                <a:defRPr/>
+              </a:pPr>
+              <a:t>‹#›</a:t>
+            </a:fld>
+            <a:endParaRPr lang="en-NZ"/>
+          </a:p>
+        </p:txBody>
+      </p:sp>
+    </p:spTree>
+  </p:cSld>
+  <p:clrMapOvr>
+    <a:masterClrMapping/>
+  </p:clrMapOvr>
+</p:sldLayout>
+</file>
+
 <file path=ppt/slideLayouts/slideLayout2.xml><?xml version="1.0" encoding="utf-8"?>
 <p:sldLayout xmlns:a="http://schemas.openxmlformats.org/drawingml/2006/main" xmlns:r="http://schemas.openxmlformats.org/officeDocument/2006/relationships" xmlns:p="http://schemas.openxmlformats.org/presentationml/2006/main" type="obj" preserve="1">
   <p:cSld name="Title and Content">
@@ -3627,7 +3959,7 @@
           <p:nvPr userDrawn="1"/>
         </p:nvPicPr>
         <p:blipFill>
-          <a:blip r:embed="rId13"/>
+          <a:blip r:embed="rId14"/>
           <a:srcRect/>
           <a:stretch>
             <a:fillRect/>
@@ -3934,6 +4266,7 @@
     <p:sldLayoutId id="2147483651" r:id="rId9"/>
     <p:sldLayoutId id="2147483650" r:id="rId10"/>
     <p:sldLayoutId id="2147483649" r:id="rId11"/>
+    <p:sldLayoutId id="2147483660" r:id="rId12"/>
   </p:sldLayoutIdLst>
   <p:txStyles>
     <p:titleStyle>
@@ -4486,6 +4819,94 @@
       </p:grpSpPr>
       <p:sp>
         <p:nvSpPr>
+          <p:cNvPr id="17409" name="Title 1"/>
+          <p:cNvSpPr>
+            <a:spLocks noGrp="1"/>
+          </p:cNvSpPr>
+          <p:nvPr>
+            <p:ph type="title"/>
+          </p:nvPr>
+        </p:nvSpPr>
+        <p:spPr/>
+        <p:txBody>
+          <a:bodyPr/>
+          <a:lstStyle/>
+          <a:p>
+            <a:r>
+              <a:rPr lang="en-NZ" smtClean="0"/>
+              <a:t>The Backend</a:t>
+            </a:r>
+          </a:p>
+        </p:txBody>
+      </p:sp>
+      <p:sp>
+        <p:nvSpPr>
+          <p:cNvPr id="17410" name="Content Placeholder 2"/>
+          <p:cNvSpPr>
+            <a:spLocks noGrp="1"/>
+          </p:cNvSpPr>
+          <p:nvPr>
+            <p:ph idx="1"/>
+          </p:nvPr>
+        </p:nvSpPr>
+        <p:spPr/>
+        <p:txBody>
+          <a:bodyPr/>
+          <a:lstStyle/>
+          <a:p>
+            <a:r>
+              <a:rPr lang="en-NZ" dirty="0" smtClean="0"/>
+              <a:t>The backend essentially consists of a server that accepts simple queries from the device and returns an answer</a:t>
+            </a:r>
+          </a:p>
+          <a:p>
+            <a:r>
+              <a:rPr lang="en-NZ" dirty="0" smtClean="0"/>
+              <a:t>It’s written as a threaded C# TCP Network application</a:t>
+            </a:r>
+          </a:p>
+          <a:p>
+            <a:r>
+              <a:rPr lang="en-NZ" dirty="0" smtClean="0"/>
+              <a:t>It’s all string based</a:t>
+            </a:r>
+          </a:p>
+        </p:txBody>
+      </p:sp>
+    </p:spTree>
+  </p:cSld>
+  <p:clrMapOvr>
+    <a:masterClrMapping/>
+  </p:clrMapOvr>
+  <p:timing>
+    <p:tnLst>
+      <p:par>
+        <p:cTn id="1" dur="indefinite" restart="never" nodeType="tmRoot"/>
+      </p:par>
+    </p:tnLst>
+  </p:timing>
+</p:sld>
+</file>
+
+<file path=ppt/slides/slide11.xml><?xml version="1.0" encoding="utf-8"?>
+<p:sld xmlns:a="http://schemas.openxmlformats.org/drawingml/2006/main" xmlns:r="http://schemas.openxmlformats.org/officeDocument/2006/relationships" xmlns:p="http://schemas.openxmlformats.org/presentationml/2006/main">
+  <p:cSld>
+    <p:spTree>
+      <p:nvGrpSpPr>
+        <p:cNvPr id="1" name=""/>
+        <p:cNvGrpSpPr/>
+        <p:nvPr/>
+      </p:nvGrpSpPr>
+      <p:grpSpPr>
+        <a:xfrm>
+          <a:off x="0" y="0"/>
+          <a:ext cx="0" cy="0"/>
+          <a:chOff x="0" y="0"/>
+          <a:chExt cx="0" cy="0"/>
+        </a:xfrm>
+      </p:grpSpPr>
+      <p:sp>
+        <p:nvSpPr>
           <p:cNvPr id="18433" name="Title 1"/>
           <p:cNvSpPr>
             <a:spLocks noGrp="1"/>
@@ -4707,7 +5128,7 @@
 </p:sld>
 </file>
 
-<file path=ppt/slides/slide11.xml><?xml version="1.0" encoding="utf-8"?>
+<file path=ppt/slides/slide12.xml><?xml version="1.0" encoding="utf-8"?>
 <p:sld xmlns:a="http://schemas.openxmlformats.org/drawingml/2006/main" xmlns:r="http://schemas.openxmlformats.org/officeDocument/2006/relationships" xmlns:p="http://schemas.openxmlformats.org/presentationml/2006/main">
   <p:cSld>
     <p:spTree>
@@ -5212,7 +5633,7 @@
 </p:sld>
 </file>
 
-<file path=ppt/slides/slide12.xml><?xml version="1.0" encoding="utf-8"?>
+<file path=ppt/slides/slide13.xml><?xml version="1.0" encoding="utf-8"?>
 <p:sld xmlns:a="http://schemas.openxmlformats.org/drawingml/2006/main" xmlns:r="http://schemas.openxmlformats.org/officeDocument/2006/relationships" xmlns:p="http://schemas.openxmlformats.org/presentationml/2006/main">
   <p:cSld>
     <p:spTree>
@@ -5833,7 +6254,7 @@
 </p:sld>
 </file>
 
-<file path=ppt/slides/slide13.xml><?xml version="1.0" encoding="utf-8"?>
+<file path=ppt/slides/slide14.xml><?xml version="1.0" encoding="utf-8"?>
 <p:sld xmlns:a="http://schemas.openxmlformats.org/drawingml/2006/main" xmlns:r="http://schemas.openxmlformats.org/officeDocument/2006/relationships" xmlns:p="http://schemas.openxmlformats.org/presentationml/2006/main">
   <p:cSld>
     <p:spTree>
@@ -6849,6 +7270,379 @@
 </file>
 
 <file path=ppt/slides/slide7.xml><?xml version="1.0" encoding="utf-8"?>
+<p:sld xmlns:a="http://schemas.openxmlformats.org/drawingml/2006/main" xmlns:r="http://schemas.openxmlformats.org/officeDocument/2006/relationships" xmlns:p="http://schemas.openxmlformats.org/presentationml/2006/main">
+  <p:cSld>
+    <p:spTree>
+      <p:nvGrpSpPr>
+        <p:cNvPr id="1" name=""/>
+        <p:cNvGrpSpPr/>
+        <p:nvPr/>
+      </p:nvGrpSpPr>
+      <p:grpSpPr>
+        <a:xfrm>
+          <a:off x="0" y="0"/>
+          <a:ext cx="0" cy="0"/>
+          <a:chOff x="0" y="0"/>
+          <a:chExt cx="0" cy="0"/>
+        </a:xfrm>
+      </p:grpSpPr>
+      <p:sp>
+        <p:nvSpPr>
+          <p:cNvPr id="31755" name="Rectangle 11"/>
+          <p:cNvSpPr>
+            <a:spLocks noGrp="1"/>
+          </p:cNvSpPr>
+          <p:nvPr>
+            <p:ph type="title"/>
+          </p:nvPr>
+        </p:nvSpPr>
+        <p:spPr/>
+        <p:txBody>
+          <a:bodyPr/>
+          <a:lstStyle/>
+          <a:p>
+            <a:r>
+              <a:rPr lang="en-US" smtClean="0"/>
+              <a:t>Interface</a:t>
+            </a:r>
+          </a:p>
+        </p:txBody>
+      </p:sp>
+      <p:graphicFrame>
+        <p:nvGraphicFramePr>
+          <p:cNvPr id="31748" name="Object 4"/>
+          <p:cNvGraphicFramePr>
+            <a:graphicFrameLocks noChangeAspect="1"/>
+          </p:cNvGraphicFramePr>
+          <p:nvPr>
+            <p:ph sz="half" idx="1"/>
+          </p:nvPr>
+        </p:nvGraphicFramePr>
+        <p:xfrm>
+          <a:off x="539750" y="1989138"/>
+          <a:ext cx="2500313" cy="4016375"/>
+        </p:xfrm>
+        <a:graphic>
+          <a:graphicData uri="http://schemas.openxmlformats.org/presentationml/2006/ole">
+            <p:oleObj spid="_x0000_s1026" name="Bitmap Image" r:id="rId3" imgW="2499577" imgH="4016088" progId="Paint.Picture">
+              <p:embed/>
+            </p:oleObj>
+          </a:graphicData>
+        </a:graphic>
+      </p:graphicFrame>
+      <p:graphicFrame>
+        <p:nvGraphicFramePr>
+          <p:cNvPr id="31751" name="Object 7"/>
+          <p:cNvGraphicFramePr>
+            <a:graphicFrameLocks noChangeAspect="1"/>
+          </p:cNvGraphicFramePr>
+          <p:nvPr>
+            <p:ph sz="quarter" idx="2"/>
+          </p:nvPr>
+        </p:nvGraphicFramePr>
+        <p:xfrm>
+          <a:off x="3348038" y="2060575"/>
+          <a:ext cx="2540000" cy="3960813"/>
+        </p:xfrm>
+        <a:graphic>
+          <a:graphicData uri="http://schemas.openxmlformats.org/presentationml/2006/ole">
+            <p:oleObj spid="_x0000_s1027" name="Bitmap Image" r:id="rId4" imgW="2560542" imgH="3992381" progId="Paint.Picture">
+              <p:embed/>
+            </p:oleObj>
+          </a:graphicData>
+        </a:graphic>
+      </p:graphicFrame>
+      <p:graphicFrame>
+        <p:nvGraphicFramePr>
+          <p:cNvPr id="31754" name="Object 10"/>
+          <p:cNvGraphicFramePr>
+            <a:graphicFrameLocks noChangeAspect="1"/>
+          </p:cNvGraphicFramePr>
+          <p:nvPr>
+            <p:ph sz="quarter" idx="3"/>
+          </p:nvPr>
+        </p:nvGraphicFramePr>
+        <p:xfrm>
+          <a:off x="6300788" y="2060575"/>
+          <a:ext cx="2468562" cy="3889375"/>
+        </p:xfrm>
+        <a:graphic>
+          <a:graphicData uri="http://schemas.openxmlformats.org/presentationml/2006/ole">
+            <p:oleObj spid="_x0000_s1028" name="Bitmap Image" r:id="rId5" imgW="2545301" imgH="4008467" progId="Paint.Picture">
+              <p:embed/>
+            </p:oleObj>
+          </a:graphicData>
+        </a:graphic>
+      </p:graphicFrame>
+    </p:spTree>
+  </p:cSld>
+  <p:clrMapOvr>
+    <a:masterClrMapping/>
+  </p:clrMapOvr>
+  <p:timing>
+    <p:tnLst>
+      <p:par>
+        <p:cTn id="1" dur="indefinite" restart="never" nodeType="tmRoot">
+          <p:childTnLst>
+            <p:seq concurrent="1" nextAc="seek">
+              <p:cTn id="2" dur="indefinite" nodeType="mainSeq">
+                <p:childTnLst>
+                  <p:par>
+                    <p:cTn id="3" fill="hold">
+                      <p:stCondLst>
+                        <p:cond delay="indefinite"/>
+                        <p:cond evt="onBegin" delay="0">
+                          <p:tn val="2"/>
+                        </p:cond>
+                      </p:stCondLst>
+                      <p:childTnLst>
+                        <p:par>
+                          <p:cTn id="4" fill="hold">
+                            <p:stCondLst>
+                              <p:cond delay="0"/>
+                            </p:stCondLst>
+                            <p:childTnLst>
+                              <p:par>
+                                <p:cTn id="5" presetID="24" presetClass="entr" presetSubtype="0" fill="hold" grpId="0" nodeType="afterEffect">
+                                  <p:stCondLst>
+                                    <p:cond delay="100"/>
+                                  </p:stCondLst>
+                                  <p:childTnLst>
+                                    <p:set>
+                                      <p:cBhvr>
+                                        <p:cTn id="6" dur="1" fill="hold">
+                                          <p:stCondLst>
+                                            <p:cond delay="0"/>
+                                          </p:stCondLst>
+                                        </p:cTn>
+                                        <p:tgtEl>
+                                          <p:spTgt spid="31755"/>
+                                        </p:tgtEl>
+                                        <p:attrNameLst>
+                                          <p:attrName>style.visibility</p:attrName>
+                                        </p:attrNameLst>
+                                      </p:cBhvr>
+                                      <p:to>
+                                        <p:strVal val="visible"/>
+                                      </p:to>
+                                    </p:set>
+                                    <p:anim to="" calcmode="lin" valueType="num">
+                                      <p:cBhvr>
+                                        <p:cTn id="7" dur="1" fill="hold"/>
+                                        <p:tgtEl>
+                                          <p:spTgt spid="31755"/>
+                                        </p:tgtEl>
+                                        <p:attrNameLst>
+                                          <p:attrName/>
+                                        </p:attrNameLst>
+                                      </p:cBhvr>
+                                    </p:anim>
+                                  </p:childTnLst>
+                                </p:cTn>
+                              </p:par>
+                            </p:childTnLst>
+                          </p:cTn>
+                        </p:par>
+                      </p:childTnLst>
+                    </p:cTn>
+                  </p:par>
+                  <p:par>
+                    <p:cTn id="8" fill="hold">
+                      <p:stCondLst>
+                        <p:cond delay="indefinite"/>
+                      </p:stCondLst>
+                      <p:childTnLst>
+                        <p:par>
+                          <p:cTn id="9" fill="hold">
+                            <p:stCondLst>
+                              <p:cond delay="0"/>
+                            </p:stCondLst>
+                            <p:childTnLst>
+                              <p:par>
+                                <p:cTn id="10" presetID="24" presetClass="entr" presetSubtype="0" fill="hold" nodeType="clickEffect">
+                                  <p:stCondLst>
+                                    <p:cond delay="0"/>
+                                  </p:stCondLst>
+                                  <p:childTnLst>
+                                    <p:set>
+                                      <p:cBhvr>
+                                        <p:cTn id="11" dur="1" fill="hold">
+                                          <p:stCondLst>
+                                            <p:cond delay="0"/>
+                                          </p:stCondLst>
+                                        </p:cTn>
+                                        <p:tgtEl>
+                                          <p:spTgt spid="31748"/>
+                                        </p:tgtEl>
+                                        <p:attrNameLst>
+                                          <p:attrName>style.visibility</p:attrName>
+                                        </p:attrNameLst>
+                                      </p:cBhvr>
+                                      <p:to>
+                                        <p:strVal val="visible"/>
+                                      </p:to>
+                                    </p:set>
+                                    <p:anim to="" calcmode="lin" valueType="num">
+                                      <p:cBhvr>
+                                        <p:cTn id="12" dur="1" fill="hold"/>
+                                        <p:tgtEl>
+                                          <p:spTgt spid="31748"/>
+                                        </p:tgtEl>
+                                        <p:attrNameLst>
+                                          <p:attrName/>
+                                        </p:attrNameLst>
+                                      </p:cBhvr>
+                                    </p:anim>
+                                  </p:childTnLst>
+                                </p:cTn>
+                              </p:par>
+                            </p:childTnLst>
+                          </p:cTn>
+                        </p:par>
+                      </p:childTnLst>
+                    </p:cTn>
+                  </p:par>
+                  <p:par>
+                    <p:cTn id="13" fill="hold">
+                      <p:stCondLst>
+                        <p:cond delay="indefinite"/>
+                      </p:stCondLst>
+                      <p:childTnLst>
+                        <p:par>
+                          <p:cTn id="14" fill="hold">
+                            <p:stCondLst>
+                              <p:cond delay="0"/>
+                            </p:stCondLst>
+                            <p:childTnLst>
+                              <p:par>
+                                <p:cTn id="15" presetID="24" presetClass="entr" presetSubtype="0" fill="hold" nodeType="clickEffect">
+                                  <p:stCondLst>
+                                    <p:cond delay="0"/>
+                                  </p:stCondLst>
+                                  <p:childTnLst>
+                                    <p:set>
+                                      <p:cBhvr>
+                                        <p:cTn id="16" dur="1" fill="hold">
+                                          <p:stCondLst>
+                                            <p:cond delay="0"/>
+                                          </p:stCondLst>
+                                        </p:cTn>
+                                        <p:tgtEl>
+                                          <p:spTgt spid="31751"/>
+                                        </p:tgtEl>
+                                        <p:attrNameLst>
+                                          <p:attrName>style.visibility</p:attrName>
+                                        </p:attrNameLst>
+                                      </p:cBhvr>
+                                      <p:to>
+                                        <p:strVal val="visible"/>
+                                      </p:to>
+                                    </p:set>
+                                    <p:anim to="" calcmode="lin" valueType="num">
+                                      <p:cBhvr>
+                                        <p:cTn id="17" dur="1" fill="hold"/>
+                                        <p:tgtEl>
+                                          <p:spTgt spid="31751"/>
+                                        </p:tgtEl>
+                                        <p:attrNameLst>
+                                          <p:attrName/>
+                                        </p:attrNameLst>
+                                      </p:cBhvr>
+                                    </p:anim>
+                                  </p:childTnLst>
+                                </p:cTn>
+                              </p:par>
+                            </p:childTnLst>
+                          </p:cTn>
+                        </p:par>
+                      </p:childTnLst>
+                    </p:cTn>
+                  </p:par>
+                  <p:par>
+                    <p:cTn id="18" fill="hold">
+                      <p:stCondLst>
+                        <p:cond delay="indefinite"/>
+                      </p:stCondLst>
+                      <p:childTnLst>
+                        <p:par>
+                          <p:cTn id="19" fill="hold">
+                            <p:stCondLst>
+                              <p:cond delay="0"/>
+                            </p:stCondLst>
+                            <p:childTnLst>
+                              <p:par>
+                                <p:cTn id="20" presetID="24" presetClass="entr" presetSubtype="0" fill="hold" nodeType="clickEffect">
+                                  <p:stCondLst>
+                                    <p:cond delay="0"/>
+                                  </p:stCondLst>
+                                  <p:childTnLst>
+                                    <p:set>
+                                      <p:cBhvr>
+                                        <p:cTn id="21" dur="1" fill="hold">
+                                          <p:stCondLst>
+                                            <p:cond delay="0"/>
+                                          </p:stCondLst>
+                                        </p:cTn>
+                                        <p:tgtEl>
+                                          <p:spTgt spid="31754"/>
+                                        </p:tgtEl>
+                                        <p:attrNameLst>
+                                          <p:attrName>style.visibility</p:attrName>
+                                        </p:attrNameLst>
+                                      </p:cBhvr>
+                                      <p:to>
+                                        <p:strVal val="visible"/>
+                                      </p:to>
+                                    </p:set>
+                                    <p:anim to="" calcmode="lin" valueType="num">
+                                      <p:cBhvr>
+                                        <p:cTn id="22" dur="1" fill="hold"/>
+                                        <p:tgtEl>
+                                          <p:spTgt spid="31754"/>
+                                        </p:tgtEl>
+                                        <p:attrNameLst>
+                                          <p:attrName/>
+                                        </p:attrNameLst>
+                                      </p:cBhvr>
+                                    </p:anim>
+                                  </p:childTnLst>
+                                </p:cTn>
+                              </p:par>
+                            </p:childTnLst>
+                          </p:cTn>
+                        </p:par>
+                      </p:childTnLst>
+                    </p:cTn>
+                  </p:par>
+                </p:childTnLst>
+              </p:cTn>
+              <p:prevCondLst>
+                <p:cond evt="onPrev" delay="0">
+                  <p:tgtEl>
+                    <p:sldTgt/>
+                  </p:tgtEl>
+                </p:cond>
+              </p:prevCondLst>
+              <p:nextCondLst>
+                <p:cond evt="onNext" delay="0">
+                  <p:tgtEl>
+                    <p:sldTgt/>
+                  </p:tgtEl>
+                </p:cond>
+              </p:nextCondLst>
+            </p:seq>
+          </p:childTnLst>
+        </p:cTn>
+      </p:par>
+    </p:tnLst>
+    <p:bldLst>
+      <p:bldP spid="31755" grpId="0"/>
+    </p:bldLst>
+  </p:timing>
+</p:sld>
+</file>
+
+<file path=ppt/slides/slide8.xml><?xml version="1.0" encoding="utf-8"?>
 <p:sld xmlns:a="http://schemas.openxmlformats.org/drawingml/2006/main" xmlns:r="http://schemas.openxmlformats.org/officeDocument/2006/relationships" xmlns:p="http://schemas.openxmlformats.org/presentationml/2006/main">
   <p:cSld>
     <p:spTree>
@@ -7660,7 +8454,7 @@
 </p:sld>
 </file>
 
-<file path=ppt/slides/slide8.xml><?xml version="1.0" encoding="utf-8"?>
+<file path=ppt/slides/slide9.xml><?xml version="1.0" encoding="utf-8"?>
 <p:sld xmlns:a="http://schemas.openxmlformats.org/drawingml/2006/main" xmlns:r="http://schemas.openxmlformats.org/officeDocument/2006/relationships" xmlns:p="http://schemas.openxmlformats.org/presentationml/2006/main">
   <p:cSld>
     <p:spTree>
@@ -8250,94 +9044,6 @@
             </p:seq>
           </p:childTnLst>
         </p:cTn>
-      </p:par>
-    </p:tnLst>
-  </p:timing>
-</p:sld>
-</file>
-
-<file path=ppt/slides/slide9.xml><?xml version="1.0" encoding="utf-8"?>
-<p:sld xmlns:a="http://schemas.openxmlformats.org/drawingml/2006/main" xmlns:r="http://schemas.openxmlformats.org/officeDocument/2006/relationships" xmlns:p="http://schemas.openxmlformats.org/presentationml/2006/main">
-  <p:cSld>
-    <p:spTree>
-      <p:nvGrpSpPr>
-        <p:cNvPr id="1" name=""/>
-        <p:cNvGrpSpPr/>
-        <p:nvPr/>
-      </p:nvGrpSpPr>
-      <p:grpSpPr>
-        <a:xfrm>
-          <a:off x="0" y="0"/>
-          <a:ext cx="0" cy="0"/>
-          <a:chOff x="0" y="0"/>
-          <a:chExt cx="0" cy="0"/>
-        </a:xfrm>
-      </p:grpSpPr>
-      <p:sp>
-        <p:nvSpPr>
-          <p:cNvPr id="17409" name="Title 1"/>
-          <p:cNvSpPr>
-            <a:spLocks noGrp="1"/>
-          </p:cNvSpPr>
-          <p:nvPr>
-            <p:ph type="title"/>
-          </p:nvPr>
-        </p:nvSpPr>
-        <p:spPr/>
-        <p:txBody>
-          <a:bodyPr/>
-          <a:lstStyle/>
-          <a:p>
-            <a:r>
-              <a:rPr lang="en-NZ" smtClean="0"/>
-              <a:t>The Backend</a:t>
-            </a:r>
-          </a:p>
-        </p:txBody>
-      </p:sp>
-      <p:sp>
-        <p:nvSpPr>
-          <p:cNvPr id="17410" name="Content Placeholder 2"/>
-          <p:cNvSpPr>
-            <a:spLocks noGrp="1"/>
-          </p:cNvSpPr>
-          <p:nvPr>
-            <p:ph idx="1"/>
-          </p:nvPr>
-        </p:nvSpPr>
-        <p:spPr/>
-        <p:txBody>
-          <a:bodyPr/>
-          <a:lstStyle/>
-          <a:p>
-            <a:r>
-              <a:rPr lang="en-NZ" dirty="0" smtClean="0"/>
-              <a:t>The backend essentially consists of a server that accepts simple queries from the device and returns an answer</a:t>
-            </a:r>
-          </a:p>
-          <a:p>
-            <a:r>
-              <a:rPr lang="en-NZ" dirty="0" smtClean="0"/>
-              <a:t>It’s written as a threaded C# TCP Network application</a:t>
-            </a:r>
-          </a:p>
-          <a:p>
-            <a:r>
-              <a:rPr lang="en-NZ" dirty="0" smtClean="0"/>
-              <a:t>It’s all string based</a:t>
-            </a:r>
-          </a:p>
-        </p:txBody>
-      </p:sp>
-    </p:spTree>
-  </p:cSld>
-  <p:clrMapOvr>
-    <a:masterClrMapping/>
-  </p:clrMapOvr>
-  <p:timing>
-    <p:tnLst>
-      <p:par>
-        <p:cTn id="1" dur="indefinite" restart="never" nodeType="tmRoot"/>
       </p:par>
     </p:tnLst>
   </p:timing>
